--- a/CryptoTrackerPrez.pptx
+++ b/CryptoTrackerPrez.pptx
@@ -3,19 +3,22 @@
 <p:presentation xmlns:a="http://schemas.openxmlformats.org/drawingml/2006/main" xmlns:r="http://schemas.openxmlformats.org/officeDocument/2006/relationships" xmlns:p="http://schemas.openxmlformats.org/presentationml/2006/main" saveSubsetFonts="1">
   <p:sldMasterIdLst>
     <p:sldMasterId id="2147483648" r:id="rId1"/>
+    <p:sldMasterId id="2147483743" r:id="rId2"/>
   </p:sldMasterIdLst>
   <p:sldIdLst>
-    <p:sldId id="256" r:id="rId2"/>
-    <p:sldId id="257" r:id="rId3"/>
-    <p:sldId id="260" r:id="rId4"/>
-    <p:sldId id="258" r:id="rId5"/>
-    <p:sldId id="259" r:id="rId6"/>
-    <p:sldId id="261" r:id="rId7"/>
-    <p:sldId id="262" r:id="rId8"/>
-    <p:sldId id="263" r:id="rId9"/>
-    <p:sldId id="265" r:id="rId10"/>
-    <p:sldId id="264" r:id="rId11"/>
-    <p:sldId id="266" r:id="rId12"/>
+    <p:sldId id="256" r:id="rId3"/>
+    <p:sldId id="257" r:id="rId4"/>
+    <p:sldId id="260" r:id="rId5"/>
+    <p:sldId id="258" r:id="rId6"/>
+    <p:sldId id="259" r:id="rId7"/>
+    <p:sldId id="261" r:id="rId8"/>
+    <p:sldId id="262" r:id="rId9"/>
+    <p:sldId id="263" r:id="rId10"/>
+    <p:sldId id="267" r:id="rId11"/>
+    <p:sldId id="268" r:id="rId12"/>
+    <p:sldId id="265" r:id="rId13"/>
+    <p:sldId id="264" r:id="rId14"/>
+    <p:sldId id="266" r:id="rId15"/>
   </p:sldIdLst>
   <p:sldSz cx="12192000" cy="6858000"/>
   <p:notesSz cx="6858000" cy="9144000"/>
@@ -114,7 +117,24 @@
       </a:defRPr>
     </a:lvl9pPr>
   </p:defaultTextStyle>
+  <p:extLst>
+    <p:ext uri="{EFAFB233-063F-42B5-8137-9DF3F51BA10A}">
+      <p15:sldGuideLst xmlns:p15="http://schemas.microsoft.com/office/powerpoint/2012/main"/>
+    </p:ext>
+  </p:extLst>
 </p:presentation>
+</file>
+
+<file path=ppt/commentAuthors.xml><?xml version="1.0" encoding="utf-8"?>
+<p:cmAuthorLst xmlns:a="http://schemas.openxmlformats.org/drawingml/2006/main" xmlns:r="http://schemas.openxmlformats.org/officeDocument/2006/relationships" xmlns:p="http://schemas.openxmlformats.org/presentationml/2006/main">
+  <p:cmAuthor id="1" name="Ryan Power" initials="RP" lastIdx="1" clrIdx="0">
+    <p:extLst>
+      <p:ext uri="{19B8F6BF-5375-455C-9EA6-DF929625EA0E}">
+        <p15:presenceInfo xmlns:p15="http://schemas.microsoft.com/office/powerpoint/2012/main" userId="b17772dd1e1404c2" providerId="Windows Live"/>
+      </p:ext>
+    </p:extLst>
+  </p:cmAuthor>
+</p:cmAuthorLst>
 </file>
 
 <file path=ppt/slideLayouts/slideLayout1.xml><?xml version="1.0" encoding="utf-8"?>
@@ -264,7 +284,7 @@
           <a:p>
             <a:fld id="{AA8E3A9D-C656-42E0-9A54-3FB3B7C5D5B6}" type="datetimeFigureOut">
               <a:rPr lang="en-US" smtClean="0"/>
-              <a:t>4/26/2021</a:t>
+              <a:t>5/4/2021</a:t>
             </a:fld>
             <a:endParaRPr lang="en-US"/>
           </a:p>
@@ -462,7 +482,7 @@
           <a:p>
             <a:fld id="{AA8E3A9D-C656-42E0-9A54-3FB3B7C5D5B6}" type="datetimeFigureOut">
               <a:rPr lang="en-US" smtClean="0"/>
-              <a:t>4/26/2021</a:t>
+              <a:t>5/4/2021</a:t>
             </a:fld>
             <a:endParaRPr lang="en-US"/>
           </a:p>
@@ -670,7 +690,7 @@
           <a:p>
             <a:fld id="{AA8E3A9D-C656-42E0-9A54-3FB3B7C5D5B6}" type="datetimeFigureOut">
               <a:rPr lang="en-US" smtClean="0"/>
-              <a:t>4/26/2021</a:t>
+              <a:t>5/4/2021</a:t>
             </a:fld>
             <a:endParaRPr lang="en-US"/>
           </a:p>
@@ -734,6 +754,1789 @@
     <p:extLst>
       <p:ext uri="{BB962C8B-B14F-4D97-AF65-F5344CB8AC3E}">
         <p14:creationId xmlns:p14="http://schemas.microsoft.com/office/powerpoint/2010/main" val="1185627391"/>
+      </p:ext>
+    </p:extLst>
+  </p:cSld>
+  <p:clrMapOvr>
+    <a:masterClrMapping/>
+  </p:clrMapOvr>
+</p:sldLayout>
+</file>
+
+<file path=ppt/slideLayouts/slideLayout12.xml><?xml version="1.0" encoding="utf-8"?>
+<p:sldLayout xmlns:a="http://schemas.openxmlformats.org/drawingml/2006/main" xmlns:r="http://schemas.openxmlformats.org/officeDocument/2006/relationships" xmlns:p="http://schemas.openxmlformats.org/presentationml/2006/main" type="title" preserve="1">
+  <p:cSld name="Title Slide">
+    <p:spTree>
+      <p:nvGrpSpPr>
+        <p:cNvPr id="1" name=""/>
+        <p:cNvGrpSpPr/>
+        <p:nvPr/>
+      </p:nvGrpSpPr>
+      <p:grpSpPr>
+        <a:xfrm>
+          <a:off x="0" y="0"/>
+          <a:ext cx="0" cy="0"/>
+          <a:chOff x="0" y="0"/>
+          <a:chExt cx="0" cy="0"/>
+        </a:xfrm>
+      </p:grpSpPr>
+      <p:pic>
+        <p:nvPicPr>
+          <p:cNvPr id="8" name="Picture 7" descr="C3-HD-BTM.png"/>
+          <p:cNvPicPr>
+            <a:picLocks noChangeAspect="1"/>
+          </p:cNvPicPr>
+          <p:nvPr/>
+        </p:nvPicPr>
+        <p:blipFill>
+          <a:blip r:embed="rId2">
+            <a:extLst>
+              <a:ext uri="{28A0092B-C50C-407E-A947-70E740481C1C}">
+                <a14:useLocalDpi xmlns:a14="http://schemas.microsoft.com/office/drawing/2010/main" val="0"/>
+              </a:ext>
+            </a:extLst>
+          </a:blip>
+          <a:stretch>
+            <a:fillRect/>
+          </a:stretch>
+        </p:blipFill>
+        <p:spPr>
+          <a:xfrm>
+            <a:off x="0" y="4375150"/>
+            <a:ext cx="12192000" cy="2482850"/>
+          </a:xfrm>
+          <a:prstGeom prst="rect">
+            <a:avLst/>
+          </a:prstGeom>
+        </p:spPr>
+      </p:pic>
+      <p:sp>
+        <p:nvSpPr>
+          <p:cNvPr id="2" name="Title 1"/>
+          <p:cNvSpPr>
+            <a:spLocks noGrp="1"/>
+          </p:cNvSpPr>
+          <p:nvPr>
+            <p:ph type="ctrTitle"/>
+          </p:nvPr>
+        </p:nvSpPr>
+        <p:spPr>
+          <a:xfrm>
+            <a:off x="1371600" y="1803405"/>
+            <a:ext cx="9448800" cy="1825096"/>
+          </a:xfrm>
+        </p:spPr>
+        <p:txBody>
+          <a:bodyPr anchor="b">
+            <a:normAutofit/>
+          </a:bodyPr>
+          <a:lstStyle>
+            <a:lvl1pPr algn="l">
+              <a:defRPr sz="6000"/>
+            </a:lvl1pPr>
+          </a:lstStyle>
+          <a:p>
+            <a:r>
+              <a:rPr lang="en-US"/>
+              <a:t>Click to edit Master title style</a:t>
+            </a:r>
+            <a:endParaRPr lang="en-US" dirty="0"/>
+          </a:p>
+        </p:txBody>
+      </p:sp>
+      <p:sp>
+        <p:nvSpPr>
+          <p:cNvPr id="3" name="Subtitle 2"/>
+          <p:cNvSpPr>
+            <a:spLocks noGrp="1"/>
+          </p:cNvSpPr>
+          <p:nvPr>
+            <p:ph type="subTitle" idx="1"/>
+          </p:nvPr>
+        </p:nvSpPr>
+        <p:spPr>
+          <a:xfrm>
+            <a:off x="1371600" y="3632201"/>
+            <a:ext cx="9448800" cy="685800"/>
+          </a:xfrm>
+        </p:spPr>
+        <p:txBody>
+          <a:bodyPr>
+            <a:normAutofit/>
+          </a:bodyPr>
+          <a:lstStyle>
+            <a:lvl1pPr marL="0" indent="0" algn="l">
+              <a:buNone/>
+              <a:defRPr sz="2000"/>
+            </a:lvl1pPr>
+            <a:lvl2pPr marL="457200" indent="0" algn="ctr">
+              <a:buNone/>
+              <a:defRPr sz="2000"/>
+            </a:lvl2pPr>
+            <a:lvl3pPr marL="914400" indent="0" algn="ctr">
+              <a:buNone/>
+              <a:defRPr sz="1800"/>
+            </a:lvl3pPr>
+            <a:lvl4pPr marL="1371600" indent="0" algn="ctr">
+              <a:buNone/>
+              <a:defRPr sz="1600"/>
+            </a:lvl4pPr>
+            <a:lvl5pPr marL="1828800" indent="0" algn="ctr">
+              <a:buNone/>
+              <a:defRPr sz="1600"/>
+            </a:lvl5pPr>
+            <a:lvl6pPr marL="2286000" indent="0" algn="ctr">
+              <a:buNone/>
+              <a:defRPr sz="1600"/>
+            </a:lvl6pPr>
+            <a:lvl7pPr marL="2743200" indent="0" algn="ctr">
+              <a:buNone/>
+              <a:defRPr sz="1600"/>
+            </a:lvl7pPr>
+            <a:lvl8pPr marL="3200400" indent="0" algn="ctr">
+              <a:buNone/>
+              <a:defRPr sz="1600"/>
+            </a:lvl8pPr>
+            <a:lvl9pPr marL="3657600" indent="0" algn="ctr">
+              <a:buNone/>
+              <a:defRPr sz="1600"/>
+            </a:lvl9pPr>
+          </a:lstStyle>
+          <a:p>
+            <a:r>
+              <a:rPr lang="en-US"/>
+              <a:t>Click to edit Master subtitle style</a:t>
+            </a:r>
+            <a:endParaRPr lang="en-US" dirty="0"/>
+          </a:p>
+        </p:txBody>
+      </p:sp>
+      <p:sp>
+        <p:nvSpPr>
+          <p:cNvPr id="4" name="Date Placeholder 3"/>
+          <p:cNvSpPr>
+            <a:spLocks noGrp="1"/>
+          </p:cNvSpPr>
+          <p:nvPr>
+            <p:ph type="dt" sz="half" idx="10"/>
+          </p:nvPr>
+        </p:nvSpPr>
+        <p:spPr>
+          <a:xfrm>
+            <a:off x="7909561" y="4314328"/>
+            <a:ext cx="2910840" cy="374642"/>
+          </a:xfrm>
+        </p:spPr>
+        <p:txBody>
+          <a:bodyPr/>
+          <a:lstStyle/>
+          <a:p>
+            <a:fld id="{AA8E3A9D-C656-42E0-9A54-3FB3B7C5D5B6}" type="datetimeFigureOut">
+              <a:rPr lang="en-US" smtClean="0"/>
+              <a:t>5/4/2021</a:t>
+            </a:fld>
+            <a:endParaRPr lang="en-US"/>
+          </a:p>
+        </p:txBody>
+      </p:sp>
+      <p:sp>
+        <p:nvSpPr>
+          <p:cNvPr id="5" name="Footer Placeholder 4"/>
+          <p:cNvSpPr>
+            <a:spLocks noGrp="1"/>
+          </p:cNvSpPr>
+          <p:nvPr>
+            <p:ph type="ftr" sz="quarter" idx="11"/>
+          </p:nvPr>
+        </p:nvSpPr>
+        <p:spPr>
+          <a:xfrm>
+            <a:off x="1371600" y="4323845"/>
+            <a:ext cx="6400800" cy="365125"/>
+          </a:xfrm>
+        </p:spPr>
+        <p:txBody>
+          <a:bodyPr/>
+          <a:lstStyle/>
+          <a:p>
+            <a:endParaRPr lang="en-US"/>
+          </a:p>
+        </p:txBody>
+      </p:sp>
+      <p:sp>
+        <p:nvSpPr>
+          <p:cNvPr id="6" name="Slide Number Placeholder 5"/>
+          <p:cNvSpPr>
+            <a:spLocks noGrp="1"/>
+          </p:cNvSpPr>
+          <p:nvPr>
+            <p:ph type="sldNum" sz="quarter" idx="12"/>
+          </p:nvPr>
+        </p:nvSpPr>
+        <p:spPr>
+          <a:xfrm>
+            <a:off x="8077200" y="1430866"/>
+            <a:ext cx="2743200" cy="365125"/>
+          </a:xfrm>
+        </p:spPr>
+        <p:txBody>
+          <a:bodyPr/>
+          <a:lstStyle/>
+          <a:p>
+            <a:fld id="{B3A48331-C09F-4E22-8D6A-D7DA050076D7}" type="slidenum">
+              <a:rPr lang="en-US" smtClean="0"/>
+              <a:t>‹#›</a:t>
+            </a:fld>
+            <a:endParaRPr lang="en-US"/>
+          </a:p>
+        </p:txBody>
+      </p:sp>
+    </p:spTree>
+    <p:extLst>
+      <p:ext uri="{BB962C8B-B14F-4D97-AF65-F5344CB8AC3E}">
+        <p14:creationId xmlns:p14="http://schemas.microsoft.com/office/powerpoint/2010/main" val="1386014990"/>
+      </p:ext>
+    </p:extLst>
+  </p:cSld>
+  <p:clrMapOvr>
+    <a:masterClrMapping/>
+  </p:clrMapOvr>
+</p:sldLayout>
+</file>
+
+<file path=ppt/slideLayouts/slideLayout13.xml><?xml version="1.0" encoding="utf-8"?>
+<p:sldLayout xmlns:a="http://schemas.openxmlformats.org/drawingml/2006/main" xmlns:r="http://schemas.openxmlformats.org/officeDocument/2006/relationships" xmlns:p="http://schemas.openxmlformats.org/presentationml/2006/main" type="obj" preserve="1">
+  <p:cSld name="Title and Content">
+    <p:spTree>
+      <p:nvGrpSpPr>
+        <p:cNvPr id="1" name=""/>
+        <p:cNvGrpSpPr/>
+        <p:nvPr/>
+      </p:nvGrpSpPr>
+      <p:grpSpPr>
+        <a:xfrm>
+          <a:off x="0" y="0"/>
+          <a:ext cx="0" cy="0"/>
+          <a:chOff x="0" y="0"/>
+          <a:chExt cx="0" cy="0"/>
+        </a:xfrm>
+      </p:grpSpPr>
+      <p:sp>
+        <p:nvSpPr>
+          <p:cNvPr id="2" name="Title 1"/>
+          <p:cNvSpPr>
+            <a:spLocks noGrp="1"/>
+          </p:cNvSpPr>
+          <p:nvPr>
+            <p:ph type="title"/>
+          </p:nvPr>
+        </p:nvSpPr>
+        <p:spPr/>
+        <p:txBody>
+          <a:bodyPr/>
+          <a:lstStyle/>
+          <a:p>
+            <a:r>
+              <a:rPr lang="en-US"/>
+              <a:t>Click to edit Master title style</a:t>
+            </a:r>
+            <a:endParaRPr lang="en-US" dirty="0"/>
+          </a:p>
+        </p:txBody>
+      </p:sp>
+      <p:sp>
+        <p:nvSpPr>
+          <p:cNvPr id="3" name="Content Placeholder 2"/>
+          <p:cNvSpPr>
+            <a:spLocks noGrp="1"/>
+          </p:cNvSpPr>
+          <p:nvPr>
+            <p:ph idx="1"/>
+          </p:nvPr>
+        </p:nvSpPr>
+        <p:spPr/>
+        <p:txBody>
+          <a:bodyPr/>
+          <a:lstStyle/>
+          <a:p>
+            <a:pPr lvl="0"/>
+            <a:r>
+              <a:rPr lang="en-US"/>
+              <a:t>Click to edit Master text styles</a:t>
+            </a:r>
+          </a:p>
+          <a:p>
+            <a:pPr lvl="1"/>
+            <a:r>
+              <a:rPr lang="en-US"/>
+              <a:t>Second level</a:t>
+            </a:r>
+          </a:p>
+          <a:p>
+            <a:pPr lvl="2"/>
+            <a:r>
+              <a:rPr lang="en-US"/>
+              <a:t>Third level</a:t>
+            </a:r>
+          </a:p>
+          <a:p>
+            <a:pPr lvl="3"/>
+            <a:r>
+              <a:rPr lang="en-US"/>
+              <a:t>Fourth level</a:t>
+            </a:r>
+          </a:p>
+          <a:p>
+            <a:pPr lvl="4"/>
+            <a:r>
+              <a:rPr lang="en-US"/>
+              <a:t>Fifth level</a:t>
+            </a:r>
+            <a:endParaRPr lang="en-US" dirty="0"/>
+          </a:p>
+        </p:txBody>
+      </p:sp>
+      <p:sp>
+        <p:nvSpPr>
+          <p:cNvPr id="4" name="Date Placeholder 3"/>
+          <p:cNvSpPr>
+            <a:spLocks noGrp="1"/>
+          </p:cNvSpPr>
+          <p:nvPr>
+            <p:ph type="dt" sz="half" idx="10"/>
+          </p:nvPr>
+        </p:nvSpPr>
+        <p:spPr/>
+        <p:txBody>
+          <a:bodyPr/>
+          <a:lstStyle/>
+          <a:p>
+            <a:fld id="{AA8E3A9D-C656-42E0-9A54-3FB3B7C5D5B6}" type="datetimeFigureOut">
+              <a:rPr lang="en-US" smtClean="0"/>
+              <a:t>5/4/2021</a:t>
+            </a:fld>
+            <a:endParaRPr lang="en-US"/>
+          </a:p>
+        </p:txBody>
+      </p:sp>
+      <p:sp>
+        <p:nvSpPr>
+          <p:cNvPr id="5" name="Footer Placeholder 4"/>
+          <p:cNvSpPr>
+            <a:spLocks noGrp="1"/>
+          </p:cNvSpPr>
+          <p:nvPr>
+            <p:ph type="ftr" sz="quarter" idx="11"/>
+          </p:nvPr>
+        </p:nvSpPr>
+        <p:spPr/>
+        <p:txBody>
+          <a:bodyPr/>
+          <a:lstStyle/>
+          <a:p>
+            <a:endParaRPr lang="en-US"/>
+          </a:p>
+        </p:txBody>
+      </p:sp>
+      <p:sp>
+        <p:nvSpPr>
+          <p:cNvPr id="6" name="Slide Number Placeholder 5"/>
+          <p:cNvSpPr>
+            <a:spLocks noGrp="1"/>
+          </p:cNvSpPr>
+          <p:nvPr>
+            <p:ph type="sldNum" sz="quarter" idx="12"/>
+          </p:nvPr>
+        </p:nvSpPr>
+        <p:spPr/>
+        <p:txBody>
+          <a:bodyPr/>
+          <a:lstStyle/>
+          <a:p>
+            <a:fld id="{B3A48331-C09F-4E22-8D6A-D7DA050076D7}" type="slidenum">
+              <a:rPr lang="en-US" smtClean="0"/>
+              <a:t>‹#›</a:t>
+            </a:fld>
+            <a:endParaRPr lang="en-US"/>
+          </a:p>
+        </p:txBody>
+      </p:sp>
+    </p:spTree>
+    <p:extLst>
+      <p:ext uri="{BB962C8B-B14F-4D97-AF65-F5344CB8AC3E}">
+        <p14:creationId xmlns:p14="http://schemas.microsoft.com/office/powerpoint/2010/main" val="117085554"/>
+      </p:ext>
+    </p:extLst>
+  </p:cSld>
+  <p:clrMapOvr>
+    <a:masterClrMapping/>
+  </p:clrMapOvr>
+</p:sldLayout>
+</file>
+
+<file path=ppt/slideLayouts/slideLayout14.xml><?xml version="1.0" encoding="utf-8"?>
+<p:sldLayout xmlns:a="http://schemas.openxmlformats.org/drawingml/2006/main" xmlns:r="http://schemas.openxmlformats.org/officeDocument/2006/relationships" xmlns:p="http://schemas.openxmlformats.org/presentationml/2006/main" showMasterSp="0" type="secHead" preserve="1">
+  <p:cSld name="Section Header">
+    <p:spTree>
+      <p:nvGrpSpPr>
+        <p:cNvPr id="1" name=""/>
+        <p:cNvGrpSpPr/>
+        <p:nvPr/>
+      </p:nvGrpSpPr>
+      <p:grpSpPr>
+        <a:xfrm>
+          <a:off x="0" y="0"/>
+          <a:ext cx="0" cy="0"/>
+          <a:chOff x="0" y="0"/>
+          <a:chExt cx="0" cy="0"/>
+        </a:xfrm>
+      </p:grpSpPr>
+      <p:pic>
+        <p:nvPicPr>
+          <p:cNvPr id="8" name="Picture 7" descr="C3-HD-BTM.png"/>
+          <p:cNvPicPr>
+            <a:picLocks noChangeAspect="1"/>
+          </p:cNvPicPr>
+          <p:nvPr/>
+        </p:nvPicPr>
+        <p:blipFill>
+          <a:blip r:embed="rId2">
+            <a:extLst>
+              <a:ext uri="{28A0092B-C50C-407E-A947-70E740481C1C}">
+                <a14:useLocalDpi xmlns:a14="http://schemas.microsoft.com/office/drawing/2010/main" val="0"/>
+              </a:ext>
+            </a:extLst>
+          </a:blip>
+          <a:stretch>
+            <a:fillRect/>
+          </a:stretch>
+        </p:blipFill>
+        <p:spPr>
+          <a:xfrm>
+            <a:off x="0" y="4375150"/>
+            <a:ext cx="12192000" cy="2482850"/>
+          </a:xfrm>
+          <a:prstGeom prst="rect">
+            <a:avLst/>
+          </a:prstGeom>
+        </p:spPr>
+      </p:pic>
+      <p:sp>
+        <p:nvSpPr>
+          <p:cNvPr id="2" name="Title 1"/>
+          <p:cNvSpPr>
+            <a:spLocks noGrp="1"/>
+          </p:cNvSpPr>
+          <p:nvPr>
+            <p:ph type="title"/>
+          </p:nvPr>
+        </p:nvSpPr>
+        <p:spPr>
+          <a:xfrm>
+            <a:off x="685800" y="753533"/>
+            <a:ext cx="10820399" cy="2801935"/>
+          </a:xfrm>
+        </p:spPr>
+        <p:txBody>
+          <a:bodyPr anchor="b">
+            <a:normAutofit/>
+          </a:bodyPr>
+          <a:lstStyle>
+            <a:lvl1pPr algn="r">
+              <a:defRPr sz="4000"/>
+            </a:lvl1pPr>
+          </a:lstStyle>
+          <a:p>
+            <a:r>
+              <a:rPr lang="en-US"/>
+              <a:t>Click to edit Master title style</a:t>
+            </a:r>
+            <a:endParaRPr lang="en-US" dirty="0"/>
+          </a:p>
+        </p:txBody>
+      </p:sp>
+      <p:sp>
+        <p:nvSpPr>
+          <p:cNvPr id="3" name="Text Placeholder 2"/>
+          <p:cNvSpPr>
+            <a:spLocks noGrp="1"/>
+          </p:cNvSpPr>
+          <p:nvPr>
+            <p:ph type="body" idx="1"/>
+          </p:nvPr>
+        </p:nvSpPr>
+        <p:spPr>
+          <a:xfrm>
+            <a:off x="1024467" y="3641725"/>
+            <a:ext cx="10490200" cy="955675"/>
+          </a:xfrm>
+        </p:spPr>
+        <p:txBody>
+          <a:bodyPr>
+            <a:normAutofit/>
+          </a:bodyPr>
+          <a:lstStyle>
+            <a:lvl1pPr marL="0" indent="0" algn="r">
+              <a:buNone/>
+              <a:defRPr sz="2200">
+                <a:solidFill>
+                  <a:schemeClr val="tx1">
+                    <a:tint val="75000"/>
+                  </a:schemeClr>
+                </a:solidFill>
+              </a:defRPr>
+            </a:lvl1pPr>
+            <a:lvl2pPr marL="457200" indent="0">
+              <a:buNone/>
+              <a:defRPr sz="2000">
+                <a:solidFill>
+                  <a:schemeClr val="tx1">
+                    <a:tint val="75000"/>
+                  </a:schemeClr>
+                </a:solidFill>
+              </a:defRPr>
+            </a:lvl2pPr>
+            <a:lvl3pPr marL="914400" indent="0">
+              <a:buNone/>
+              <a:defRPr sz="1800">
+                <a:solidFill>
+                  <a:schemeClr val="tx1">
+                    <a:tint val="75000"/>
+                  </a:schemeClr>
+                </a:solidFill>
+              </a:defRPr>
+            </a:lvl3pPr>
+            <a:lvl4pPr marL="1371600" indent="0">
+              <a:buNone/>
+              <a:defRPr sz="1600">
+                <a:solidFill>
+                  <a:schemeClr val="tx1">
+                    <a:tint val="75000"/>
+                  </a:schemeClr>
+                </a:solidFill>
+              </a:defRPr>
+            </a:lvl4pPr>
+            <a:lvl5pPr marL="1828800" indent="0">
+              <a:buNone/>
+              <a:defRPr sz="1600">
+                <a:solidFill>
+                  <a:schemeClr val="tx1">
+                    <a:tint val="75000"/>
+                  </a:schemeClr>
+                </a:solidFill>
+              </a:defRPr>
+            </a:lvl5pPr>
+            <a:lvl6pPr marL="2286000" indent="0">
+              <a:buNone/>
+              <a:defRPr sz="1600">
+                <a:solidFill>
+                  <a:schemeClr val="tx1">
+                    <a:tint val="75000"/>
+                  </a:schemeClr>
+                </a:solidFill>
+              </a:defRPr>
+            </a:lvl6pPr>
+            <a:lvl7pPr marL="2743200" indent="0">
+              <a:buNone/>
+              <a:defRPr sz="1600">
+                <a:solidFill>
+                  <a:schemeClr val="tx1">
+                    <a:tint val="75000"/>
+                  </a:schemeClr>
+                </a:solidFill>
+              </a:defRPr>
+            </a:lvl7pPr>
+            <a:lvl8pPr marL="3200400" indent="0">
+              <a:buNone/>
+              <a:defRPr sz="1600">
+                <a:solidFill>
+                  <a:schemeClr val="tx1">
+                    <a:tint val="75000"/>
+                  </a:schemeClr>
+                </a:solidFill>
+              </a:defRPr>
+            </a:lvl8pPr>
+            <a:lvl9pPr marL="3657600" indent="0">
+              <a:buNone/>
+              <a:defRPr sz="1600">
+                <a:solidFill>
+                  <a:schemeClr val="tx1">
+                    <a:tint val="75000"/>
+                  </a:schemeClr>
+                </a:solidFill>
+              </a:defRPr>
+            </a:lvl9pPr>
+          </a:lstStyle>
+          <a:p>
+            <a:pPr lvl="0"/>
+            <a:r>
+              <a:rPr lang="en-US"/>
+              <a:t>Click to edit Master text styles</a:t>
+            </a:r>
+          </a:p>
+        </p:txBody>
+      </p:sp>
+      <p:sp>
+        <p:nvSpPr>
+          <p:cNvPr id="4" name="Date Placeholder 3"/>
+          <p:cNvSpPr>
+            <a:spLocks noGrp="1"/>
+          </p:cNvSpPr>
+          <p:nvPr>
+            <p:ph type="dt" sz="half" idx="10"/>
+          </p:nvPr>
+        </p:nvSpPr>
+        <p:spPr>
+          <a:xfrm>
+            <a:off x="7814452" y="381000"/>
+            <a:ext cx="2910840" cy="365125"/>
+          </a:xfrm>
+        </p:spPr>
+        <p:txBody>
+          <a:bodyPr/>
+          <a:lstStyle>
+            <a:lvl1pPr algn="r">
+              <a:defRPr/>
+            </a:lvl1pPr>
+          </a:lstStyle>
+          <a:p>
+            <a:fld id="{AA8E3A9D-C656-42E0-9A54-3FB3B7C5D5B6}" type="datetimeFigureOut">
+              <a:rPr lang="en-US" smtClean="0"/>
+              <a:t>5/4/2021</a:t>
+            </a:fld>
+            <a:endParaRPr lang="en-US"/>
+          </a:p>
+        </p:txBody>
+      </p:sp>
+      <p:sp>
+        <p:nvSpPr>
+          <p:cNvPr id="5" name="Footer Placeholder 4"/>
+          <p:cNvSpPr>
+            <a:spLocks noGrp="1"/>
+          </p:cNvSpPr>
+          <p:nvPr>
+            <p:ph type="ftr" sz="quarter" idx="11"/>
+          </p:nvPr>
+        </p:nvSpPr>
+        <p:spPr>
+          <a:xfrm>
+            <a:off x="685800" y="381001"/>
+            <a:ext cx="6991492" cy="364065"/>
+          </a:xfrm>
+        </p:spPr>
+        <p:txBody>
+          <a:bodyPr/>
+          <a:lstStyle/>
+          <a:p>
+            <a:endParaRPr lang="en-US"/>
+          </a:p>
+        </p:txBody>
+      </p:sp>
+      <p:sp>
+        <p:nvSpPr>
+          <p:cNvPr id="6" name="Slide Number Placeholder 5"/>
+          <p:cNvSpPr>
+            <a:spLocks noGrp="1"/>
+          </p:cNvSpPr>
+          <p:nvPr>
+            <p:ph type="sldNum" sz="quarter" idx="12"/>
+          </p:nvPr>
+        </p:nvSpPr>
+        <p:spPr>
+          <a:xfrm>
+            <a:off x="10862452" y="381000"/>
+            <a:ext cx="643748" cy="365125"/>
+          </a:xfrm>
+        </p:spPr>
+        <p:txBody>
+          <a:bodyPr/>
+          <a:lstStyle/>
+          <a:p>
+            <a:fld id="{B3A48331-C09F-4E22-8D6A-D7DA050076D7}" type="slidenum">
+              <a:rPr lang="en-US" smtClean="0"/>
+              <a:t>‹#›</a:t>
+            </a:fld>
+            <a:endParaRPr lang="en-US"/>
+          </a:p>
+        </p:txBody>
+      </p:sp>
+    </p:spTree>
+    <p:extLst>
+      <p:ext uri="{BB962C8B-B14F-4D97-AF65-F5344CB8AC3E}">
+        <p14:creationId xmlns:p14="http://schemas.microsoft.com/office/powerpoint/2010/main" val="2311621227"/>
+      </p:ext>
+    </p:extLst>
+  </p:cSld>
+  <p:clrMapOvr>
+    <a:masterClrMapping/>
+  </p:clrMapOvr>
+</p:sldLayout>
+</file>
+
+<file path=ppt/slideLayouts/slideLayout15.xml><?xml version="1.0" encoding="utf-8"?>
+<p:sldLayout xmlns:a="http://schemas.openxmlformats.org/drawingml/2006/main" xmlns:r="http://schemas.openxmlformats.org/officeDocument/2006/relationships" xmlns:p="http://schemas.openxmlformats.org/presentationml/2006/main" type="twoObj" preserve="1">
+  <p:cSld name="Two Content">
+    <p:spTree>
+      <p:nvGrpSpPr>
+        <p:cNvPr id="1" name=""/>
+        <p:cNvGrpSpPr/>
+        <p:nvPr/>
+      </p:nvGrpSpPr>
+      <p:grpSpPr>
+        <a:xfrm>
+          <a:off x="0" y="0"/>
+          <a:ext cx="0" cy="0"/>
+          <a:chOff x="0" y="0"/>
+          <a:chExt cx="0" cy="0"/>
+        </a:xfrm>
+      </p:grpSpPr>
+      <p:sp>
+        <p:nvSpPr>
+          <p:cNvPr id="2" name="Title 1"/>
+          <p:cNvSpPr>
+            <a:spLocks noGrp="1"/>
+          </p:cNvSpPr>
+          <p:nvPr>
+            <p:ph type="title"/>
+          </p:nvPr>
+        </p:nvSpPr>
+        <p:spPr/>
+        <p:txBody>
+          <a:bodyPr/>
+          <a:lstStyle/>
+          <a:p>
+            <a:r>
+              <a:rPr lang="en-US"/>
+              <a:t>Click to edit Master title style</a:t>
+            </a:r>
+            <a:endParaRPr lang="en-US" dirty="0"/>
+          </a:p>
+        </p:txBody>
+      </p:sp>
+      <p:sp>
+        <p:nvSpPr>
+          <p:cNvPr id="3" name="Content Placeholder 2"/>
+          <p:cNvSpPr>
+            <a:spLocks noGrp="1"/>
+          </p:cNvSpPr>
+          <p:nvPr>
+            <p:ph sz="half" idx="1"/>
+          </p:nvPr>
+        </p:nvSpPr>
+        <p:spPr>
+          <a:xfrm>
+            <a:off x="685800" y="2194559"/>
+            <a:ext cx="5334000" cy="4024125"/>
+          </a:xfrm>
+        </p:spPr>
+        <p:txBody>
+          <a:bodyPr/>
+          <a:lstStyle/>
+          <a:p>
+            <a:pPr lvl="0"/>
+            <a:r>
+              <a:rPr lang="en-US"/>
+              <a:t>Click to edit Master text styles</a:t>
+            </a:r>
+          </a:p>
+          <a:p>
+            <a:pPr lvl="1"/>
+            <a:r>
+              <a:rPr lang="en-US"/>
+              <a:t>Second level</a:t>
+            </a:r>
+          </a:p>
+          <a:p>
+            <a:pPr lvl="2"/>
+            <a:r>
+              <a:rPr lang="en-US"/>
+              <a:t>Third level</a:t>
+            </a:r>
+          </a:p>
+          <a:p>
+            <a:pPr lvl="3"/>
+            <a:r>
+              <a:rPr lang="en-US"/>
+              <a:t>Fourth level</a:t>
+            </a:r>
+          </a:p>
+          <a:p>
+            <a:pPr lvl="4"/>
+            <a:r>
+              <a:rPr lang="en-US"/>
+              <a:t>Fifth level</a:t>
+            </a:r>
+            <a:endParaRPr lang="en-US" dirty="0"/>
+          </a:p>
+        </p:txBody>
+      </p:sp>
+      <p:sp>
+        <p:nvSpPr>
+          <p:cNvPr id="4" name="Content Placeholder 3"/>
+          <p:cNvSpPr>
+            <a:spLocks noGrp="1"/>
+          </p:cNvSpPr>
+          <p:nvPr>
+            <p:ph sz="half" idx="2"/>
+          </p:nvPr>
+        </p:nvSpPr>
+        <p:spPr>
+          <a:xfrm>
+            <a:off x="6172200" y="2194559"/>
+            <a:ext cx="5334000" cy="4024125"/>
+          </a:xfrm>
+        </p:spPr>
+        <p:txBody>
+          <a:bodyPr/>
+          <a:lstStyle/>
+          <a:p>
+            <a:pPr lvl="0"/>
+            <a:r>
+              <a:rPr lang="en-US"/>
+              <a:t>Click to edit Master text styles</a:t>
+            </a:r>
+          </a:p>
+          <a:p>
+            <a:pPr lvl="1"/>
+            <a:r>
+              <a:rPr lang="en-US"/>
+              <a:t>Second level</a:t>
+            </a:r>
+          </a:p>
+          <a:p>
+            <a:pPr lvl="2"/>
+            <a:r>
+              <a:rPr lang="en-US"/>
+              <a:t>Third level</a:t>
+            </a:r>
+          </a:p>
+          <a:p>
+            <a:pPr lvl="3"/>
+            <a:r>
+              <a:rPr lang="en-US"/>
+              <a:t>Fourth level</a:t>
+            </a:r>
+          </a:p>
+          <a:p>
+            <a:pPr lvl="4"/>
+            <a:r>
+              <a:rPr lang="en-US"/>
+              <a:t>Fifth level</a:t>
+            </a:r>
+            <a:endParaRPr lang="en-US" dirty="0"/>
+          </a:p>
+        </p:txBody>
+      </p:sp>
+      <p:sp>
+        <p:nvSpPr>
+          <p:cNvPr id="5" name="Date Placeholder 4"/>
+          <p:cNvSpPr>
+            <a:spLocks noGrp="1"/>
+          </p:cNvSpPr>
+          <p:nvPr>
+            <p:ph type="dt" sz="half" idx="10"/>
+          </p:nvPr>
+        </p:nvSpPr>
+        <p:spPr/>
+        <p:txBody>
+          <a:bodyPr/>
+          <a:lstStyle/>
+          <a:p>
+            <a:fld id="{AA8E3A9D-C656-42E0-9A54-3FB3B7C5D5B6}" type="datetimeFigureOut">
+              <a:rPr lang="en-US" smtClean="0"/>
+              <a:t>5/4/2021</a:t>
+            </a:fld>
+            <a:endParaRPr lang="en-US"/>
+          </a:p>
+        </p:txBody>
+      </p:sp>
+      <p:sp>
+        <p:nvSpPr>
+          <p:cNvPr id="6" name="Footer Placeholder 5"/>
+          <p:cNvSpPr>
+            <a:spLocks noGrp="1"/>
+          </p:cNvSpPr>
+          <p:nvPr>
+            <p:ph type="ftr" sz="quarter" idx="11"/>
+          </p:nvPr>
+        </p:nvSpPr>
+        <p:spPr/>
+        <p:txBody>
+          <a:bodyPr/>
+          <a:lstStyle/>
+          <a:p>
+            <a:endParaRPr lang="en-US"/>
+          </a:p>
+        </p:txBody>
+      </p:sp>
+      <p:sp>
+        <p:nvSpPr>
+          <p:cNvPr id="7" name="Slide Number Placeholder 6"/>
+          <p:cNvSpPr>
+            <a:spLocks noGrp="1"/>
+          </p:cNvSpPr>
+          <p:nvPr>
+            <p:ph type="sldNum" sz="quarter" idx="12"/>
+          </p:nvPr>
+        </p:nvSpPr>
+        <p:spPr/>
+        <p:txBody>
+          <a:bodyPr/>
+          <a:lstStyle/>
+          <a:p>
+            <a:fld id="{B3A48331-C09F-4E22-8D6A-D7DA050076D7}" type="slidenum">
+              <a:rPr lang="en-US" smtClean="0"/>
+              <a:t>‹#›</a:t>
+            </a:fld>
+            <a:endParaRPr lang="en-US"/>
+          </a:p>
+        </p:txBody>
+      </p:sp>
+    </p:spTree>
+    <p:extLst>
+      <p:ext uri="{BB962C8B-B14F-4D97-AF65-F5344CB8AC3E}">
+        <p14:creationId xmlns:p14="http://schemas.microsoft.com/office/powerpoint/2010/main" val="2152683317"/>
+      </p:ext>
+    </p:extLst>
+  </p:cSld>
+  <p:clrMapOvr>
+    <a:masterClrMapping/>
+  </p:clrMapOvr>
+</p:sldLayout>
+</file>
+
+<file path=ppt/slideLayouts/slideLayout16.xml><?xml version="1.0" encoding="utf-8"?>
+<p:sldLayout xmlns:a="http://schemas.openxmlformats.org/drawingml/2006/main" xmlns:r="http://schemas.openxmlformats.org/officeDocument/2006/relationships" xmlns:p="http://schemas.openxmlformats.org/presentationml/2006/main" type="twoTxTwoObj" preserve="1">
+  <p:cSld name="Comparison">
+    <p:spTree>
+      <p:nvGrpSpPr>
+        <p:cNvPr id="1" name=""/>
+        <p:cNvGrpSpPr/>
+        <p:nvPr/>
+      </p:nvGrpSpPr>
+      <p:grpSpPr>
+        <a:xfrm>
+          <a:off x="0" y="0"/>
+          <a:ext cx="0" cy="0"/>
+          <a:chOff x="0" y="0"/>
+          <a:chExt cx="0" cy="0"/>
+        </a:xfrm>
+      </p:grpSpPr>
+      <p:sp>
+        <p:nvSpPr>
+          <p:cNvPr id="2" name="Title 1"/>
+          <p:cNvSpPr>
+            <a:spLocks noGrp="1"/>
+          </p:cNvSpPr>
+          <p:nvPr>
+            <p:ph type="title"/>
+          </p:nvPr>
+        </p:nvSpPr>
+        <p:spPr>
+          <a:xfrm>
+            <a:off x="2895600" y="762000"/>
+            <a:ext cx="8610600" cy="1295400"/>
+          </a:xfrm>
+        </p:spPr>
+        <p:txBody>
+          <a:bodyPr/>
+          <a:lstStyle/>
+          <a:p>
+            <a:r>
+              <a:rPr lang="en-US"/>
+              <a:t>Click to edit Master title style</a:t>
+            </a:r>
+            <a:endParaRPr lang="en-US" dirty="0"/>
+          </a:p>
+        </p:txBody>
+      </p:sp>
+      <p:sp>
+        <p:nvSpPr>
+          <p:cNvPr id="3" name="Text Placeholder 2"/>
+          <p:cNvSpPr>
+            <a:spLocks noGrp="1"/>
+          </p:cNvSpPr>
+          <p:nvPr>
+            <p:ph type="body" idx="1"/>
+          </p:nvPr>
+        </p:nvSpPr>
+        <p:spPr>
+          <a:xfrm>
+            <a:off x="914409" y="2183802"/>
+            <a:ext cx="5079991" cy="823912"/>
+          </a:xfrm>
+        </p:spPr>
+        <p:txBody>
+          <a:bodyPr anchor="b">
+            <a:normAutofit/>
+          </a:bodyPr>
+          <a:lstStyle>
+            <a:lvl1pPr marL="0" indent="0">
+              <a:buNone/>
+              <a:defRPr sz="2800" b="0">
+                <a:solidFill>
+                  <a:schemeClr val="tx1"/>
+                </a:solidFill>
+              </a:defRPr>
+            </a:lvl1pPr>
+            <a:lvl2pPr marL="457200" indent="0">
+              <a:buNone/>
+              <a:defRPr sz="2000" b="1"/>
+            </a:lvl2pPr>
+            <a:lvl3pPr marL="914400" indent="0">
+              <a:buNone/>
+              <a:defRPr sz="1800" b="1"/>
+            </a:lvl3pPr>
+            <a:lvl4pPr marL="1371600" indent="0">
+              <a:buNone/>
+              <a:defRPr sz="1600" b="1"/>
+            </a:lvl4pPr>
+            <a:lvl5pPr marL="1828800" indent="0">
+              <a:buNone/>
+              <a:defRPr sz="1600" b="1"/>
+            </a:lvl5pPr>
+            <a:lvl6pPr marL="2286000" indent="0">
+              <a:buNone/>
+              <a:defRPr sz="1600" b="1"/>
+            </a:lvl6pPr>
+            <a:lvl7pPr marL="2743200" indent="0">
+              <a:buNone/>
+              <a:defRPr sz="1600" b="1"/>
+            </a:lvl7pPr>
+            <a:lvl8pPr marL="3200400" indent="0">
+              <a:buNone/>
+              <a:defRPr sz="1600" b="1"/>
+            </a:lvl8pPr>
+            <a:lvl9pPr marL="3657600" indent="0">
+              <a:buNone/>
+              <a:defRPr sz="1600" b="1"/>
+            </a:lvl9pPr>
+          </a:lstStyle>
+          <a:p>
+            <a:pPr lvl="0"/>
+            <a:r>
+              <a:rPr lang="en-US"/>
+              <a:t>Click to edit Master text styles</a:t>
+            </a:r>
+          </a:p>
+        </p:txBody>
+      </p:sp>
+      <p:sp>
+        <p:nvSpPr>
+          <p:cNvPr id="4" name="Content Placeholder 3"/>
+          <p:cNvSpPr>
+            <a:spLocks noGrp="1"/>
+          </p:cNvSpPr>
+          <p:nvPr>
+            <p:ph sz="half" idx="2"/>
+          </p:nvPr>
+        </p:nvSpPr>
+        <p:spPr>
+          <a:xfrm>
+            <a:off x="685800" y="3132666"/>
+            <a:ext cx="5311775" cy="3086019"/>
+          </a:xfrm>
+        </p:spPr>
+        <p:txBody>
+          <a:bodyPr/>
+          <a:lstStyle/>
+          <a:p>
+            <a:pPr lvl="0"/>
+            <a:r>
+              <a:rPr lang="en-US"/>
+              <a:t>Click to edit Master text styles</a:t>
+            </a:r>
+          </a:p>
+          <a:p>
+            <a:pPr lvl="1"/>
+            <a:r>
+              <a:rPr lang="en-US"/>
+              <a:t>Second level</a:t>
+            </a:r>
+          </a:p>
+          <a:p>
+            <a:pPr lvl="2"/>
+            <a:r>
+              <a:rPr lang="en-US"/>
+              <a:t>Third level</a:t>
+            </a:r>
+          </a:p>
+          <a:p>
+            <a:pPr lvl="3"/>
+            <a:r>
+              <a:rPr lang="en-US"/>
+              <a:t>Fourth level</a:t>
+            </a:r>
+          </a:p>
+          <a:p>
+            <a:pPr lvl="4"/>
+            <a:r>
+              <a:rPr lang="en-US"/>
+              <a:t>Fifth level</a:t>
+            </a:r>
+            <a:endParaRPr lang="en-US" dirty="0"/>
+          </a:p>
+        </p:txBody>
+      </p:sp>
+      <p:sp>
+        <p:nvSpPr>
+          <p:cNvPr id="5" name="Text Placeholder 4"/>
+          <p:cNvSpPr>
+            <a:spLocks noGrp="1"/>
+          </p:cNvSpPr>
+          <p:nvPr>
+            <p:ph type="body" sz="quarter" idx="3"/>
+          </p:nvPr>
+        </p:nvSpPr>
+        <p:spPr>
+          <a:xfrm>
+            <a:off x="6400800" y="2183802"/>
+            <a:ext cx="5105400" cy="823912"/>
+          </a:xfrm>
+        </p:spPr>
+        <p:txBody>
+          <a:bodyPr anchor="b">
+            <a:normAutofit/>
+          </a:bodyPr>
+          <a:lstStyle>
+            <a:lvl1pPr marL="0" indent="0">
+              <a:buNone/>
+              <a:defRPr sz="2800" b="0">
+                <a:solidFill>
+                  <a:schemeClr val="tx1"/>
+                </a:solidFill>
+              </a:defRPr>
+            </a:lvl1pPr>
+            <a:lvl2pPr marL="457200" indent="0">
+              <a:buNone/>
+              <a:defRPr sz="2000" b="1"/>
+            </a:lvl2pPr>
+            <a:lvl3pPr marL="914400" indent="0">
+              <a:buNone/>
+              <a:defRPr sz="1800" b="1"/>
+            </a:lvl3pPr>
+            <a:lvl4pPr marL="1371600" indent="0">
+              <a:buNone/>
+              <a:defRPr sz="1600" b="1"/>
+            </a:lvl4pPr>
+            <a:lvl5pPr marL="1828800" indent="0">
+              <a:buNone/>
+              <a:defRPr sz="1600" b="1"/>
+            </a:lvl5pPr>
+            <a:lvl6pPr marL="2286000" indent="0">
+              <a:buNone/>
+              <a:defRPr sz="1600" b="1"/>
+            </a:lvl6pPr>
+            <a:lvl7pPr marL="2743200" indent="0">
+              <a:buNone/>
+              <a:defRPr sz="1600" b="1"/>
+            </a:lvl7pPr>
+            <a:lvl8pPr marL="3200400" indent="0">
+              <a:buNone/>
+              <a:defRPr sz="1600" b="1"/>
+            </a:lvl8pPr>
+            <a:lvl9pPr marL="3657600" indent="0">
+              <a:buNone/>
+              <a:defRPr sz="1600" b="1"/>
+            </a:lvl9pPr>
+          </a:lstStyle>
+          <a:p>
+            <a:pPr lvl="0"/>
+            <a:r>
+              <a:rPr lang="en-US"/>
+              <a:t>Click to edit Master text styles</a:t>
+            </a:r>
+          </a:p>
+        </p:txBody>
+      </p:sp>
+      <p:sp>
+        <p:nvSpPr>
+          <p:cNvPr id="6" name="Content Placeholder 5"/>
+          <p:cNvSpPr>
+            <a:spLocks noGrp="1"/>
+          </p:cNvSpPr>
+          <p:nvPr>
+            <p:ph sz="quarter" idx="4"/>
+          </p:nvPr>
+        </p:nvSpPr>
+        <p:spPr>
+          <a:xfrm>
+            <a:off x="6172200" y="3132666"/>
+            <a:ext cx="5334000" cy="3086019"/>
+          </a:xfrm>
+        </p:spPr>
+        <p:txBody>
+          <a:bodyPr/>
+          <a:lstStyle/>
+          <a:p>
+            <a:pPr lvl="0"/>
+            <a:r>
+              <a:rPr lang="en-US"/>
+              <a:t>Click to edit Master text styles</a:t>
+            </a:r>
+          </a:p>
+          <a:p>
+            <a:pPr lvl="1"/>
+            <a:r>
+              <a:rPr lang="en-US"/>
+              <a:t>Second level</a:t>
+            </a:r>
+          </a:p>
+          <a:p>
+            <a:pPr lvl="2"/>
+            <a:r>
+              <a:rPr lang="en-US"/>
+              <a:t>Third level</a:t>
+            </a:r>
+          </a:p>
+          <a:p>
+            <a:pPr lvl="3"/>
+            <a:r>
+              <a:rPr lang="en-US"/>
+              <a:t>Fourth level</a:t>
+            </a:r>
+          </a:p>
+          <a:p>
+            <a:pPr lvl="4"/>
+            <a:r>
+              <a:rPr lang="en-US"/>
+              <a:t>Fifth level</a:t>
+            </a:r>
+            <a:endParaRPr lang="en-US" dirty="0"/>
+          </a:p>
+        </p:txBody>
+      </p:sp>
+      <p:sp>
+        <p:nvSpPr>
+          <p:cNvPr id="7" name="Date Placeholder 6"/>
+          <p:cNvSpPr>
+            <a:spLocks noGrp="1"/>
+          </p:cNvSpPr>
+          <p:nvPr>
+            <p:ph type="dt" sz="half" idx="10"/>
+          </p:nvPr>
+        </p:nvSpPr>
+        <p:spPr/>
+        <p:txBody>
+          <a:bodyPr/>
+          <a:lstStyle/>
+          <a:p>
+            <a:fld id="{AA8E3A9D-C656-42E0-9A54-3FB3B7C5D5B6}" type="datetimeFigureOut">
+              <a:rPr lang="en-US" smtClean="0"/>
+              <a:t>5/4/2021</a:t>
+            </a:fld>
+            <a:endParaRPr lang="en-US"/>
+          </a:p>
+        </p:txBody>
+      </p:sp>
+      <p:sp>
+        <p:nvSpPr>
+          <p:cNvPr id="8" name="Footer Placeholder 7"/>
+          <p:cNvSpPr>
+            <a:spLocks noGrp="1"/>
+          </p:cNvSpPr>
+          <p:nvPr>
+            <p:ph type="ftr" sz="quarter" idx="11"/>
+          </p:nvPr>
+        </p:nvSpPr>
+        <p:spPr/>
+        <p:txBody>
+          <a:bodyPr/>
+          <a:lstStyle/>
+          <a:p>
+            <a:endParaRPr lang="en-US"/>
+          </a:p>
+        </p:txBody>
+      </p:sp>
+      <p:sp>
+        <p:nvSpPr>
+          <p:cNvPr id="9" name="Slide Number Placeholder 8"/>
+          <p:cNvSpPr>
+            <a:spLocks noGrp="1"/>
+          </p:cNvSpPr>
+          <p:nvPr>
+            <p:ph type="sldNum" sz="quarter" idx="12"/>
+          </p:nvPr>
+        </p:nvSpPr>
+        <p:spPr/>
+        <p:txBody>
+          <a:bodyPr/>
+          <a:lstStyle/>
+          <a:p>
+            <a:fld id="{B3A48331-C09F-4E22-8D6A-D7DA050076D7}" type="slidenum">
+              <a:rPr lang="en-US" smtClean="0"/>
+              <a:t>‹#›</a:t>
+            </a:fld>
+            <a:endParaRPr lang="en-US"/>
+          </a:p>
+        </p:txBody>
+      </p:sp>
+    </p:spTree>
+    <p:extLst>
+      <p:ext uri="{BB962C8B-B14F-4D97-AF65-F5344CB8AC3E}">
+        <p14:creationId xmlns:p14="http://schemas.microsoft.com/office/powerpoint/2010/main" val="2756723380"/>
+      </p:ext>
+    </p:extLst>
+  </p:cSld>
+  <p:clrMapOvr>
+    <a:masterClrMapping/>
+  </p:clrMapOvr>
+</p:sldLayout>
+</file>
+
+<file path=ppt/slideLayouts/slideLayout17.xml><?xml version="1.0" encoding="utf-8"?>
+<p:sldLayout xmlns:a="http://schemas.openxmlformats.org/drawingml/2006/main" xmlns:r="http://schemas.openxmlformats.org/officeDocument/2006/relationships" xmlns:p="http://schemas.openxmlformats.org/presentationml/2006/main" type="titleOnly" preserve="1">
+  <p:cSld name="Title Only">
+    <p:spTree>
+      <p:nvGrpSpPr>
+        <p:cNvPr id="1" name=""/>
+        <p:cNvGrpSpPr/>
+        <p:nvPr/>
+      </p:nvGrpSpPr>
+      <p:grpSpPr>
+        <a:xfrm>
+          <a:off x="0" y="0"/>
+          <a:ext cx="0" cy="0"/>
+          <a:chOff x="0" y="0"/>
+          <a:chExt cx="0" cy="0"/>
+        </a:xfrm>
+      </p:grpSpPr>
+      <p:sp>
+        <p:nvSpPr>
+          <p:cNvPr id="2" name="Title 1"/>
+          <p:cNvSpPr>
+            <a:spLocks noGrp="1"/>
+          </p:cNvSpPr>
+          <p:nvPr>
+            <p:ph type="title"/>
+          </p:nvPr>
+        </p:nvSpPr>
+        <p:spPr/>
+        <p:txBody>
+          <a:bodyPr/>
+          <a:lstStyle/>
+          <a:p>
+            <a:r>
+              <a:rPr lang="en-US"/>
+              <a:t>Click to edit Master title style</a:t>
+            </a:r>
+            <a:endParaRPr lang="en-US" dirty="0"/>
+          </a:p>
+        </p:txBody>
+      </p:sp>
+      <p:sp>
+        <p:nvSpPr>
+          <p:cNvPr id="3" name="Date Placeholder 2"/>
+          <p:cNvSpPr>
+            <a:spLocks noGrp="1"/>
+          </p:cNvSpPr>
+          <p:nvPr>
+            <p:ph type="dt" sz="half" idx="10"/>
+          </p:nvPr>
+        </p:nvSpPr>
+        <p:spPr/>
+        <p:txBody>
+          <a:bodyPr/>
+          <a:lstStyle/>
+          <a:p>
+            <a:fld id="{AA8E3A9D-C656-42E0-9A54-3FB3B7C5D5B6}" type="datetimeFigureOut">
+              <a:rPr lang="en-US" smtClean="0"/>
+              <a:t>5/4/2021</a:t>
+            </a:fld>
+            <a:endParaRPr lang="en-US"/>
+          </a:p>
+        </p:txBody>
+      </p:sp>
+      <p:sp>
+        <p:nvSpPr>
+          <p:cNvPr id="4" name="Footer Placeholder 3"/>
+          <p:cNvSpPr>
+            <a:spLocks noGrp="1"/>
+          </p:cNvSpPr>
+          <p:nvPr>
+            <p:ph type="ftr" sz="quarter" idx="11"/>
+          </p:nvPr>
+        </p:nvSpPr>
+        <p:spPr/>
+        <p:txBody>
+          <a:bodyPr/>
+          <a:lstStyle/>
+          <a:p>
+            <a:endParaRPr lang="en-US"/>
+          </a:p>
+        </p:txBody>
+      </p:sp>
+      <p:sp>
+        <p:nvSpPr>
+          <p:cNvPr id="5" name="Slide Number Placeholder 4"/>
+          <p:cNvSpPr>
+            <a:spLocks noGrp="1"/>
+          </p:cNvSpPr>
+          <p:nvPr>
+            <p:ph type="sldNum" sz="quarter" idx="12"/>
+          </p:nvPr>
+        </p:nvSpPr>
+        <p:spPr/>
+        <p:txBody>
+          <a:bodyPr/>
+          <a:lstStyle/>
+          <a:p>
+            <a:fld id="{B3A48331-C09F-4E22-8D6A-D7DA050076D7}" type="slidenum">
+              <a:rPr lang="en-US" smtClean="0"/>
+              <a:t>‹#›</a:t>
+            </a:fld>
+            <a:endParaRPr lang="en-US"/>
+          </a:p>
+        </p:txBody>
+      </p:sp>
+    </p:spTree>
+    <p:extLst>
+      <p:ext uri="{BB962C8B-B14F-4D97-AF65-F5344CB8AC3E}">
+        <p14:creationId xmlns:p14="http://schemas.microsoft.com/office/powerpoint/2010/main" val="565179053"/>
+      </p:ext>
+    </p:extLst>
+  </p:cSld>
+  <p:clrMapOvr>
+    <a:masterClrMapping/>
+  </p:clrMapOvr>
+</p:sldLayout>
+</file>
+
+<file path=ppt/slideLayouts/slideLayout18.xml><?xml version="1.0" encoding="utf-8"?>
+<p:sldLayout xmlns:a="http://schemas.openxmlformats.org/drawingml/2006/main" xmlns:r="http://schemas.openxmlformats.org/officeDocument/2006/relationships" xmlns:p="http://schemas.openxmlformats.org/presentationml/2006/main" type="blank" preserve="1">
+  <p:cSld name="Blank">
+    <p:spTree>
+      <p:nvGrpSpPr>
+        <p:cNvPr id="1" name=""/>
+        <p:cNvGrpSpPr/>
+        <p:nvPr/>
+      </p:nvGrpSpPr>
+      <p:grpSpPr>
+        <a:xfrm>
+          <a:off x="0" y="0"/>
+          <a:ext cx="0" cy="0"/>
+          <a:chOff x="0" y="0"/>
+          <a:chExt cx="0" cy="0"/>
+        </a:xfrm>
+      </p:grpSpPr>
+      <p:sp>
+        <p:nvSpPr>
+          <p:cNvPr id="2" name="Date Placeholder 1"/>
+          <p:cNvSpPr>
+            <a:spLocks noGrp="1"/>
+          </p:cNvSpPr>
+          <p:nvPr>
+            <p:ph type="dt" sz="half" idx="10"/>
+          </p:nvPr>
+        </p:nvSpPr>
+        <p:spPr/>
+        <p:txBody>
+          <a:bodyPr/>
+          <a:lstStyle/>
+          <a:p>
+            <a:fld id="{AA8E3A9D-C656-42E0-9A54-3FB3B7C5D5B6}" type="datetimeFigureOut">
+              <a:rPr lang="en-US" smtClean="0"/>
+              <a:t>5/4/2021</a:t>
+            </a:fld>
+            <a:endParaRPr lang="en-US"/>
+          </a:p>
+        </p:txBody>
+      </p:sp>
+      <p:sp>
+        <p:nvSpPr>
+          <p:cNvPr id="3" name="Footer Placeholder 2"/>
+          <p:cNvSpPr>
+            <a:spLocks noGrp="1"/>
+          </p:cNvSpPr>
+          <p:nvPr>
+            <p:ph type="ftr" sz="quarter" idx="11"/>
+          </p:nvPr>
+        </p:nvSpPr>
+        <p:spPr/>
+        <p:txBody>
+          <a:bodyPr/>
+          <a:lstStyle/>
+          <a:p>
+            <a:endParaRPr lang="en-US"/>
+          </a:p>
+        </p:txBody>
+      </p:sp>
+      <p:sp>
+        <p:nvSpPr>
+          <p:cNvPr id="4" name="Slide Number Placeholder 3"/>
+          <p:cNvSpPr>
+            <a:spLocks noGrp="1"/>
+          </p:cNvSpPr>
+          <p:nvPr>
+            <p:ph type="sldNum" sz="quarter" idx="12"/>
+          </p:nvPr>
+        </p:nvSpPr>
+        <p:spPr/>
+        <p:txBody>
+          <a:bodyPr/>
+          <a:lstStyle/>
+          <a:p>
+            <a:fld id="{B3A48331-C09F-4E22-8D6A-D7DA050076D7}" type="slidenum">
+              <a:rPr lang="en-US" smtClean="0"/>
+              <a:t>‹#›</a:t>
+            </a:fld>
+            <a:endParaRPr lang="en-US"/>
+          </a:p>
+        </p:txBody>
+      </p:sp>
+    </p:spTree>
+    <p:extLst>
+      <p:ext uri="{BB962C8B-B14F-4D97-AF65-F5344CB8AC3E}">
+        <p14:creationId xmlns:p14="http://schemas.microsoft.com/office/powerpoint/2010/main" val="2659905585"/>
+      </p:ext>
+    </p:extLst>
+  </p:cSld>
+  <p:clrMapOvr>
+    <a:masterClrMapping/>
+  </p:clrMapOvr>
+</p:sldLayout>
+</file>
+
+<file path=ppt/slideLayouts/slideLayout19.xml><?xml version="1.0" encoding="utf-8"?>
+<p:sldLayout xmlns:a="http://schemas.openxmlformats.org/drawingml/2006/main" xmlns:r="http://schemas.openxmlformats.org/officeDocument/2006/relationships" xmlns:p="http://schemas.openxmlformats.org/presentationml/2006/main" type="objTx" preserve="1">
+  <p:cSld name="Content with Caption">
+    <p:spTree>
+      <p:nvGrpSpPr>
+        <p:cNvPr id="1" name=""/>
+        <p:cNvGrpSpPr/>
+        <p:nvPr/>
+      </p:nvGrpSpPr>
+      <p:grpSpPr>
+        <a:xfrm>
+          <a:off x="0" y="0"/>
+          <a:ext cx="0" cy="0"/>
+          <a:chOff x="0" y="0"/>
+          <a:chExt cx="0" cy="0"/>
+        </a:xfrm>
+      </p:grpSpPr>
+      <p:sp>
+        <p:nvSpPr>
+          <p:cNvPr id="2" name="Title 1"/>
+          <p:cNvSpPr>
+            <a:spLocks noGrp="1"/>
+          </p:cNvSpPr>
+          <p:nvPr>
+            <p:ph type="title"/>
+          </p:nvPr>
+        </p:nvSpPr>
+        <p:spPr>
+          <a:xfrm>
+            <a:off x="685800" y="1524000"/>
+            <a:ext cx="4114800" cy="1600200"/>
+          </a:xfrm>
+        </p:spPr>
+        <p:txBody>
+          <a:bodyPr anchor="b"/>
+          <a:lstStyle>
+            <a:lvl1pPr algn="l">
+              <a:defRPr sz="3200"/>
+            </a:lvl1pPr>
+          </a:lstStyle>
+          <a:p>
+            <a:r>
+              <a:rPr lang="en-US"/>
+              <a:t>Click to edit Master title style</a:t>
+            </a:r>
+            <a:endParaRPr lang="en-US" dirty="0"/>
+          </a:p>
+        </p:txBody>
+      </p:sp>
+      <p:sp>
+        <p:nvSpPr>
+          <p:cNvPr id="3" name="Content Placeholder 2"/>
+          <p:cNvSpPr>
+            <a:spLocks noGrp="1"/>
+          </p:cNvSpPr>
+          <p:nvPr>
+            <p:ph idx="1"/>
+          </p:nvPr>
+        </p:nvSpPr>
+        <p:spPr>
+          <a:xfrm>
+            <a:off x="4995582" y="746759"/>
+            <a:ext cx="6510618" cy="5471925"/>
+          </a:xfrm>
+        </p:spPr>
+        <p:txBody>
+          <a:bodyPr anchor="ctr"/>
+          <a:lstStyle/>
+          <a:p>
+            <a:pPr lvl="0"/>
+            <a:r>
+              <a:rPr lang="en-US"/>
+              <a:t>Click to edit Master text styles</a:t>
+            </a:r>
+          </a:p>
+          <a:p>
+            <a:pPr lvl="1"/>
+            <a:r>
+              <a:rPr lang="en-US"/>
+              <a:t>Second level</a:t>
+            </a:r>
+          </a:p>
+          <a:p>
+            <a:pPr lvl="2"/>
+            <a:r>
+              <a:rPr lang="en-US"/>
+              <a:t>Third level</a:t>
+            </a:r>
+          </a:p>
+          <a:p>
+            <a:pPr lvl="3"/>
+            <a:r>
+              <a:rPr lang="en-US"/>
+              <a:t>Fourth level</a:t>
+            </a:r>
+          </a:p>
+          <a:p>
+            <a:pPr lvl="4"/>
+            <a:r>
+              <a:rPr lang="en-US"/>
+              <a:t>Fifth level</a:t>
+            </a:r>
+            <a:endParaRPr lang="en-US" dirty="0"/>
+          </a:p>
+        </p:txBody>
+      </p:sp>
+      <p:sp>
+        <p:nvSpPr>
+          <p:cNvPr id="4" name="Text Placeholder 3"/>
+          <p:cNvSpPr>
+            <a:spLocks noGrp="1"/>
+          </p:cNvSpPr>
+          <p:nvPr>
+            <p:ph type="body" sz="half" idx="2"/>
+          </p:nvPr>
+        </p:nvSpPr>
+        <p:spPr>
+          <a:xfrm>
+            <a:off x="685800" y="3124199"/>
+            <a:ext cx="4114800" cy="3094485"/>
+          </a:xfrm>
+        </p:spPr>
+        <p:txBody>
+          <a:bodyPr/>
+          <a:lstStyle>
+            <a:lvl1pPr marL="0" indent="0">
+              <a:buNone/>
+              <a:defRPr sz="1600"/>
+            </a:lvl1pPr>
+            <a:lvl2pPr marL="457200" indent="0">
+              <a:buNone/>
+              <a:defRPr sz="1400"/>
+            </a:lvl2pPr>
+            <a:lvl3pPr marL="914400" indent="0">
+              <a:buNone/>
+              <a:defRPr sz="1200"/>
+            </a:lvl3pPr>
+            <a:lvl4pPr marL="1371600" indent="0">
+              <a:buNone/>
+              <a:defRPr sz="1000"/>
+            </a:lvl4pPr>
+            <a:lvl5pPr marL="1828800" indent="0">
+              <a:buNone/>
+              <a:defRPr sz="1000"/>
+            </a:lvl5pPr>
+            <a:lvl6pPr marL="2286000" indent="0">
+              <a:buNone/>
+              <a:defRPr sz="1000"/>
+            </a:lvl6pPr>
+            <a:lvl7pPr marL="2743200" indent="0">
+              <a:buNone/>
+              <a:defRPr sz="1000"/>
+            </a:lvl7pPr>
+            <a:lvl8pPr marL="3200400" indent="0">
+              <a:buNone/>
+              <a:defRPr sz="1000"/>
+            </a:lvl8pPr>
+            <a:lvl9pPr marL="3657600" indent="0">
+              <a:buNone/>
+              <a:defRPr sz="1000"/>
+            </a:lvl9pPr>
+          </a:lstStyle>
+          <a:p>
+            <a:pPr lvl="0"/>
+            <a:r>
+              <a:rPr lang="en-US"/>
+              <a:t>Click to edit Master text styles</a:t>
+            </a:r>
+          </a:p>
+        </p:txBody>
+      </p:sp>
+      <p:sp>
+        <p:nvSpPr>
+          <p:cNvPr id="5" name="Date Placeholder 4"/>
+          <p:cNvSpPr>
+            <a:spLocks noGrp="1"/>
+          </p:cNvSpPr>
+          <p:nvPr>
+            <p:ph type="dt" sz="half" idx="10"/>
+          </p:nvPr>
+        </p:nvSpPr>
+        <p:spPr/>
+        <p:txBody>
+          <a:bodyPr/>
+          <a:lstStyle/>
+          <a:p>
+            <a:fld id="{AA8E3A9D-C656-42E0-9A54-3FB3B7C5D5B6}" type="datetimeFigureOut">
+              <a:rPr lang="en-US" smtClean="0"/>
+              <a:t>5/4/2021</a:t>
+            </a:fld>
+            <a:endParaRPr lang="en-US"/>
+          </a:p>
+        </p:txBody>
+      </p:sp>
+      <p:sp>
+        <p:nvSpPr>
+          <p:cNvPr id="6" name="Footer Placeholder 5"/>
+          <p:cNvSpPr>
+            <a:spLocks noGrp="1"/>
+          </p:cNvSpPr>
+          <p:nvPr>
+            <p:ph type="ftr" sz="quarter" idx="11"/>
+          </p:nvPr>
+        </p:nvSpPr>
+        <p:spPr/>
+        <p:txBody>
+          <a:bodyPr/>
+          <a:lstStyle/>
+          <a:p>
+            <a:endParaRPr lang="en-US"/>
+          </a:p>
+        </p:txBody>
+      </p:sp>
+      <p:sp>
+        <p:nvSpPr>
+          <p:cNvPr id="7" name="Slide Number Placeholder 6"/>
+          <p:cNvSpPr>
+            <a:spLocks noGrp="1"/>
+          </p:cNvSpPr>
+          <p:nvPr>
+            <p:ph type="sldNum" sz="quarter" idx="12"/>
+          </p:nvPr>
+        </p:nvSpPr>
+        <p:spPr/>
+        <p:txBody>
+          <a:bodyPr/>
+          <a:lstStyle/>
+          <a:p>
+            <a:fld id="{B3A48331-C09F-4E22-8D6A-D7DA050076D7}" type="slidenum">
+              <a:rPr lang="en-US" smtClean="0"/>
+              <a:t>‹#›</a:t>
+            </a:fld>
+            <a:endParaRPr lang="en-US"/>
+          </a:p>
+        </p:txBody>
+      </p:sp>
+    </p:spTree>
+    <p:extLst>
+      <p:ext uri="{BB962C8B-B14F-4D97-AF65-F5344CB8AC3E}">
+        <p14:creationId xmlns:p14="http://schemas.microsoft.com/office/powerpoint/2010/main" val="2156733257"/>
       </p:ext>
     </p:extLst>
   </p:cSld>
@@ -868,7 +2671,7 @@
           <a:p>
             <a:fld id="{AA8E3A9D-C656-42E0-9A54-3FB3B7C5D5B6}" type="datetimeFigureOut">
               <a:rPr lang="en-US" smtClean="0"/>
-              <a:t>4/26/2021</a:t>
+              <a:t>5/4/2021</a:t>
             </a:fld>
             <a:endParaRPr lang="en-US"/>
           </a:p>
@@ -932,6 +2735,3263 @@
     <p:extLst>
       <p:ext uri="{BB962C8B-B14F-4D97-AF65-F5344CB8AC3E}">
         <p14:creationId xmlns:p14="http://schemas.microsoft.com/office/powerpoint/2010/main" val="560691316"/>
+      </p:ext>
+    </p:extLst>
+  </p:cSld>
+  <p:clrMapOvr>
+    <a:masterClrMapping/>
+  </p:clrMapOvr>
+</p:sldLayout>
+</file>
+
+<file path=ppt/slideLayouts/slideLayout20.xml><?xml version="1.0" encoding="utf-8"?>
+<p:sldLayout xmlns:a="http://schemas.openxmlformats.org/drawingml/2006/main" xmlns:r="http://schemas.openxmlformats.org/officeDocument/2006/relationships" xmlns:p="http://schemas.openxmlformats.org/presentationml/2006/main" type="picTx" preserve="1">
+  <p:cSld name="Picture with Caption">
+    <p:spTree>
+      <p:nvGrpSpPr>
+        <p:cNvPr id="1" name=""/>
+        <p:cNvGrpSpPr/>
+        <p:nvPr/>
+      </p:nvGrpSpPr>
+      <p:grpSpPr>
+        <a:xfrm>
+          <a:off x="0" y="0"/>
+          <a:ext cx="0" cy="0"/>
+          <a:chOff x="0" y="0"/>
+          <a:chExt cx="0" cy="0"/>
+        </a:xfrm>
+      </p:grpSpPr>
+      <p:sp>
+        <p:nvSpPr>
+          <p:cNvPr id="2" name="Title 1"/>
+          <p:cNvSpPr>
+            <a:spLocks noGrp="1"/>
+          </p:cNvSpPr>
+          <p:nvPr>
+            <p:ph type="title"/>
+          </p:nvPr>
+        </p:nvSpPr>
+        <p:spPr>
+          <a:xfrm>
+            <a:off x="685800" y="1524000"/>
+            <a:ext cx="6873240" cy="1600200"/>
+          </a:xfrm>
+        </p:spPr>
+        <p:txBody>
+          <a:bodyPr anchor="b"/>
+          <a:lstStyle>
+            <a:lvl1pPr algn="l">
+              <a:defRPr sz="3200"/>
+            </a:lvl1pPr>
+          </a:lstStyle>
+          <a:p>
+            <a:r>
+              <a:rPr lang="en-US"/>
+              <a:t>Click to edit Master title style</a:t>
+            </a:r>
+            <a:endParaRPr lang="en-US" dirty="0"/>
+          </a:p>
+        </p:txBody>
+      </p:sp>
+      <p:sp>
+        <p:nvSpPr>
+          <p:cNvPr id="3" name="Picture Placeholder 2"/>
+          <p:cNvSpPr>
+            <a:spLocks noGrp="1" noChangeAspect="1"/>
+          </p:cNvSpPr>
+          <p:nvPr>
+            <p:ph type="pic" idx="1"/>
+          </p:nvPr>
+        </p:nvSpPr>
+        <p:spPr>
+          <a:xfrm>
+            <a:off x="7861238" y="751241"/>
+            <a:ext cx="3644962" cy="5467443"/>
+          </a:xfrm>
+        </p:spPr>
+        <p:txBody>
+          <a:bodyPr anchor="t"/>
+          <a:lstStyle>
+            <a:lvl1pPr marL="0" indent="0">
+              <a:buNone/>
+              <a:defRPr sz="3200"/>
+            </a:lvl1pPr>
+            <a:lvl2pPr marL="457200" indent="0">
+              <a:buNone/>
+              <a:defRPr sz="2800"/>
+            </a:lvl2pPr>
+            <a:lvl3pPr marL="914400" indent="0">
+              <a:buNone/>
+              <a:defRPr sz="2400"/>
+            </a:lvl3pPr>
+            <a:lvl4pPr marL="1371600" indent="0">
+              <a:buNone/>
+              <a:defRPr sz="2000"/>
+            </a:lvl4pPr>
+            <a:lvl5pPr marL="1828800" indent="0">
+              <a:buNone/>
+              <a:defRPr sz="2000"/>
+            </a:lvl5pPr>
+            <a:lvl6pPr marL="2286000" indent="0">
+              <a:buNone/>
+              <a:defRPr sz="2000"/>
+            </a:lvl6pPr>
+            <a:lvl7pPr marL="2743200" indent="0">
+              <a:buNone/>
+              <a:defRPr sz="2000"/>
+            </a:lvl7pPr>
+            <a:lvl8pPr marL="3200400" indent="0">
+              <a:buNone/>
+              <a:defRPr sz="2000"/>
+            </a:lvl8pPr>
+            <a:lvl9pPr marL="3657600" indent="0">
+              <a:buNone/>
+              <a:defRPr sz="2000"/>
+            </a:lvl9pPr>
+          </a:lstStyle>
+          <a:p>
+            <a:r>
+              <a:rPr lang="en-US"/>
+              <a:t>Click icon to add picture</a:t>
+            </a:r>
+            <a:endParaRPr lang="en-US" dirty="0"/>
+          </a:p>
+        </p:txBody>
+      </p:sp>
+      <p:sp>
+        <p:nvSpPr>
+          <p:cNvPr id="4" name="Text Placeholder 3"/>
+          <p:cNvSpPr>
+            <a:spLocks noGrp="1"/>
+          </p:cNvSpPr>
+          <p:nvPr>
+            <p:ph type="body" sz="half" idx="2"/>
+          </p:nvPr>
+        </p:nvSpPr>
+        <p:spPr>
+          <a:xfrm>
+            <a:off x="685800" y="3124199"/>
+            <a:ext cx="6873240" cy="3094485"/>
+          </a:xfrm>
+        </p:spPr>
+        <p:txBody>
+          <a:bodyPr/>
+          <a:lstStyle>
+            <a:lvl1pPr marL="0" indent="0">
+              <a:buNone/>
+              <a:defRPr sz="1600"/>
+            </a:lvl1pPr>
+            <a:lvl2pPr marL="457200" indent="0">
+              <a:buNone/>
+              <a:defRPr sz="1400"/>
+            </a:lvl2pPr>
+            <a:lvl3pPr marL="914400" indent="0">
+              <a:buNone/>
+              <a:defRPr sz="1200"/>
+            </a:lvl3pPr>
+            <a:lvl4pPr marL="1371600" indent="0">
+              <a:buNone/>
+              <a:defRPr sz="1000"/>
+            </a:lvl4pPr>
+            <a:lvl5pPr marL="1828800" indent="0">
+              <a:buNone/>
+              <a:defRPr sz="1000"/>
+            </a:lvl5pPr>
+            <a:lvl6pPr marL="2286000" indent="0">
+              <a:buNone/>
+              <a:defRPr sz="1000"/>
+            </a:lvl6pPr>
+            <a:lvl7pPr marL="2743200" indent="0">
+              <a:buNone/>
+              <a:defRPr sz="1000"/>
+            </a:lvl7pPr>
+            <a:lvl8pPr marL="3200400" indent="0">
+              <a:buNone/>
+              <a:defRPr sz="1000"/>
+            </a:lvl8pPr>
+            <a:lvl9pPr marL="3657600" indent="0">
+              <a:buNone/>
+              <a:defRPr sz="1000"/>
+            </a:lvl9pPr>
+          </a:lstStyle>
+          <a:p>
+            <a:pPr lvl="0"/>
+            <a:r>
+              <a:rPr lang="en-US"/>
+              <a:t>Click to edit Master text styles</a:t>
+            </a:r>
+          </a:p>
+        </p:txBody>
+      </p:sp>
+      <p:sp>
+        <p:nvSpPr>
+          <p:cNvPr id="5" name="Date Placeholder 4"/>
+          <p:cNvSpPr>
+            <a:spLocks noGrp="1"/>
+          </p:cNvSpPr>
+          <p:nvPr>
+            <p:ph type="dt" sz="half" idx="10"/>
+          </p:nvPr>
+        </p:nvSpPr>
+        <p:spPr/>
+        <p:txBody>
+          <a:bodyPr/>
+          <a:lstStyle/>
+          <a:p>
+            <a:fld id="{AA8E3A9D-C656-42E0-9A54-3FB3B7C5D5B6}" type="datetimeFigureOut">
+              <a:rPr lang="en-US" smtClean="0"/>
+              <a:t>5/4/2021</a:t>
+            </a:fld>
+            <a:endParaRPr lang="en-US"/>
+          </a:p>
+        </p:txBody>
+      </p:sp>
+      <p:sp>
+        <p:nvSpPr>
+          <p:cNvPr id="6" name="Footer Placeholder 5"/>
+          <p:cNvSpPr>
+            <a:spLocks noGrp="1"/>
+          </p:cNvSpPr>
+          <p:nvPr>
+            <p:ph type="ftr" sz="quarter" idx="11"/>
+          </p:nvPr>
+        </p:nvSpPr>
+        <p:spPr/>
+        <p:txBody>
+          <a:bodyPr/>
+          <a:lstStyle/>
+          <a:p>
+            <a:endParaRPr lang="en-US"/>
+          </a:p>
+        </p:txBody>
+      </p:sp>
+      <p:sp>
+        <p:nvSpPr>
+          <p:cNvPr id="7" name="Slide Number Placeholder 6"/>
+          <p:cNvSpPr>
+            <a:spLocks noGrp="1"/>
+          </p:cNvSpPr>
+          <p:nvPr>
+            <p:ph type="sldNum" sz="quarter" idx="12"/>
+          </p:nvPr>
+        </p:nvSpPr>
+        <p:spPr/>
+        <p:txBody>
+          <a:bodyPr/>
+          <a:lstStyle/>
+          <a:p>
+            <a:fld id="{B3A48331-C09F-4E22-8D6A-D7DA050076D7}" type="slidenum">
+              <a:rPr lang="en-US" smtClean="0"/>
+              <a:t>‹#›</a:t>
+            </a:fld>
+            <a:endParaRPr lang="en-US"/>
+          </a:p>
+        </p:txBody>
+      </p:sp>
+    </p:spTree>
+    <p:extLst>
+      <p:ext uri="{BB962C8B-B14F-4D97-AF65-F5344CB8AC3E}">
+        <p14:creationId xmlns:p14="http://schemas.microsoft.com/office/powerpoint/2010/main" val="976074978"/>
+      </p:ext>
+    </p:extLst>
+  </p:cSld>
+  <p:clrMapOvr>
+    <a:masterClrMapping/>
+  </p:clrMapOvr>
+</p:sldLayout>
+</file>
+
+<file path=ppt/slideLayouts/slideLayout21.xml><?xml version="1.0" encoding="utf-8"?>
+<p:sldLayout xmlns:a="http://schemas.openxmlformats.org/drawingml/2006/main" xmlns:r="http://schemas.openxmlformats.org/officeDocument/2006/relationships" xmlns:p="http://schemas.openxmlformats.org/presentationml/2006/main" preserve="1">
+  <p:cSld name="Panoramic Picture with Caption">
+    <p:spTree>
+      <p:nvGrpSpPr>
+        <p:cNvPr id="1" name=""/>
+        <p:cNvGrpSpPr/>
+        <p:nvPr/>
+      </p:nvGrpSpPr>
+      <p:grpSpPr>
+        <a:xfrm>
+          <a:off x="0" y="0"/>
+          <a:ext cx="0" cy="0"/>
+          <a:chOff x="0" y="0"/>
+          <a:chExt cx="0" cy="0"/>
+        </a:xfrm>
+      </p:grpSpPr>
+      <p:sp>
+        <p:nvSpPr>
+          <p:cNvPr id="2" name="Title 1"/>
+          <p:cNvSpPr>
+            <a:spLocks noGrp="1"/>
+          </p:cNvSpPr>
+          <p:nvPr>
+            <p:ph type="title"/>
+          </p:nvPr>
+        </p:nvSpPr>
+        <p:spPr>
+          <a:xfrm>
+            <a:off x="685777" y="4697360"/>
+            <a:ext cx="10822034" cy="819355"/>
+          </a:xfrm>
+        </p:spPr>
+        <p:txBody>
+          <a:bodyPr anchor="b"/>
+          <a:lstStyle>
+            <a:lvl1pPr algn="l">
+              <a:defRPr sz="3200"/>
+            </a:lvl1pPr>
+          </a:lstStyle>
+          <a:p>
+            <a:r>
+              <a:rPr lang="en-US"/>
+              <a:t>Click to edit Master title style</a:t>
+            </a:r>
+            <a:endParaRPr lang="en-US" dirty="0"/>
+          </a:p>
+        </p:txBody>
+      </p:sp>
+      <p:sp>
+        <p:nvSpPr>
+          <p:cNvPr id="3" name="Picture Placeholder 2"/>
+          <p:cNvSpPr>
+            <a:spLocks noGrp="1" noChangeAspect="1"/>
+          </p:cNvSpPr>
+          <p:nvPr>
+            <p:ph type="pic" idx="1"/>
+          </p:nvPr>
+        </p:nvSpPr>
+        <p:spPr>
+          <a:xfrm>
+            <a:off x="681727" y="941439"/>
+            <a:ext cx="10821840" cy="3478161"/>
+          </a:xfrm>
+        </p:spPr>
+        <p:txBody>
+          <a:bodyPr anchor="t"/>
+          <a:lstStyle>
+            <a:lvl1pPr marL="0" indent="0">
+              <a:buNone/>
+              <a:defRPr sz="3200"/>
+            </a:lvl1pPr>
+            <a:lvl2pPr marL="457200" indent="0">
+              <a:buNone/>
+              <a:defRPr sz="2800"/>
+            </a:lvl2pPr>
+            <a:lvl3pPr marL="914400" indent="0">
+              <a:buNone/>
+              <a:defRPr sz="2400"/>
+            </a:lvl3pPr>
+            <a:lvl4pPr marL="1371600" indent="0">
+              <a:buNone/>
+              <a:defRPr sz="2000"/>
+            </a:lvl4pPr>
+            <a:lvl5pPr marL="1828800" indent="0">
+              <a:buNone/>
+              <a:defRPr sz="2000"/>
+            </a:lvl5pPr>
+            <a:lvl6pPr marL="2286000" indent="0">
+              <a:buNone/>
+              <a:defRPr sz="2000"/>
+            </a:lvl6pPr>
+            <a:lvl7pPr marL="2743200" indent="0">
+              <a:buNone/>
+              <a:defRPr sz="2000"/>
+            </a:lvl7pPr>
+            <a:lvl8pPr marL="3200400" indent="0">
+              <a:buNone/>
+              <a:defRPr sz="2000"/>
+            </a:lvl8pPr>
+            <a:lvl9pPr marL="3657600" indent="0">
+              <a:buNone/>
+              <a:defRPr sz="2000"/>
+            </a:lvl9pPr>
+          </a:lstStyle>
+          <a:p>
+            <a:r>
+              <a:rPr lang="en-US"/>
+              <a:t>Click icon to add picture</a:t>
+            </a:r>
+            <a:endParaRPr lang="en-US" dirty="0"/>
+          </a:p>
+        </p:txBody>
+      </p:sp>
+      <p:sp>
+        <p:nvSpPr>
+          <p:cNvPr id="4" name="Text Placeholder 3"/>
+          <p:cNvSpPr>
+            <a:spLocks noGrp="1"/>
+          </p:cNvSpPr>
+          <p:nvPr>
+            <p:ph type="body" sz="half" idx="2"/>
+          </p:nvPr>
+        </p:nvSpPr>
+        <p:spPr>
+          <a:xfrm>
+            <a:off x="685800" y="5516715"/>
+            <a:ext cx="10820400" cy="701969"/>
+          </a:xfrm>
+        </p:spPr>
+        <p:txBody>
+          <a:bodyPr/>
+          <a:lstStyle>
+            <a:lvl1pPr marL="0" indent="0" algn="l">
+              <a:buNone/>
+              <a:defRPr sz="1600"/>
+            </a:lvl1pPr>
+            <a:lvl2pPr marL="457200" indent="0">
+              <a:buNone/>
+              <a:defRPr sz="1400"/>
+            </a:lvl2pPr>
+            <a:lvl3pPr marL="914400" indent="0">
+              <a:buNone/>
+              <a:defRPr sz="1200"/>
+            </a:lvl3pPr>
+            <a:lvl4pPr marL="1371600" indent="0">
+              <a:buNone/>
+              <a:defRPr sz="1000"/>
+            </a:lvl4pPr>
+            <a:lvl5pPr marL="1828800" indent="0">
+              <a:buNone/>
+              <a:defRPr sz="1000"/>
+            </a:lvl5pPr>
+            <a:lvl6pPr marL="2286000" indent="0">
+              <a:buNone/>
+              <a:defRPr sz="1000"/>
+            </a:lvl6pPr>
+            <a:lvl7pPr marL="2743200" indent="0">
+              <a:buNone/>
+              <a:defRPr sz="1000"/>
+            </a:lvl7pPr>
+            <a:lvl8pPr marL="3200400" indent="0">
+              <a:buNone/>
+              <a:defRPr sz="1000"/>
+            </a:lvl8pPr>
+            <a:lvl9pPr marL="3657600" indent="0">
+              <a:buNone/>
+              <a:defRPr sz="1000"/>
+            </a:lvl9pPr>
+          </a:lstStyle>
+          <a:p>
+            <a:pPr lvl="0"/>
+            <a:r>
+              <a:rPr lang="en-US"/>
+              <a:t>Click to edit Master text styles</a:t>
+            </a:r>
+          </a:p>
+        </p:txBody>
+      </p:sp>
+      <p:sp>
+        <p:nvSpPr>
+          <p:cNvPr id="5" name="Date Placeholder 4"/>
+          <p:cNvSpPr>
+            <a:spLocks noGrp="1"/>
+          </p:cNvSpPr>
+          <p:nvPr>
+            <p:ph type="dt" sz="half" idx="10"/>
+          </p:nvPr>
+        </p:nvSpPr>
+        <p:spPr/>
+        <p:txBody>
+          <a:bodyPr/>
+          <a:lstStyle/>
+          <a:p>
+            <a:fld id="{AA8E3A9D-C656-42E0-9A54-3FB3B7C5D5B6}" type="datetimeFigureOut">
+              <a:rPr lang="en-US" smtClean="0"/>
+              <a:t>5/4/2021</a:t>
+            </a:fld>
+            <a:endParaRPr lang="en-US"/>
+          </a:p>
+        </p:txBody>
+      </p:sp>
+      <p:sp>
+        <p:nvSpPr>
+          <p:cNvPr id="6" name="Footer Placeholder 5"/>
+          <p:cNvSpPr>
+            <a:spLocks noGrp="1"/>
+          </p:cNvSpPr>
+          <p:nvPr>
+            <p:ph type="ftr" sz="quarter" idx="11"/>
+          </p:nvPr>
+        </p:nvSpPr>
+        <p:spPr/>
+        <p:txBody>
+          <a:bodyPr/>
+          <a:lstStyle/>
+          <a:p>
+            <a:endParaRPr lang="en-US"/>
+          </a:p>
+        </p:txBody>
+      </p:sp>
+      <p:sp>
+        <p:nvSpPr>
+          <p:cNvPr id="7" name="Slide Number Placeholder 6"/>
+          <p:cNvSpPr>
+            <a:spLocks noGrp="1"/>
+          </p:cNvSpPr>
+          <p:nvPr>
+            <p:ph type="sldNum" sz="quarter" idx="12"/>
+          </p:nvPr>
+        </p:nvSpPr>
+        <p:spPr/>
+        <p:txBody>
+          <a:bodyPr/>
+          <a:lstStyle/>
+          <a:p>
+            <a:fld id="{B3A48331-C09F-4E22-8D6A-D7DA050076D7}" type="slidenum">
+              <a:rPr lang="en-US" smtClean="0"/>
+              <a:t>‹#›</a:t>
+            </a:fld>
+            <a:endParaRPr lang="en-US"/>
+          </a:p>
+        </p:txBody>
+      </p:sp>
+    </p:spTree>
+    <p:extLst>
+      <p:ext uri="{BB962C8B-B14F-4D97-AF65-F5344CB8AC3E}">
+        <p14:creationId xmlns:p14="http://schemas.microsoft.com/office/powerpoint/2010/main" val="4136051718"/>
+      </p:ext>
+    </p:extLst>
+  </p:cSld>
+  <p:clrMapOvr>
+    <a:masterClrMapping/>
+  </p:clrMapOvr>
+</p:sldLayout>
+</file>
+
+<file path=ppt/slideLayouts/slideLayout22.xml><?xml version="1.0" encoding="utf-8"?>
+<p:sldLayout xmlns:a="http://schemas.openxmlformats.org/drawingml/2006/main" xmlns:r="http://schemas.openxmlformats.org/officeDocument/2006/relationships" xmlns:p="http://schemas.openxmlformats.org/presentationml/2006/main" showMasterSp="0" preserve="1">
+  <p:cSld name="Title and Caption">
+    <p:spTree>
+      <p:nvGrpSpPr>
+        <p:cNvPr id="1" name=""/>
+        <p:cNvGrpSpPr/>
+        <p:nvPr/>
+      </p:nvGrpSpPr>
+      <p:grpSpPr>
+        <a:xfrm>
+          <a:off x="0" y="0"/>
+          <a:ext cx="0" cy="0"/>
+          <a:chOff x="0" y="0"/>
+          <a:chExt cx="0" cy="0"/>
+        </a:xfrm>
+      </p:grpSpPr>
+      <p:pic>
+        <p:nvPicPr>
+          <p:cNvPr id="9" name="Picture 8" descr="C3-HD-BTM.png"/>
+          <p:cNvPicPr>
+            <a:picLocks noChangeAspect="1"/>
+          </p:cNvPicPr>
+          <p:nvPr/>
+        </p:nvPicPr>
+        <p:blipFill>
+          <a:blip r:embed="rId2">
+            <a:extLst>
+              <a:ext uri="{28A0092B-C50C-407E-A947-70E740481C1C}">
+                <a14:useLocalDpi xmlns:a14="http://schemas.microsoft.com/office/drawing/2010/main" val="0"/>
+              </a:ext>
+            </a:extLst>
+          </a:blip>
+          <a:stretch>
+            <a:fillRect/>
+          </a:stretch>
+        </p:blipFill>
+        <p:spPr>
+          <a:xfrm>
+            <a:off x="0" y="4375150"/>
+            <a:ext cx="12192000" cy="2482850"/>
+          </a:xfrm>
+          <a:prstGeom prst="rect">
+            <a:avLst/>
+          </a:prstGeom>
+        </p:spPr>
+      </p:pic>
+      <p:sp>
+        <p:nvSpPr>
+          <p:cNvPr id="2" name="Title 1"/>
+          <p:cNvSpPr>
+            <a:spLocks noGrp="1"/>
+          </p:cNvSpPr>
+          <p:nvPr>
+            <p:ph type="title"/>
+          </p:nvPr>
+        </p:nvSpPr>
+        <p:spPr>
+          <a:xfrm>
+            <a:off x="685800" y="753532"/>
+            <a:ext cx="10820400" cy="2802467"/>
+          </a:xfrm>
+        </p:spPr>
+        <p:txBody>
+          <a:bodyPr anchor="ctr"/>
+          <a:lstStyle>
+            <a:lvl1pPr algn="l">
+              <a:defRPr sz="3200"/>
+            </a:lvl1pPr>
+          </a:lstStyle>
+          <a:p>
+            <a:r>
+              <a:rPr lang="en-US"/>
+              <a:t>Click to edit Master title style</a:t>
+            </a:r>
+            <a:endParaRPr lang="en-US" dirty="0"/>
+          </a:p>
+        </p:txBody>
+      </p:sp>
+      <p:sp>
+        <p:nvSpPr>
+          <p:cNvPr id="4" name="Text Placeholder 3"/>
+          <p:cNvSpPr>
+            <a:spLocks noGrp="1"/>
+          </p:cNvSpPr>
+          <p:nvPr>
+            <p:ph type="body" sz="half" idx="2"/>
+          </p:nvPr>
+        </p:nvSpPr>
+        <p:spPr>
+          <a:xfrm>
+            <a:off x="1024467" y="3649133"/>
+            <a:ext cx="10130516" cy="999067"/>
+          </a:xfrm>
+        </p:spPr>
+        <p:txBody>
+          <a:bodyPr anchor="ctr"/>
+          <a:lstStyle>
+            <a:lvl1pPr marL="0" indent="0">
+              <a:buNone/>
+              <a:defRPr sz="1600"/>
+            </a:lvl1pPr>
+            <a:lvl2pPr marL="457200" indent="0">
+              <a:buNone/>
+              <a:defRPr sz="1400"/>
+            </a:lvl2pPr>
+            <a:lvl3pPr marL="914400" indent="0">
+              <a:buNone/>
+              <a:defRPr sz="1200"/>
+            </a:lvl3pPr>
+            <a:lvl4pPr marL="1371600" indent="0">
+              <a:buNone/>
+              <a:defRPr sz="1000"/>
+            </a:lvl4pPr>
+            <a:lvl5pPr marL="1828800" indent="0">
+              <a:buNone/>
+              <a:defRPr sz="1000"/>
+            </a:lvl5pPr>
+            <a:lvl6pPr marL="2286000" indent="0">
+              <a:buNone/>
+              <a:defRPr sz="1000"/>
+            </a:lvl6pPr>
+            <a:lvl7pPr marL="2743200" indent="0">
+              <a:buNone/>
+              <a:defRPr sz="1000"/>
+            </a:lvl7pPr>
+            <a:lvl8pPr marL="3200400" indent="0">
+              <a:buNone/>
+              <a:defRPr sz="1000"/>
+            </a:lvl8pPr>
+            <a:lvl9pPr marL="3657600" indent="0">
+              <a:buNone/>
+              <a:defRPr sz="1000"/>
+            </a:lvl9pPr>
+          </a:lstStyle>
+          <a:p>
+            <a:pPr lvl="0"/>
+            <a:r>
+              <a:rPr lang="en-US"/>
+              <a:t>Click to edit Master text styles</a:t>
+            </a:r>
+          </a:p>
+        </p:txBody>
+      </p:sp>
+      <p:sp>
+        <p:nvSpPr>
+          <p:cNvPr id="5" name="Date Placeholder 4"/>
+          <p:cNvSpPr>
+            <a:spLocks noGrp="1"/>
+          </p:cNvSpPr>
+          <p:nvPr>
+            <p:ph type="dt" sz="half" idx="10"/>
+          </p:nvPr>
+        </p:nvSpPr>
+        <p:spPr>
+          <a:xfrm>
+            <a:off x="7814452" y="381000"/>
+            <a:ext cx="2910840" cy="365125"/>
+          </a:xfrm>
+        </p:spPr>
+        <p:txBody>
+          <a:bodyPr/>
+          <a:lstStyle>
+            <a:lvl1pPr algn="r">
+              <a:defRPr/>
+            </a:lvl1pPr>
+          </a:lstStyle>
+          <a:p>
+            <a:fld id="{AA8E3A9D-C656-42E0-9A54-3FB3B7C5D5B6}" type="datetimeFigureOut">
+              <a:rPr lang="en-US" smtClean="0"/>
+              <a:t>5/4/2021</a:t>
+            </a:fld>
+            <a:endParaRPr lang="en-US"/>
+          </a:p>
+        </p:txBody>
+      </p:sp>
+      <p:sp>
+        <p:nvSpPr>
+          <p:cNvPr id="6" name="Footer Placeholder 5"/>
+          <p:cNvSpPr>
+            <a:spLocks noGrp="1"/>
+          </p:cNvSpPr>
+          <p:nvPr>
+            <p:ph type="ftr" sz="quarter" idx="11"/>
+          </p:nvPr>
+        </p:nvSpPr>
+        <p:spPr>
+          <a:xfrm>
+            <a:off x="685800" y="379941"/>
+            <a:ext cx="6991492" cy="365125"/>
+          </a:xfrm>
+        </p:spPr>
+        <p:txBody>
+          <a:bodyPr/>
+          <a:lstStyle/>
+          <a:p>
+            <a:endParaRPr lang="en-US"/>
+          </a:p>
+        </p:txBody>
+      </p:sp>
+      <p:sp>
+        <p:nvSpPr>
+          <p:cNvPr id="7" name="Slide Number Placeholder 6"/>
+          <p:cNvSpPr>
+            <a:spLocks noGrp="1"/>
+          </p:cNvSpPr>
+          <p:nvPr>
+            <p:ph type="sldNum" sz="quarter" idx="12"/>
+          </p:nvPr>
+        </p:nvSpPr>
+        <p:spPr>
+          <a:xfrm>
+            <a:off x="10862452" y="381000"/>
+            <a:ext cx="643748" cy="365125"/>
+          </a:xfrm>
+        </p:spPr>
+        <p:txBody>
+          <a:bodyPr/>
+          <a:lstStyle/>
+          <a:p>
+            <a:fld id="{B3A48331-C09F-4E22-8D6A-D7DA050076D7}" type="slidenum">
+              <a:rPr lang="en-US" smtClean="0"/>
+              <a:t>‹#›</a:t>
+            </a:fld>
+            <a:endParaRPr lang="en-US"/>
+          </a:p>
+        </p:txBody>
+      </p:sp>
+    </p:spTree>
+    <p:extLst>
+      <p:ext uri="{BB962C8B-B14F-4D97-AF65-F5344CB8AC3E}">
+        <p14:creationId xmlns:p14="http://schemas.microsoft.com/office/powerpoint/2010/main" val="758718265"/>
+      </p:ext>
+    </p:extLst>
+  </p:cSld>
+  <p:clrMapOvr>
+    <a:masterClrMapping/>
+  </p:clrMapOvr>
+</p:sldLayout>
+</file>
+
+<file path=ppt/slideLayouts/slideLayout23.xml><?xml version="1.0" encoding="utf-8"?>
+<p:sldLayout xmlns:a="http://schemas.openxmlformats.org/drawingml/2006/main" xmlns:r="http://schemas.openxmlformats.org/officeDocument/2006/relationships" xmlns:p="http://schemas.openxmlformats.org/presentationml/2006/main" showMasterSp="0" preserve="1">
+  <p:cSld name="Quote with Caption">
+    <p:spTree>
+      <p:nvGrpSpPr>
+        <p:cNvPr id="1" name=""/>
+        <p:cNvGrpSpPr/>
+        <p:nvPr/>
+      </p:nvGrpSpPr>
+      <p:grpSpPr>
+        <a:xfrm>
+          <a:off x="0" y="0"/>
+          <a:ext cx="0" cy="0"/>
+          <a:chOff x="0" y="0"/>
+          <a:chExt cx="0" cy="0"/>
+        </a:xfrm>
+      </p:grpSpPr>
+      <p:pic>
+        <p:nvPicPr>
+          <p:cNvPr id="11" name="Picture 10" descr="C3-HD-BTM.png"/>
+          <p:cNvPicPr>
+            <a:picLocks noChangeAspect="1"/>
+          </p:cNvPicPr>
+          <p:nvPr/>
+        </p:nvPicPr>
+        <p:blipFill>
+          <a:blip r:embed="rId2">
+            <a:extLst>
+              <a:ext uri="{28A0092B-C50C-407E-A947-70E740481C1C}">
+                <a14:useLocalDpi xmlns:a14="http://schemas.microsoft.com/office/drawing/2010/main" val="0"/>
+              </a:ext>
+            </a:extLst>
+          </a:blip>
+          <a:stretch>
+            <a:fillRect/>
+          </a:stretch>
+        </p:blipFill>
+        <p:spPr>
+          <a:xfrm>
+            <a:off x="0" y="4375150"/>
+            <a:ext cx="12192000" cy="2482850"/>
+          </a:xfrm>
+          <a:prstGeom prst="rect">
+            <a:avLst/>
+          </a:prstGeom>
+        </p:spPr>
+      </p:pic>
+      <p:sp>
+        <p:nvSpPr>
+          <p:cNvPr id="2" name="Title 1"/>
+          <p:cNvSpPr>
+            <a:spLocks noGrp="1"/>
+          </p:cNvSpPr>
+          <p:nvPr>
+            <p:ph type="title"/>
+          </p:nvPr>
+        </p:nvSpPr>
+        <p:spPr>
+          <a:xfrm>
+            <a:off x="1024467" y="753533"/>
+            <a:ext cx="10151533" cy="2604495"/>
+          </a:xfrm>
+        </p:spPr>
+        <p:txBody>
+          <a:bodyPr anchor="ctr"/>
+          <a:lstStyle>
+            <a:lvl1pPr algn="l">
+              <a:defRPr sz="3200"/>
+            </a:lvl1pPr>
+          </a:lstStyle>
+          <a:p>
+            <a:r>
+              <a:rPr lang="en-US"/>
+              <a:t>Click to edit Master title style</a:t>
+            </a:r>
+            <a:endParaRPr lang="en-US" dirty="0"/>
+          </a:p>
+        </p:txBody>
+      </p:sp>
+      <p:sp>
+        <p:nvSpPr>
+          <p:cNvPr id="12" name="Text Placeholder 3"/>
+          <p:cNvSpPr>
+            <a:spLocks noGrp="1"/>
+          </p:cNvSpPr>
+          <p:nvPr>
+            <p:ph type="body" sz="half" idx="13"/>
+          </p:nvPr>
+        </p:nvSpPr>
+        <p:spPr>
+          <a:xfrm>
+            <a:off x="1303865" y="3365556"/>
+            <a:ext cx="9592736" cy="444443"/>
+          </a:xfrm>
+        </p:spPr>
+        <p:txBody>
+          <a:bodyPr anchor="t">
+            <a:normAutofit/>
+          </a:bodyPr>
+          <a:lstStyle>
+            <a:lvl1pPr marL="0" indent="0">
+              <a:buNone/>
+              <a:defRPr sz="1400"/>
+            </a:lvl1pPr>
+            <a:lvl2pPr marL="457200" indent="0">
+              <a:buNone/>
+              <a:defRPr sz="1400"/>
+            </a:lvl2pPr>
+            <a:lvl3pPr marL="914400" indent="0">
+              <a:buNone/>
+              <a:defRPr sz="1200"/>
+            </a:lvl3pPr>
+            <a:lvl4pPr marL="1371600" indent="0">
+              <a:buNone/>
+              <a:defRPr sz="1000"/>
+            </a:lvl4pPr>
+            <a:lvl5pPr marL="1828800" indent="0">
+              <a:buNone/>
+              <a:defRPr sz="1000"/>
+            </a:lvl5pPr>
+            <a:lvl6pPr marL="2286000" indent="0">
+              <a:buNone/>
+              <a:defRPr sz="1000"/>
+            </a:lvl6pPr>
+            <a:lvl7pPr marL="2743200" indent="0">
+              <a:buNone/>
+              <a:defRPr sz="1000"/>
+            </a:lvl7pPr>
+            <a:lvl8pPr marL="3200400" indent="0">
+              <a:buNone/>
+              <a:defRPr sz="1000"/>
+            </a:lvl8pPr>
+            <a:lvl9pPr marL="3657600" indent="0">
+              <a:buNone/>
+              <a:defRPr sz="1000"/>
+            </a:lvl9pPr>
+          </a:lstStyle>
+          <a:p>
+            <a:pPr lvl="0"/>
+            <a:r>
+              <a:rPr lang="en-US"/>
+              <a:t>Click to edit Master text styles</a:t>
+            </a:r>
+          </a:p>
+        </p:txBody>
+      </p:sp>
+      <p:sp>
+        <p:nvSpPr>
+          <p:cNvPr id="4" name="Text Placeholder 3"/>
+          <p:cNvSpPr>
+            <a:spLocks noGrp="1"/>
+          </p:cNvSpPr>
+          <p:nvPr>
+            <p:ph type="body" sz="half" idx="2"/>
+          </p:nvPr>
+        </p:nvSpPr>
+        <p:spPr>
+          <a:xfrm>
+            <a:off x="1024467" y="3959862"/>
+            <a:ext cx="10151533" cy="679871"/>
+          </a:xfrm>
+        </p:spPr>
+        <p:txBody>
+          <a:bodyPr anchor="ctr">
+            <a:normAutofit/>
+          </a:bodyPr>
+          <a:lstStyle>
+            <a:lvl1pPr marL="0" indent="0">
+              <a:buNone/>
+              <a:defRPr sz="1600"/>
+            </a:lvl1pPr>
+            <a:lvl2pPr marL="457200" indent="0">
+              <a:buNone/>
+              <a:defRPr sz="1400"/>
+            </a:lvl2pPr>
+            <a:lvl3pPr marL="914400" indent="0">
+              <a:buNone/>
+              <a:defRPr sz="1200"/>
+            </a:lvl3pPr>
+            <a:lvl4pPr marL="1371600" indent="0">
+              <a:buNone/>
+              <a:defRPr sz="1000"/>
+            </a:lvl4pPr>
+            <a:lvl5pPr marL="1828800" indent="0">
+              <a:buNone/>
+              <a:defRPr sz="1000"/>
+            </a:lvl5pPr>
+            <a:lvl6pPr marL="2286000" indent="0">
+              <a:buNone/>
+              <a:defRPr sz="1000"/>
+            </a:lvl6pPr>
+            <a:lvl7pPr marL="2743200" indent="0">
+              <a:buNone/>
+              <a:defRPr sz="1000"/>
+            </a:lvl7pPr>
+            <a:lvl8pPr marL="3200400" indent="0">
+              <a:buNone/>
+              <a:defRPr sz="1000"/>
+            </a:lvl8pPr>
+            <a:lvl9pPr marL="3657600" indent="0">
+              <a:buNone/>
+              <a:defRPr sz="1000"/>
+            </a:lvl9pPr>
+          </a:lstStyle>
+          <a:p>
+            <a:pPr lvl="0"/>
+            <a:r>
+              <a:rPr lang="en-US"/>
+              <a:t>Click to edit Master text styles</a:t>
+            </a:r>
+          </a:p>
+        </p:txBody>
+      </p:sp>
+      <p:sp>
+        <p:nvSpPr>
+          <p:cNvPr id="5" name="Date Placeholder 4"/>
+          <p:cNvSpPr>
+            <a:spLocks noGrp="1"/>
+          </p:cNvSpPr>
+          <p:nvPr>
+            <p:ph type="dt" sz="half" idx="10"/>
+          </p:nvPr>
+        </p:nvSpPr>
+        <p:spPr>
+          <a:xfrm>
+            <a:off x="7814452" y="381000"/>
+            <a:ext cx="2910840" cy="365125"/>
+          </a:xfrm>
+        </p:spPr>
+        <p:txBody>
+          <a:bodyPr/>
+          <a:lstStyle>
+            <a:lvl1pPr algn="r">
+              <a:defRPr/>
+            </a:lvl1pPr>
+          </a:lstStyle>
+          <a:p>
+            <a:fld id="{AA8E3A9D-C656-42E0-9A54-3FB3B7C5D5B6}" type="datetimeFigureOut">
+              <a:rPr lang="en-US" smtClean="0"/>
+              <a:t>5/4/2021</a:t>
+            </a:fld>
+            <a:endParaRPr lang="en-US"/>
+          </a:p>
+        </p:txBody>
+      </p:sp>
+      <p:sp>
+        <p:nvSpPr>
+          <p:cNvPr id="6" name="Footer Placeholder 5"/>
+          <p:cNvSpPr>
+            <a:spLocks noGrp="1"/>
+          </p:cNvSpPr>
+          <p:nvPr>
+            <p:ph type="ftr" sz="quarter" idx="11"/>
+          </p:nvPr>
+        </p:nvSpPr>
+        <p:spPr>
+          <a:xfrm>
+            <a:off x="685800" y="379941"/>
+            <a:ext cx="6991492" cy="365125"/>
+          </a:xfrm>
+        </p:spPr>
+        <p:txBody>
+          <a:bodyPr/>
+          <a:lstStyle/>
+          <a:p>
+            <a:endParaRPr lang="en-US"/>
+          </a:p>
+        </p:txBody>
+      </p:sp>
+      <p:sp>
+        <p:nvSpPr>
+          <p:cNvPr id="7" name="Slide Number Placeholder 6"/>
+          <p:cNvSpPr>
+            <a:spLocks noGrp="1"/>
+          </p:cNvSpPr>
+          <p:nvPr>
+            <p:ph type="sldNum" sz="quarter" idx="12"/>
+          </p:nvPr>
+        </p:nvSpPr>
+        <p:spPr>
+          <a:xfrm>
+            <a:off x="10862452" y="381000"/>
+            <a:ext cx="643748" cy="365125"/>
+          </a:xfrm>
+        </p:spPr>
+        <p:txBody>
+          <a:bodyPr/>
+          <a:lstStyle/>
+          <a:p>
+            <a:fld id="{B3A48331-C09F-4E22-8D6A-D7DA050076D7}" type="slidenum">
+              <a:rPr lang="en-US" smtClean="0"/>
+              <a:t>‹#›</a:t>
+            </a:fld>
+            <a:endParaRPr lang="en-US"/>
+          </a:p>
+        </p:txBody>
+      </p:sp>
+      <p:sp>
+        <p:nvSpPr>
+          <p:cNvPr id="9" name="TextBox 8"/>
+          <p:cNvSpPr txBox="1"/>
+          <p:nvPr/>
+        </p:nvSpPr>
+        <p:spPr>
+          <a:xfrm>
+            <a:off x="476250" y="933450"/>
+            <a:ext cx="609600" cy="584776"/>
+          </a:xfrm>
+          <a:prstGeom prst="rect">
+            <a:avLst/>
+          </a:prstGeom>
+        </p:spPr>
+        <p:txBody>
+          <a:bodyPr vert="horz" lIns="91440" tIns="45720" rIns="91440" bIns="45720" rtlCol="0" anchor="ctr">
+            <a:noAutofit/>
+          </a:bodyPr>
+          <a:lstStyle>
+            <a:lvl1pPr>
+              <a:spcBef>
+                <a:spcPct val="0"/>
+              </a:spcBef>
+              <a:buNone/>
+              <a:defRPr sz="3200" b="0" cap="all">
+                <a:ln w="3175" cmpd="sng">
+                  <a:noFill/>
+                </a:ln>
+                <a:effectLst>
+                  <a:glow rad="38100">
+                    <a:schemeClr val="bg1">
+                      <a:lumMod val="65000"/>
+                      <a:lumOff val="35000"/>
+                      <a:alpha val="40000"/>
+                    </a:schemeClr>
+                  </a:glow>
+                  <a:outerShdw blurRad="28575" dist="38100" dir="14040000" algn="tl" rotWithShape="0">
+                    <a:srgbClr val="000000">
+                      <a:alpha val="25000"/>
+                    </a:srgbClr>
+                  </a:outerShdw>
+                </a:effectLst>
+              </a:defRPr>
+            </a:lvl1pPr>
+            <a:lvl2pPr>
+              <a:defRPr>
+                <a:solidFill>
+                  <a:schemeClr val="tx2"/>
+                </a:solidFill>
+              </a:defRPr>
+            </a:lvl2pPr>
+            <a:lvl3pPr>
+              <a:defRPr>
+                <a:solidFill>
+                  <a:schemeClr val="tx2"/>
+                </a:solidFill>
+              </a:defRPr>
+            </a:lvl3pPr>
+            <a:lvl4pPr>
+              <a:defRPr>
+                <a:solidFill>
+                  <a:schemeClr val="tx2"/>
+                </a:solidFill>
+              </a:defRPr>
+            </a:lvl4pPr>
+            <a:lvl5pPr>
+              <a:defRPr>
+                <a:solidFill>
+                  <a:schemeClr val="tx2"/>
+                </a:solidFill>
+              </a:defRPr>
+            </a:lvl5pPr>
+            <a:lvl6pPr>
+              <a:defRPr>
+                <a:solidFill>
+                  <a:schemeClr val="tx2"/>
+                </a:solidFill>
+              </a:defRPr>
+            </a:lvl6pPr>
+            <a:lvl7pPr>
+              <a:defRPr>
+                <a:solidFill>
+                  <a:schemeClr val="tx2"/>
+                </a:solidFill>
+              </a:defRPr>
+            </a:lvl7pPr>
+            <a:lvl8pPr>
+              <a:defRPr>
+                <a:solidFill>
+                  <a:schemeClr val="tx2"/>
+                </a:solidFill>
+              </a:defRPr>
+            </a:lvl8pPr>
+            <a:lvl9pPr>
+              <a:defRPr>
+                <a:solidFill>
+                  <a:schemeClr val="tx2"/>
+                </a:solidFill>
+              </a:defRPr>
+            </a:lvl9pPr>
+          </a:lstStyle>
+          <a:p>
+            <a:pPr lvl="0"/>
+            <a:r>
+              <a:rPr lang="en-US" sz="8000" dirty="0">
+                <a:solidFill>
+                  <a:schemeClr val="tx1"/>
+                </a:solidFill>
+                <a:effectLst/>
+              </a:rPr>
+              <a:t>“</a:t>
+            </a:r>
+          </a:p>
+        </p:txBody>
+      </p:sp>
+      <p:sp>
+        <p:nvSpPr>
+          <p:cNvPr id="10" name="TextBox 9"/>
+          <p:cNvSpPr txBox="1"/>
+          <p:nvPr/>
+        </p:nvSpPr>
+        <p:spPr>
+          <a:xfrm>
+            <a:off x="10984230" y="2701290"/>
+            <a:ext cx="609600" cy="584776"/>
+          </a:xfrm>
+          <a:prstGeom prst="rect">
+            <a:avLst/>
+          </a:prstGeom>
+        </p:spPr>
+        <p:txBody>
+          <a:bodyPr vert="horz" lIns="91440" tIns="45720" rIns="91440" bIns="45720" rtlCol="0" anchor="ctr">
+            <a:noAutofit/>
+          </a:bodyPr>
+          <a:lstStyle>
+            <a:lvl1pPr>
+              <a:spcBef>
+                <a:spcPct val="0"/>
+              </a:spcBef>
+              <a:buNone/>
+              <a:defRPr sz="3200" b="0" cap="all">
+                <a:ln w="3175" cmpd="sng">
+                  <a:noFill/>
+                </a:ln>
+                <a:effectLst>
+                  <a:glow rad="38100">
+                    <a:schemeClr val="bg1">
+                      <a:lumMod val="65000"/>
+                      <a:lumOff val="35000"/>
+                      <a:alpha val="40000"/>
+                    </a:schemeClr>
+                  </a:glow>
+                  <a:outerShdw blurRad="28575" dist="38100" dir="14040000" algn="tl" rotWithShape="0">
+                    <a:srgbClr val="000000">
+                      <a:alpha val="25000"/>
+                    </a:srgbClr>
+                  </a:outerShdw>
+                </a:effectLst>
+              </a:defRPr>
+            </a:lvl1pPr>
+            <a:lvl2pPr>
+              <a:defRPr>
+                <a:solidFill>
+                  <a:schemeClr val="tx2"/>
+                </a:solidFill>
+              </a:defRPr>
+            </a:lvl2pPr>
+            <a:lvl3pPr>
+              <a:defRPr>
+                <a:solidFill>
+                  <a:schemeClr val="tx2"/>
+                </a:solidFill>
+              </a:defRPr>
+            </a:lvl3pPr>
+            <a:lvl4pPr>
+              <a:defRPr>
+                <a:solidFill>
+                  <a:schemeClr val="tx2"/>
+                </a:solidFill>
+              </a:defRPr>
+            </a:lvl4pPr>
+            <a:lvl5pPr>
+              <a:defRPr>
+                <a:solidFill>
+                  <a:schemeClr val="tx2"/>
+                </a:solidFill>
+              </a:defRPr>
+            </a:lvl5pPr>
+            <a:lvl6pPr>
+              <a:defRPr>
+                <a:solidFill>
+                  <a:schemeClr val="tx2"/>
+                </a:solidFill>
+              </a:defRPr>
+            </a:lvl6pPr>
+            <a:lvl7pPr>
+              <a:defRPr>
+                <a:solidFill>
+                  <a:schemeClr val="tx2"/>
+                </a:solidFill>
+              </a:defRPr>
+            </a:lvl7pPr>
+            <a:lvl8pPr>
+              <a:defRPr>
+                <a:solidFill>
+                  <a:schemeClr val="tx2"/>
+                </a:solidFill>
+              </a:defRPr>
+            </a:lvl8pPr>
+            <a:lvl9pPr>
+              <a:defRPr>
+                <a:solidFill>
+                  <a:schemeClr val="tx2"/>
+                </a:solidFill>
+              </a:defRPr>
+            </a:lvl9pPr>
+          </a:lstStyle>
+          <a:p>
+            <a:pPr lvl="0" algn="r"/>
+            <a:r>
+              <a:rPr lang="en-US" sz="8000" dirty="0">
+                <a:solidFill>
+                  <a:schemeClr val="tx1"/>
+                </a:solidFill>
+                <a:effectLst/>
+              </a:rPr>
+              <a:t>”</a:t>
+            </a:r>
+          </a:p>
+        </p:txBody>
+      </p:sp>
+    </p:spTree>
+    <p:extLst>
+      <p:ext uri="{BB962C8B-B14F-4D97-AF65-F5344CB8AC3E}">
+        <p14:creationId xmlns:p14="http://schemas.microsoft.com/office/powerpoint/2010/main" val="1891166518"/>
+      </p:ext>
+    </p:extLst>
+  </p:cSld>
+  <p:clrMapOvr>
+    <a:masterClrMapping/>
+  </p:clrMapOvr>
+</p:sldLayout>
+</file>
+
+<file path=ppt/slideLayouts/slideLayout24.xml><?xml version="1.0" encoding="utf-8"?>
+<p:sldLayout xmlns:a="http://schemas.openxmlformats.org/drawingml/2006/main" xmlns:r="http://schemas.openxmlformats.org/officeDocument/2006/relationships" xmlns:p="http://schemas.openxmlformats.org/presentationml/2006/main" showMasterSp="0" preserve="1">
+  <p:cSld name="Name Card">
+    <p:spTree>
+      <p:nvGrpSpPr>
+        <p:cNvPr id="1" name=""/>
+        <p:cNvGrpSpPr/>
+        <p:nvPr/>
+      </p:nvGrpSpPr>
+      <p:grpSpPr>
+        <a:xfrm>
+          <a:off x="0" y="0"/>
+          <a:ext cx="0" cy="0"/>
+          <a:chOff x="0" y="0"/>
+          <a:chExt cx="0" cy="0"/>
+        </a:xfrm>
+      </p:grpSpPr>
+      <p:pic>
+        <p:nvPicPr>
+          <p:cNvPr id="8" name="Picture 7" descr="C3-HD-BTM.png"/>
+          <p:cNvPicPr>
+            <a:picLocks noChangeAspect="1"/>
+          </p:cNvPicPr>
+          <p:nvPr/>
+        </p:nvPicPr>
+        <p:blipFill>
+          <a:blip r:embed="rId2">
+            <a:extLst>
+              <a:ext uri="{28A0092B-C50C-407E-A947-70E740481C1C}">
+                <a14:useLocalDpi xmlns:a14="http://schemas.microsoft.com/office/drawing/2010/main" val="0"/>
+              </a:ext>
+            </a:extLst>
+          </a:blip>
+          <a:stretch>
+            <a:fillRect/>
+          </a:stretch>
+        </p:blipFill>
+        <p:spPr>
+          <a:xfrm>
+            <a:off x="0" y="4375150"/>
+            <a:ext cx="12192000" cy="2482850"/>
+          </a:xfrm>
+          <a:prstGeom prst="rect">
+            <a:avLst/>
+          </a:prstGeom>
+        </p:spPr>
+      </p:pic>
+      <p:sp>
+        <p:nvSpPr>
+          <p:cNvPr id="2" name="Title 1"/>
+          <p:cNvSpPr>
+            <a:spLocks noGrp="1"/>
+          </p:cNvSpPr>
+          <p:nvPr>
+            <p:ph type="title"/>
+          </p:nvPr>
+        </p:nvSpPr>
+        <p:spPr>
+          <a:xfrm>
+            <a:off x="1024495" y="1124701"/>
+            <a:ext cx="10146186" cy="2511835"/>
+          </a:xfrm>
+        </p:spPr>
+        <p:txBody>
+          <a:bodyPr anchor="b"/>
+          <a:lstStyle>
+            <a:lvl1pPr algn="l">
+              <a:defRPr sz="3200"/>
+            </a:lvl1pPr>
+          </a:lstStyle>
+          <a:p>
+            <a:r>
+              <a:rPr lang="en-US"/>
+              <a:t>Click to edit Master title style</a:t>
+            </a:r>
+            <a:endParaRPr lang="en-US" dirty="0"/>
+          </a:p>
+        </p:txBody>
+      </p:sp>
+      <p:sp>
+        <p:nvSpPr>
+          <p:cNvPr id="4" name="Text Placeholder 3"/>
+          <p:cNvSpPr>
+            <a:spLocks noGrp="1"/>
+          </p:cNvSpPr>
+          <p:nvPr>
+            <p:ph type="body" sz="half" idx="2"/>
+          </p:nvPr>
+        </p:nvSpPr>
+        <p:spPr>
+          <a:xfrm>
+            <a:off x="1024467" y="3648315"/>
+            <a:ext cx="10144654" cy="999885"/>
+          </a:xfrm>
+        </p:spPr>
+        <p:txBody>
+          <a:bodyPr anchor="t"/>
+          <a:lstStyle>
+            <a:lvl1pPr marL="0" indent="0">
+              <a:buNone/>
+              <a:defRPr sz="1600"/>
+            </a:lvl1pPr>
+            <a:lvl2pPr marL="457200" indent="0">
+              <a:buNone/>
+              <a:defRPr sz="1400"/>
+            </a:lvl2pPr>
+            <a:lvl3pPr marL="914400" indent="0">
+              <a:buNone/>
+              <a:defRPr sz="1200"/>
+            </a:lvl3pPr>
+            <a:lvl4pPr marL="1371600" indent="0">
+              <a:buNone/>
+              <a:defRPr sz="1000"/>
+            </a:lvl4pPr>
+            <a:lvl5pPr marL="1828800" indent="0">
+              <a:buNone/>
+              <a:defRPr sz="1000"/>
+            </a:lvl5pPr>
+            <a:lvl6pPr marL="2286000" indent="0">
+              <a:buNone/>
+              <a:defRPr sz="1000"/>
+            </a:lvl6pPr>
+            <a:lvl7pPr marL="2743200" indent="0">
+              <a:buNone/>
+              <a:defRPr sz="1000"/>
+            </a:lvl7pPr>
+            <a:lvl8pPr marL="3200400" indent="0">
+              <a:buNone/>
+              <a:defRPr sz="1000"/>
+            </a:lvl8pPr>
+            <a:lvl9pPr marL="3657600" indent="0">
+              <a:buNone/>
+              <a:defRPr sz="1000"/>
+            </a:lvl9pPr>
+          </a:lstStyle>
+          <a:p>
+            <a:pPr lvl="0"/>
+            <a:r>
+              <a:rPr lang="en-US"/>
+              <a:t>Click to edit Master text styles</a:t>
+            </a:r>
+          </a:p>
+        </p:txBody>
+      </p:sp>
+      <p:sp>
+        <p:nvSpPr>
+          <p:cNvPr id="5" name="Date Placeholder 4"/>
+          <p:cNvSpPr>
+            <a:spLocks noGrp="1"/>
+          </p:cNvSpPr>
+          <p:nvPr>
+            <p:ph type="dt" sz="half" idx="10"/>
+          </p:nvPr>
+        </p:nvSpPr>
+        <p:spPr>
+          <a:xfrm>
+            <a:off x="7814452" y="378883"/>
+            <a:ext cx="2910840" cy="365125"/>
+          </a:xfrm>
+        </p:spPr>
+        <p:txBody>
+          <a:bodyPr/>
+          <a:lstStyle>
+            <a:lvl1pPr algn="r">
+              <a:defRPr/>
+            </a:lvl1pPr>
+          </a:lstStyle>
+          <a:p>
+            <a:fld id="{AA8E3A9D-C656-42E0-9A54-3FB3B7C5D5B6}" type="datetimeFigureOut">
+              <a:rPr lang="en-US" smtClean="0"/>
+              <a:t>5/4/2021</a:t>
+            </a:fld>
+            <a:endParaRPr lang="en-US"/>
+          </a:p>
+        </p:txBody>
+      </p:sp>
+      <p:sp>
+        <p:nvSpPr>
+          <p:cNvPr id="6" name="Footer Placeholder 5"/>
+          <p:cNvSpPr>
+            <a:spLocks noGrp="1"/>
+          </p:cNvSpPr>
+          <p:nvPr>
+            <p:ph type="ftr" sz="quarter" idx="11"/>
+          </p:nvPr>
+        </p:nvSpPr>
+        <p:spPr>
+          <a:xfrm>
+            <a:off x="685800" y="378883"/>
+            <a:ext cx="6991492" cy="365125"/>
+          </a:xfrm>
+        </p:spPr>
+        <p:txBody>
+          <a:bodyPr/>
+          <a:lstStyle/>
+          <a:p>
+            <a:endParaRPr lang="en-US"/>
+          </a:p>
+        </p:txBody>
+      </p:sp>
+      <p:sp>
+        <p:nvSpPr>
+          <p:cNvPr id="7" name="Slide Number Placeholder 6"/>
+          <p:cNvSpPr>
+            <a:spLocks noGrp="1"/>
+          </p:cNvSpPr>
+          <p:nvPr>
+            <p:ph type="sldNum" sz="quarter" idx="12"/>
+          </p:nvPr>
+        </p:nvSpPr>
+        <p:spPr>
+          <a:xfrm>
+            <a:off x="10862452" y="381000"/>
+            <a:ext cx="643748" cy="365125"/>
+          </a:xfrm>
+        </p:spPr>
+        <p:txBody>
+          <a:bodyPr/>
+          <a:lstStyle/>
+          <a:p>
+            <a:fld id="{B3A48331-C09F-4E22-8D6A-D7DA050076D7}" type="slidenum">
+              <a:rPr lang="en-US" smtClean="0"/>
+              <a:t>‹#›</a:t>
+            </a:fld>
+            <a:endParaRPr lang="en-US"/>
+          </a:p>
+        </p:txBody>
+      </p:sp>
+    </p:spTree>
+    <p:extLst>
+      <p:ext uri="{BB962C8B-B14F-4D97-AF65-F5344CB8AC3E}">
+        <p14:creationId xmlns:p14="http://schemas.microsoft.com/office/powerpoint/2010/main" val="1466003199"/>
+      </p:ext>
+    </p:extLst>
+  </p:cSld>
+  <p:clrMapOvr>
+    <a:masterClrMapping/>
+  </p:clrMapOvr>
+</p:sldLayout>
+</file>
+
+<file path=ppt/slideLayouts/slideLayout25.xml><?xml version="1.0" encoding="utf-8"?>
+<p:sldLayout xmlns:a="http://schemas.openxmlformats.org/drawingml/2006/main" xmlns:r="http://schemas.openxmlformats.org/officeDocument/2006/relationships" xmlns:p="http://schemas.openxmlformats.org/presentationml/2006/main" preserve="1">
+  <p:cSld name="3 Column">
+    <p:spTree>
+      <p:nvGrpSpPr>
+        <p:cNvPr id="1" name=""/>
+        <p:cNvGrpSpPr/>
+        <p:nvPr/>
+      </p:nvGrpSpPr>
+      <p:grpSpPr>
+        <a:xfrm>
+          <a:off x="0" y="0"/>
+          <a:ext cx="0" cy="0"/>
+          <a:chOff x="0" y="0"/>
+          <a:chExt cx="0" cy="0"/>
+        </a:xfrm>
+      </p:grpSpPr>
+      <p:sp>
+        <p:nvSpPr>
+          <p:cNvPr id="15" name="Title 1"/>
+          <p:cNvSpPr>
+            <a:spLocks noGrp="1"/>
+          </p:cNvSpPr>
+          <p:nvPr>
+            <p:ph type="title"/>
+          </p:nvPr>
+        </p:nvSpPr>
+        <p:spPr>
+          <a:xfrm>
+            <a:off x="2895600" y="761999"/>
+            <a:ext cx="8610599" cy="1303867"/>
+          </a:xfrm>
+        </p:spPr>
+        <p:txBody>
+          <a:bodyPr/>
+          <a:lstStyle/>
+          <a:p>
+            <a:r>
+              <a:rPr lang="en-US"/>
+              <a:t>Click to edit Master title style</a:t>
+            </a:r>
+            <a:endParaRPr lang="en-US" dirty="0"/>
+          </a:p>
+        </p:txBody>
+      </p:sp>
+      <p:sp>
+        <p:nvSpPr>
+          <p:cNvPr id="7" name="Text Placeholder 2"/>
+          <p:cNvSpPr>
+            <a:spLocks noGrp="1"/>
+          </p:cNvSpPr>
+          <p:nvPr>
+            <p:ph type="body" idx="1"/>
+          </p:nvPr>
+        </p:nvSpPr>
+        <p:spPr>
+          <a:xfrm>
+            <a:off x="685800" y="2202080"/>
+            <a:ext cx="3456432" cy="617320"/>
+          </a:xfrm>
+        </p:spPr>
+        <p:txBody>
+          <a:bodyPr anchor="b">
+            <a:noAutofit/>
+          </a:bodyPr>
+          <a:lstStyle>
+            <a:lvl1pPr marL="0" indent="0">
+              <a:buNone/>
+              <a:defRPr sz="2400" b="0">
+                <a:solidFill>
+                  <a:schemeClr val="tx1"/>
+                </a:solidFill>
+              </a:defRPr>
+            </a:lvl1pPr>
+            <a:lvl2pPr marL="457200" indent="0">
+              <a:buNone/>
+              <a:defRPr sz="2000" b="1"/>
+            </a:lvl2pPr>
+            <a:lvl3pPr marL="914400" indent="0">
+              <a:buNone/>
+              <a:defRPr sz="1800" b="1"/>
+            </a:lvl3pPr>
+            <a:lvl4pPr marL="1371600" indent="0">
+              <a:buNone/>
+              <a:defRPr sz="1600" b="1"/>
+            </a:lvl4pPr>
+            <a:lvl5pPr marL="1828800" indent="0">
+              <a:buNone/>
+              <a:defRPr sz="1600" b="1"/>
+            </a:lvl5pPr>
+            <a:lvl6pPr marL="2286000" indent="0">
+              <a:buNone/>
+              <a:defRPr sz="1600" b="1"/>
+            </a:lvl6pPr>
+            <a:lvl7pPr marL="2743200" indent="0">
+              <a:buNone/>
+              <a:defRPr sz="1600" b="1"/>
+            </a:lvl7pPr>
+            <a:lvl8pPr marL="3200400" indent="0">
+              <a:buNone/>
+              <a:defRPr sz="1600" b="1"/>
+            </a:lvl8pPr>
+            <a:lvl9pPr marL="3657600" indent="0">
+              <a:buNone/>
+              <a:defRPr sz="1600" b="1"/>
+            </a:lvl9pPr>
+          </a:lstStyle>
+          <a:p>
+            <a:pPr lvl="0"/>
+            <a:r>
+              <a:rPr lang="en-US"/>
+              <a:t>Click to edit Master text styles</a:t>
+            </a:r>
+          </a:p>
+        </p:txBody>
+      </p:sp>
+      <p:sp>
+        <p:nvSpPr>
+          <p:cNvPr id="8" name="Text Placeholder 3"/>
+          <p:cNvSpPr>
+            <a:spLocks noGrp="1"/>
+          </p:cNvSpPr>
+          <p:nvPr>
+            <p:ph type="body" sz="half" idx="15"/>
+          </p:nvPr>
+        </p:nvSpPr>
+        <p:spPr>
+          <a:xfrm>
+            <a:off x="685799" y="2904565"/>
+            <a:ext cx="3456432" cy="3314132"/>
+          </a:xfrm>
+        </p:spPr>
+        <p:txBody>
+          <a:bodyPr anchor="t">
+            <a:normAutofit/>
+          </a:bodyPr>
+          <a:lstStyle>
+            <a:lvl1pPr marL="0" indent="0">
+              <a:buNone/>
+              <a:defRPr sz="1400"/>
+            </a:lvl1pPr>
+            <a:lvl2pPr marL="457200" indent="0">
+              <a:buNone/>
+              <a:defRPr sz="1200"/>
+            </a:lvl2pPr>
+            <a:lvl3pPr marL="914400" indent="0">
+              <a:buNone/>
+              <a:defRPr sz="1000"/>
+            </a:lvl3pPr>
+            <a:lvl4pPr marL="1371600" indent="0">
+              <a:buNone/>
+              <a:defRPr sz="900"/>
+            </a:lvl4pPr>
+            <a:lvl5pPr marL="1828800" indent="0">
+              <a:buNone/>
+              <a:defRPr sz="900"/>
+            </a:lvl5pPr>
+            <a:lvl6pPr marL="2286000" indent="0">
+              <a:buNone/>
+              <a:defRPr sz="900"/>
+            </a:lvl6pPr>
+            <a:lvl7pPr marL="2743200" indent="0">
+              <a:buNone/>
+              <a:defRPr sz="900"/>
+            </a:lvl7pPr>
+            <a:lvl8pPr marL="3200400" indent="0">
+              <a:buNone/>
+              <a:defRPr sz="900"/>
+            </a:lvl8pPr>
+            <a:lvl9pPr marL="3657600" indent="0">
+              <a:buNone/>
+              <a:defRPr sz="900"/>
+            </a:lvl9pPr>
+          </a:lstStyle>
+          <a:p>
+            <a:pPr lvl="0"/>
+            <a:r>
+              <a:rPr lang="en-US"/>
+              <a:t>Click to edit Master text styles</a:t>
+            </a:r>
+          </a:p>
+        </p:txBody>
+      </p:sp>
+      <p:sp>
+        <p:nvSpPr>
+          <p:cNvPr id="9" name="Text Placeholder 4"/>
+          <p:cNvSpPr>
+            <a:spLocks noGrp="1"/>
+          </p:cNvSpPr>
+          <p:nvPr>
+            <p:ph type="body" sz="quarter" idx="3"/>
+          </p:nvPr>
+        </p:nvSpPr>
+        <p:spPr>
+          <a:xfrm>
+            <a:off x="4368800" y="2201333"/>
+            <a:ext cx="3456432" cy="626534"/>
+          </a:xfrm>
+        </p:spPr>
+        <p:txBody>
+          <a:bodyPr anchor="b">
+            <a:noAutofit/>
+          </a:bodyPr>
+          <a:lstStyle>
+            <a:lvl1pPr marL="0" indent="0">
+              <a:buNone/>
+              <a:defRPr sz="2400" b="0">
+                <a:solidFill>
+                  <a:schemeClr val="tx1"/>
+                </a:solidFill>
+              </a:defRPr>
+            </a:lvl1pPr>
+            <a:lvl2pPr marL="457200" indent="0">
+              <a:buNone/>
+              <a:defRPr sz="2000" b="1"/>
+            </a:lvl2pPr>
+            <a:lvl3pPr marL="914400" indent="0">
+              <a:buNone/>
+              <a:defRPr sz="1800" b="1"/>
+            </a:lvl3pPr>
+            <a:lvl4pPr marL="1371600" indent="0">
+              <a:buNone/>
+              <a:defRPr sz="1600" b="1"/>
+            </a:lvl4pPr>
+            <a:lvl5pPr marL="1828800" indent="0">
+              <a:buNone/>
+              <a:defRPr sz="1600" b="1"/>
+            </a:lvl5pPr>
+            <a:lvl6pPr marL="2286000" indent="0">
+              <a:buNone/>
+              <a:defRPr sz="1600" b="1"/>
+            </a:lvl6pPr>
+            <a:lvl7pPr marL="2743200" indent="0">
+              <a:buNone/>
+              <a:defRPr sz="1600" b="1"/>
+            </a:lvl7pPr>
+            <a:lvl8pPr marL="3200400" indent="0">
+              <a:buNone/>
+              <a:defRPr sz="1600" b="1"/>
+            </a:lvl8pPr>
+            <a:lvl9pPr marL="3657600" indent="0">
+              <a:buNone/>
+              <a:defRPr sz="1600" b="1"/>
+            </a:lvl9pPr>
+          </a:lstStyle>
+          <a:p>
+            <a:pPr lvl="0"/>
+            <a:r>
+              <a:rPr lang="en-US"/>
+              <a:t>Click to edit Master text styles</a:t>
+            </a:r>
+          </a:p>
+        </p:txBody>
+      </p:sp>
+      <p:sp>
+        <p:nvSpPr>
+          <p:cNvPr id="10" name="Text Placeholder 3"/>
+          <p:cNvSpPr>
+            <a:spLocks noGrp="1"/>
+          </p:cNvSpPr>
+          <p:nvPr>
+            <p:ph type="body" sz="half" idx="16"/>
+          </p:nvPr>
+        </p:nvSpPr>
+        <p:spPr>
+          <a:xfrm>
+            <a:off x="4366858" y="2904067"/>
+            <a:ext cx="3456432" cy="3314618"/>
+          </a:xfrm>
+        </p:spPr>
+        <p:txBody>
+          <a:bodyPr anchor="t">
+            <a:normAutofit/>
+          </a:bodyPr>
+          <a:lstStyle>
+            <a:lvl1pPr marL="0" indent="0">
+              <a:buNone/>
+              <a:defRPr sz="1400"/>
+            </a:lvl1pPr>
+            <a:lvl2pPr marL="457200" indent="0">
+              <a:buNone/>
+              <a:defRPr sz="1200"/>
+            </a:lvl2pPr>
+            <a:lvl3pPr marL="914400" indent="0">
+              <a:buNone/>
+              <a:defRPr sz="1000"/>
+            </a:lvl3pPr>
+            <a:lvl4pPr marL="1371600" indent="0">
+              <a:buNone/>
+              <a:defRPr sz="900"/>
+            </a:lvl4pPr>
+            <a:lvl5pPr marL="1828800" indent="0">
+              <a:buNone/>
+              <a:defRPr sz="900"/>
+            </a:lvl5pPr>
+            <a:lvl6pPr marL="2286000" indent="0">
+              <a:buNone/>
+              <a:defRPr sz="900"/>
+            </a:lvl6pPr>
+            <a:lvl7pPr marL="2743200" indent="0">
+              <a:buNone/>
+              <a:defRPr sz="900"/>
+            </a:lvl7pPr>
+            <a:lvl8pPr marL="3200400" indent="0">
+              <a:buNone/>
+              <a:defRPr sz="900"/>
+            </a:lvl8pPr>
+            <a:lvl9pPr marL="3657600" indent="0">
+              <a:buNone/>
+              <a:defRPr sz="900"/>
+            </a:lvl9pPr>
+          </a:lstStyle>
+          <a:p>
+            <a:pPr lvl="0"/>
+            <a:r>
+              <a:rPr lang="en-US"/>
+              <a:t>Click to edit Master text styles</a:t>
+            </a:r>
+          </a:p>
+        </p:txBody>
+      </p:sp>
+      <p:sp>
+        <p:nvSpPr>
+          <p:cNvPr id="11" name="Text Placeholder 4"/>
+          <p:cNvSpPr>
+            <a:spLocks noGrp="1"/>
+          </p:cNvSpPr>
+          <p:nvPr>
+            <p:ph type="body" sz="quarter" idx="13"/>
+          </p:nvPr>
+        </p:nvSpPr>
+        <p:spPr>
+          <a:xfrm>
+            <a:off x="8051800" y="2192866"/>
+            <a:ext cx="3456432" cy="626534"/>
+          </a:xfrm>
+        </p:spPr>
+        <p:txBody>
+          <a:bodyPr anchor="b">
+            <a:noAutofit/>
+          </a:bodyPr>
+          <a:lstStyle>
+            <a:lvl1pPr marL="0" indent="0">
+              <a:buNone/>
+              <a:defRPr sz="2400" b="0">
+                <a:solidFill>
+                  <a:schemeClr val="tx1"/>
+                </a:solidFill>
+              </a:defRPr>
+            </a:lvl1pPr>
+            <a:lvl2pPr marL="457200" indent="0">
+              <a:buNone/>
+              <a:defRPr sz="2000" b="1"/>
+            </a:lvl2pPr>
+            <a:lvl3pPr marL="914400" indent="0">
+              <a:buNone/>
+              <a:defRPr sz="1800" b="1"/>
+            </a:lvl3pPr>
+            <a:lvl4pPr marL="1371600" indent="0">
+              <a:buNone/>
+              <a:defRPr sz="1600" b="1"/>
+            </a:lvl4pPr>
+            <a:lvl5pPr marL="1828800" indent="0">
+              <a:buNone/>
+              <a:defRPr sz="1600" b="1"/>
+            </a:lvl5pPr>
+            <a:lvl6pPr marL="2286000" indent="0">
+              <a:buNone/>
+              <a:defRPr sz="1600" b="1"/>
+            </a:lvl6pPr>
+            <a:lvl7pPr marL="2743200" indent="0">
+              <a:buNone/>
+              <a:defRPr sz="1600" b="1"/>
+            </a:lvl7pPr>
+            <a:lvl8pPr marL="3200400" indent="0">
+              <a:buNone/>
+              <a:defRPr sz="1600" b="1"/>
+            </a:lvl8pPr>
+            <a:lvl9pPr marL="3657600" indent="0">
+              <a:buNone/>
+              <a:defRPr sz="1600" b="1"/>
+            </a:lvl9pPr>
+          </a:lstStyle>
+          <a:p>
+            <a:pPr lvl="0"/>
+            <a:r>
+              <a:rPr lang="en-US"/>
+              <a:t>Click to edit Master text styles</a:t>
+            </a:r>
+          </a:p>
+        </p:txBody>
+      </p:sp>
+      <p:sp>
+        <p:nvSpPr>
+          <p:cNvPr id="12" name="Text Placeholder 3"/>
+          <p:cNvSpPr>
+            <a:spLocks noGrp="1"/>
+          </p:cNvSpPr>
+          <p:nvPr>
+            <p:ph type="body" sz="half" idx="17"/>
+          </p:nvPr>
+        </p:nvSpPr>
+        <p:spPr>
+          <a:xfrm>
+            <a:off x="8051801" y="2904565"/>
+            <a:ext cx="3456432" cy="3314132"/>
+          </a:xfrm>
+        </p:spPr>
+        <p:txBody>
+          <a:bodyPr anchor="t">
+            <a:normAutofit/>
+          </a:bodyPr>
+          <a:lstStyle>
+            <a:lvl1pPr marL="0" indent="0">
+              <a:buNone/>
+              <a:defRPr sz="1400"/>
+            </a:lvl1pPr>
+            <a:lvl2pPr marL="457200" indent="0">
+              <a:buNone/>
+              <a:defRPr sz="1200"/>
+            </a:lvl2pPr>
+            <a:lvl3pPr marL="914400" indent="0">
+              <a:buNone/>
+              <a:defRPr sz="1000"/>
+            </a:lvl3pPr>
+            <a:lvl4pPr marL="1371600" indent="0">
+              <a:buNone/>
+              <a:defRPr sz="900"/>
+            </a:lvl4pPr>
+            <a:lvl5pPr marL="1828800" indent="0">
+              <a:buNone/>
+              <a:defRPr sz="900"/>
+            </a:lvl5pPr>
+            <a:lvl6pPr marL="2286000" indent="0">
+              <a:buNone/>
+              <a:defRPr sz="900"/>
+            </a:lvl6pPr>
+            <a:lvl7pPr marL="2743200" indent="0">
+              <a:buNone/>
+              <a:defRPr sz="900"/>
+            </a:lvl7pPr>
+            <a:lvl8pPr marL="3200400" indent="0">
+              <a:buNone/>
+              <a:defRPr sz="900"/>
+            </a:lvl8pPr>
+            <a:lvl9pPr marL="3657600" indent="0">
+              <a:buNone/>
+              <a:defRPr sz="900"/>
+            </a:lvl9pPr>
+          </a:lstStyle>
+          <a:p>
+            <a:pPr lvl="0"/>
+            <a:r>
+              <a:rPr lang="en-US"/>
+              <a:t>Click to edit Master text styles</a:t>
+            </a:r>
+          </a:p>
+        </p:txBody>
+      </p:sp>
+      <p:sp>
+        <p:nvSpPr>
+          <p:cNvPr id="3" name="Date Placeholder 2"/>
+          <p:cNvSpPr>
+            <a:spLocks noGrp="1"/>
+          </p:cNvSpPr>
+          <p:nvPr>
+            <p:ph type="dt" sz="half" idx="10"/>
+          </p:nvPr>
+        </p:nvSpPr>
+        <p:spPr/>
+        <p:txBody>
+          <a:bodyPr/>
+          <a:lstStyle/>
+          <a:p>
+            <a:fld id="{AA8E3A9D-C656-42E0-9A54-3FB3B7C5D5B6}" type="datetimeFigureOut">
+              <a:rPr lang="en-US" smtClean="0"/>
+              <a:t>5/4/2021</a:t>
+            </a:fld>
+            <a:endParaRPr lang="en-US"/>
+          </a:p>
+        </p:txBody>
+      </p:sp>
+      <p:sp>
+        <p:nvSpPr>
+          <p:cNvPr id="4" name="Footer Placeholder 3"/>
+          <p:cNvSpPr>
+            <a:spLocks noGrp="1"/>
+          </p:cNvSpPr>
+          <p:nvPr>
+            <p:ph type="ftr" sz="quarter" idx="11"/>
+          </p:nvPr>
+        </p:nvSpPr>
+        <p:spPr/>
+        <p:txBody>
+          <a:bodyPr/>
+          <a:lstStyle/>
+          <a:p>
+            <a:endParaRPr lang="en-US"/>
+          </a:p>
+        </p:txBody>
+      </p:sp>
+      <p:sp>
+        <p:nvSpPr>
+          <p:cNvPr id="5" name="Slide Number Placeholder 4"/>
+          <p:cNvSpPr>
+            <a:spLocks noGrp="1"/>
+          </p:cNvSpPr>
+          <p:nvPr>
+            <p:ph type="sldNum" sz="quarter" idx="12"/>
+          </p:nvPr>
+        </p:nvSpPr>
+        <p:spPr/>
+        <p:txBody>
+          <a:bodyPr/>
+          <a:lstStyle/>
+          <a:p>
+            <a:fld id="{B3A48331-C09F-4E22-8D6A-D7DA050076D7}" type="slidenum">
+              <a:rPr lang="en-US" smtClean="0"/>
+              <a:t>‹#›</a:t>
+            </a:fld>
+            <a:endParaRPr lang="en-US"/>
+          </a:p>
+        </p:txBody>
+      </p:sp>
+    </p:spTree>
+    <p:extLst>
+      <p:ext uri="{BB962C8B-B14F-4D97-AF65-F5344CB8AC3E}">
+        <p14:creationId xmlns:p14="http://schemas.microsoft.com/office/powerpoint/2010/main" val="2042385519"/>
+      </p:ext>
+    </p:extLst>
+  </p:cSld>
+  <p:clrMapOvr>
+    <a:masterClrMapping/>
+  </p:clrMapOvr>
+</p:sldLayout>
+</file>
+
+<file path=ppt/slideLayouts/slideLayout26.xml><?xml version="1.0" encoding="utf-8"?>
+<p:sldLayout xmlns:a="http://schemas.openxmlformats.org/drawingml/2006/main" xmlns:r="http://schemas.openxmlformats.org/officeDocument/2006/relationships" xmlns:p="http://schemas.openxmlformats.org/presentationml/2006/main" preserve="1">
+  <p:cSld name="3 Picture Column">
+    <p:spTree>
+      <p:nvGrpSpPr>
+        <p:cNvPr id="1" name=""/>
+        <p:cNvGrpSpPr/>
+        <p:nvPr/>
+      </p:nvGrpSpPr>
+      <p:grpSpPr>
+        <a:xfrm>
+          <a:off x="0" y="0"/>
+          <a:ext cx="0" cy="0"/>
+          <a:chOff x="0" y="0"/>
+          <a:chExt cx="0" cy="0"/>
+        </a:xfrm>
+      </p:grpSpPr>
+      <p:sp>
+        <p:nvSpPr>
+          <p:cNvPr id="30" name="Title 1"/>
+          <p:cNvSpPr>
+            <a:spLocks noGrp="1"/>
+          </p:cNvSpPr>
+          <p:nvPr>
+            <p:ph type="title"/>
+          </p:nvPr>
+        </p:nvSpPr>
+        <p:spPr>
+          <a:xfrm>
+            <a:off x="2895600" y="762000"/>
+            <a:ext cx="8610599" cy="1295400"/>
+          </a:xfrm>
+        </p:spPr>
+        <p:txBody>
+          <a:bodyPr/>
+          <a:lstStyle/>
+          <a:p>
+            <a:r>
+              <a:rPr lang="en-US"/>
+              <a:t>Click to edit Master title style</a:t>
+            </a:r>
+            <a:endParaRPr lang="en-US" dirty="0"/>
+          </a:p>
+        </p:txBody>
+      </p:sp>
+      <p:sp>
+        <p:nvSpPr>
+          <p:cNvPr id="19" name="Text Placeholder 2"/>
+          <p:cNvSpPr>
+            <a:spLocks noGrp="1"/>
+          </p:cNvSpPr>
+          <p:nvPr>
+            <p:ph type="body" idx="1"/>
+          </p:nvPr>
+        </p:nvSpPr>
+        <p:spPr>
+          <a:xfrm>
+            <a:off x="688618" y="4191000"/>
+            <a:ext cx="3451582" cy="682765"/>
+          </a:xfrm>
+        </p:spPr>
+        <p:txBody>
+          <a:bodyPr anchor="b">
+            <a:noAutofit/>
+          </a:bodyPr>
+          <a:lstStyle>
+            <a:lvl1pPr marL="0" indent="0">
+              <a:buNone/>
+              <a:defRPr sz="2400" b="0">
+                <a:solidFill>
+                  <a:schemeClr val="tx1"/>
+                </a:solidFill>
+              </a:defRPr>
+            </a:lvl1pPr>
+            <a:lvl2pPr marL="457200" indent="0">
+              <a:buNone/>
+              <a:defRPr sz="2000" b="1"/>
+            </a:lvl2pPr>
+            <a:lvl3pPr marL="914400" indent="0">
+              <a:buNone/>
+              <a:defRPr sz="1800" b="1"/>
+            </a:lvl3pPr>
+            <a:lvl4pPr marL="1371600" indent="0">
+              <a:buNone/>
+              <a:defRPr sz="1600" b="1"/>
+            </a:lvl4pPr>
+            <a:lvl5pPr marL="1828800" indent="0">
+              <a:buNone/>
+              <a:defRPr sz="1600" b="1"/>
+            </a:lvl5pPr>
+            <a:lvl6pPr marL="2286000" indent="0">
+              <a:buNone/>
+              <a:defRPr sz="1600" b="1"/>
+            </a:lvl6pPr>
+            <a:lvl7pPr marL="2743200" indent="0">
+              <a:buNone/>
+              <a:defRPr sz="1600" b="1"/>
+            </a:lvl7pPr>
+            <a:lvl8pPr marL="3200400" indent="0">
+              <a:buNone/>
+              <a:defRPr sz="1600" b="1"/>
+            </a:lvl8pPr>
+            <a:lvl9pPr marL="3657600" indent="0">
+              <a:buNone/>
+              <a:defRPr sz="1600" b="1"/>
+            </a:lvl9pPr>
+          </a:lstStyle>
+          <a:p>
+            <a:pPr lvl="0"/>
+            <a:r>
+              <a:rPr lang="en-US"/>
+              <a:t>Click to edit Master text styles</a:t>
+            </a:r>
+          </a:p>
+        </p:txBody>
+      </p:sp>
+      <p:sp>
+        <p:nvSpPr>
+          <p:cNvPr id="20" name="Picture Placeholder 2"/>
+          <p:cNvSpPr>
+            <a:spLocks noGrp="1" noChangeAspect="1"/>
+          </p:cNvSpPr>
+          <p:nvPr>
+            <p:ph type="pic" idx="15"/>
+          </p:nvPr>
+        </p:nvSpPr>
+        <p:spPr>
+          <a:xfrm>
+            <a:off x="688618" y="2362200"/>
+            <a:ext cx="3451582" cy="1524000"/>
+          </a:xfrm>
+          <a:prstGeom prst="roundRect">
+            <a:avLst>
+              <a:gd name="adj" fmla="val 0"/>
+            </a:avLst>
+          </a:prstGeom>
+          <a:effectLst>
+            <a:outerShdw blurRad="50800" dist="50800" dir="5400000" algn="tl" rotWithShape="0">
+              <a:srgbClr val="000000">
+                <a:alpha val="43000"/>
+              </a:srgbClr>
+            </a:outerShdw>
+          </a:effectLst>
+        </p:spPr>
+        <p:txBody>
+          <a:bodyPr anchor="t">
+            <a:normAutofit/>
+          </a:bodyPr>
+          <a:lstStyle>
+            <a:lvl1pPr marL="0" indent="0" algn="ctr">
+              <a:buNone/>
+              <a:defRPr sz="1600"/>
+            </a:lvl1pPr>
+            <a:lvl2pPr marL="457200" indent="0">
+              <a:buNone/>
+              <a:defRPr sz="1600"/>
+            </a:lvl2pPr>
+            <a:lvl3pPr marL="914400" indent="0">
+              <a:buNone/>
+              <a:defRPr sz="1600"/>
+            </a:lvl3pPr>
+            <a:lvl4pPr marL="1371600" indent="0">
+              <a:buNone/>
+              <a:defRPr sz="1600"/>
+            </a:lvl4pPr>
+            <a:lvl5pPr marL="1828800" indent="0">
+              <a:buNone/>
+              <a:defRPr sz="1600"/>
+            </a:lvl5pPr>
+            <a:lvl6pPr marL="2286000" indent="0">
+              <a:buNone/>
+              <a:defRPr sz="1600"/>
+            </a:lvl6pPr>
+            <a:lvl7pPr marL="2743200" indent="0">
+              <a:buNone/>
+              <a:defRPr sz="1600"/>
+            </a:lvl7pPr>
+            <a:lvl8pPr marL="3200400" indent="0">
+              <a:buNone/>
+              <a:defRPr sz="1600"/>
+            </a:lvl8pPr>
+            <a:lvl9pPr marL="3657600" indent="0">
+              <a:buNone/>
+              <a:defRPr sz="1600"/>
+            </a:lvl9pPr>
+          </a:lstStyle>
+          <a:p>
+            <a:r>
+              <a:rPr lang="en-US"/>
+              <a:t>Click icon to add picture</a:t>
+            </a:r>
+            <a:endParaRPr lang="en-US" dirty="0"/>
+          </a:p>
+        </p:txBody>
+      </p:sp>
+      <p:sp>
+        <p:nvSpPr>
+          <p:cNvPr id="21" name="Text Placeholder 3"/>
+          <p:cNvSpPr>
+            <a:spLocks noGrp="1"/>
+          </p:cNvSpPr>
+          <p:nvPr>
+            <p:ph type="body" sz="half" idx="18"/>
+          </p:nvPr>
+        </p:nvSpPr>
+        <p:spPr>
+          <a:xfrm>
+            <a:off x="688618" y="4873764"/>
+            <a:ext cx="3451582" cy="1344921"/>
+          </a:xfrm>
+        </p:spPr>
+        <p:txBody>
+          <a:bodyPr anchor="t">
+            <a:normAutofit/>
+          </a:bodyPr>
+          <a:lstStyle>
+            <a:lvl1pPr marL="0" indent="0">
+              <a:buNone/>
+              <a:defRPr sz="1400"/>
+            </a:lvl1pPr>
+            <a:lvl2pPr marL="457200" indent="0">
+              <a:buNone/>
+              <a:defRPr sz="1200"/>
+            </a:lvl2pPr>
+            <a:lvl3pPr marL="914400" indent="0">
+              <a:buNone/>
+              <a:defRPr sz="1000"/>
+            </a:lvl3pPr>
+            <a:lvl4pPr marL="1371600" indent="0">
+              <a:buNone/>
+              <a:defRPr sz="900"/>
+            </a:lvl4pPr>
+            <a:lvl5pPr marL="1828800" indent="0">
+              <a:buNone/>
+              <a:defRPr sz="900"/>
+            </a:lvl5pPr>
+            <a:lvl6pPr marL="2286000" indent="0">
+              <a:buNone/>
+              <a:defRPr sz="900"/>
+            </a:lvl6pPr>
+            <a:lvl7pPr marL="2743200" indent="0">
+              <a:buNone/>
+              <a:defRPr sz="900"/>
+            </a:lvl7pPr>
+            <a:lvl8pPr marL="3200400" indent="0">
+              <a:buNone/>
+              <a:defRPr sz="900"/>
+            </a:lvl8pPr>
+            <a:lvl9pPr marL="3657600" indent="0">
+              <a:buNone/>
+              <a:defRPr sz="900"/>
+            </a:lvl9pPr>
+          </a:lstStyle>
+          <a:p>
+            <a:pPr lvl="0"/>
+            <a:r>
+              <a:rPr lang="en-US"/>
+              <a:t>Click to edit Master text styles</a:t>
+            </a:r>
+          </a:p>
+        </p:txBody>
+      </p:sp>
+      <p:sp>
+        <p:nvSpPr>
+          <p:cNvPr id="22" name="Text Placeholder 4"/>
+          <p:cNvSpPr>
+            <a:spLocks noGrp="1"/>
+          </p:cNvSpPr>
+          <p:nvPr>
+            <p:ph type="body" sz="quarter" idx="3"/>
+          </p:nvPr>
+        </p:nvSpPr>
+        <p:spPr>
+          <a:xfrm>
+            <a:off x="4374263" y="4191000"/>
+            <a:ext cx="3448935" cy="682765"/>
+          </a:xfrm>
+        </p:spPr>
+        <p:txBody>
+          <a:bodyPr anchor="b">
+            <a:noAutofit/>
+          </a:bodyPr>
+          <a:lstStyle>
+            <a:lvl1pPr marL="0" indent="0">
+              <a:buNone/>
+              <a:defRPr sz="2400" b="0">
+                <a:solidFill>
+                  <a:schemeClr val="tx1"/>
+                </a:solidFill>
+              </a:defRPr>
+            </a:lvl1pPr>
+            <a:lvl2pPr marL="457200" indent="0">
+              <a:buNone/>
+              <a:defRPr sz="2000" b="1"/>
+            </a:lvl2pPr>
+            <a:lvl3pPr marL="914400" indent="0">
+              <a:buNone/>
+              <a:defRPr sz="1800" b="1"/>
+            </a:lvl3pPr>
+            <a:lvl4pPr marL="1371600" indent="0">
+              <a:buNone/>
+              <a:defRPr sz="1600" b="1"/>
+            </a:lvl4pPr>
+            <a:lvl5pPr marL="1828800" indent="0">
+              <a:buNone/>
+              <a:defRPr sz="1600" b="1"/>
+            </a:lvl5pPr>
+            <a:lvl6pPr marL="2286000" indent="0">
+              <a:buNone/>
+              <a:defRPr sz="1600" b="1"/>
+            </a:lvl6pPr>
+            <a:lvl7pPr marL="2743200" indent="0">
+              <a:buNone/>
+              <a:defRPr sz="1600" b="1"/>
+            </a:lvl7pPr>
+            <a:lvl8pPr marL="3200400" indent="0">
+              <a:buNone/>
+              <a:defRPr sz="1600" b="1"/>
+            </a:lvl8pPr>
+            <a:lvl9pPr marL="3657600" indent="0">
+              <a:buNone/>
+              <a:defRPr sz="1600" b="1"/>
+            </a:lvl9pPr>
+          </a:lstStyle>
+          <a:p>
+            <a:pPr lvl="0"/>
+            <a:r>
+              <a:rPr lang="en-US"/>
+              <a:t>Click to edit Master text styles</a:t>
+            </a:r>
+          </a:p>
+        </p:txBody>
+      </p:sp>
+      <p:sp>
+        <p:nvSpPr>
+          <p:cNvPr id="23" name="Picture Placeholder 2"/>
+          <p:cNvSpPr>
+            <a:spLocks noGrp="1" noChangeAspect="1"/>
+          </p:cNvSpPr>
+          <p:nvPr>
+            <p:ph type="pic" idx="21"/>
+          </p:nvPr>
+        </p:nvSpPr>
+        <p:spPr>
+          <a:xfrm>
+            <a:off x="4374263" y="2362200"/>
+            <a:ext cx="3448936" cy="1524000"/>
+          </a:xfrm>
+          <a:prstGeom prst="roundRect">
+            <a:avLst>
+              <a:gd name="adj" fmla="val 0"/>
+            </a:avLst>
+          </a:prstGeom>
+          <a:effectLst>
+            <a:outerShdw blurRad="50800" dist="50800" dir="5400000" algn="tl" rotWithShape="0">
+              <a:srgbClr val="000000">
+                <a:alpha val="43000"/>
+              </a:srgbClr>
+            </a:outerShdw>
+          </a:effectLst>
+        </p:spPr>
+        <p:txBody>
+          <a:bodyPr anchor="t">
+            <a:normAutofit/>
+          </a:bodyPr>
+          <a:lstStyle>
+            <a:lvl1pPr marL="0" indent="0" algn="ctr">
+              <a:buNone/>
+              <a:defRPr sz="1600"/>
+            </a:lvl1pPr>
+            <a:lvl2pPr marL="457200" indent="0">
+              <a:buNone/>
+              <a:defRPr sz="1600"/>
+            </a:lvl2pPr>
+            <a:lvl3pPr marL="914400" indent="0">
+              <a:buNone/>
+              <a:defRPr sz="1600"/>
+            </a:lvl3pPr>
+            <a:lvl4pPr marL="1371600" indent="0">
+              <a:buNone/>
+              <a:defRPr sz="1600"/>
+            </a:lvl4pPr>
+            <a:lvl5pPr marL="1828800" indent="0">
+              <a:buNone/>
+              <a:defRPr sz="1600"/>
+            </a:lvl5pPr>
+            <a:lvl6pPr marL="2286000" indent="0">
+              <a:buNone/>
+              <a:defRPr sz="1600"/>
+            </a:lvl6pPr>
+            <a:lvl7pPr marL="2743200" indent="0">
+              <a:buNone/>
+              <a:defRPr sz="1600"/>
+            </a:lvl7pPr>
+            <a:lvl8pPr marL="3200400" indent="0">
+              <a:buNone/>
+              <a:defRPr sz="1600"/>
+            </a:lvl8pPr>
+            <a:lvl9pPr marL="3657600" indent="0">
+              <a:buNone/>
+              <a:defRPr sz="1600"/>
+            </a:lvl9pPr>
+          </a:lstStyle>
+          <a:p>
+            <a:r>
+              <a:rPr lang="en-US"/>
+              <a:t>Click icon to add picture</a:t>
+            </a:r>
+            <a:endParaRPr lang="en-US" dirty="0"/>
+          </a:p>
+        </p:txBody>
+      </p:sp>
+      <p:sp>
+        <p:nvSpPr>
+          <p:cNvPr id="24" name="Text Placeholder 3"/>
+          <p:cNvSpPr>
+            <a:spLocks noGrp="1"/>
+          </p:cNvSpPr>
+          <p:nvPr>
+            <p:ph type="body" sz="half" idx="19"/>
+          </p:nvPr>
+        </p:nvSpPr>
+        <p:spPr>
+          <a:xfrm>
+            <a:off x="4374264" y="4873763"/>
+            <a:ext cx="3448935" cy="1344921"/>
+          </a:xfrm>
+        </p:spPr>
+        <p:txBody>
+          <a:bodyPr anchor="t">
+            <a:normAutofit/>
+          </a:bodyPr>
+          <a:lstStyle>
+            <a:lvl1pPr marL="0" indent="0">
+              <a:buNone/>
+              <a:defRPr sz="1400"/>
+            </a:lvl1pPr>
+            <a:lvl2pPr marL="457200" indent="0">
+              <a:buNone/>
+              <a:defRPr sz="1200"/>
+            </a:lvl2pPr>
+            <a:lvl3pPr marL="914400" indent="0">
+              <a:buNone/>
+              <a:defRPr sz="1000"/>
+            </a:lvl3pPr>
+            <a:lvl4pPr marL="1371600" indent="0">
+              <a:buNone/>
+              <a:defRPr sz="900"/>
+            </a:lvl4pPr>
+            <a:lvl5pPr marL="1828800" indent="0">
+              <a:buNone/>
+              <a:defRPr sz="900"/>
+            </a:lvl5pPr>
+            <a:lvl6pPr marL="2286000" indent="0">
+              <a:buNone/>
+              <a:defRPr sz="900"/>
+            </a:lvl6pPr>
+            <a:lvl7pPr marL="2743200" indent="0">
+              <a:buNone/>
+              <a:defRPr sz="900"/>
+            </a:lvl7pPr>
+            <a:lvl8pPr marL="3200400" indent="0">
+              <a:buNone/>
+              <a:defRPr sz="900"/>
+            </a:lvl8pPr>
+            <a:lvl9pPr marL="3657600" indent="0">
+              <a:buNone/>
+              <a:defRPr sz="900"/>
+            </a:lvl9pPr>
+          </a:lstStyle>
+          <a:p>
+            <a:pPr lvl="0"/>
+            <a:r>
+              <a:rPr lang="en-US"/>
+              <a:t>Click to edit Master text styles</a:t>
+            </a:r>
+          </a:p>
+        </p:txBody>
+      </p:sp>
+      <p:sp>
+        <p:nvSpPr>
+          <p:cNvPr id="25" name="Text Placeholder 4"/>
+          <p:cNvSpPr>
+            <a:spLocks noGrp="1"/>
+          </p:cNvSpPr>
+          <p:nvPr>
+            <p:ph type="body" sz="quarter" idx="13"/>
+          </p:nvPr>
+        </p:nvSpPr>
+        <p:spPr>
+          <a:xfrm>
+            <a:off x="8049731" y="4191000"/>
+            <a:ext cx="3456469" cy="682765"/>
+          </a:xfrm>
+        </p:spPr>
+        <p:txBody>
+          <a:bodyPr anchor="b">
+            <a:noAutofit/>
+          </a:bodyPr>
+          <a:lstStyle>
+            <a:lvl1pPr marL="0" indent="0">
+              <a:buNone/>
+              <a:defRPr sz="2400" b="0">
+                <a:solidFill>
+                  <a:schemeClr val="tx1"/>
+                </a:solidFill>
+              </a:defRPr>
+            </a:lvl1pPr>
+            <a:lvl2pPr marL="457200" indent="0">
+              <a:buNone/>
+              <a:defRPr sz="2000" b="1"/>
+            </a:lvl2pPr>
+            <a:lvl3pPr marL="914400" indent="0">
+              <a:buNone/>
+              <a:defRPr sz="1800" b="1"/>
+            </a:lvl3pPr>
+            <a:lvl4pPr marL="1371600" indent="0">
+              <a:buNone/>
+              <a:defRPr sz="1600" b="1"/>
+            </a:lvl4pPr>
+            <a:lvl5pPr marL="1828800" indent="0">
+              <a:buNone/>
+              <a:defRPr sz="1600" b="1"/>
+            </a:lvl5pPr>
+            <a:lvl6pPr marL="2286000" indent="0">
+              <a:buNone/>
+              <a:defRPr sz="1600" b="1"/>
+            </a:lvl6pPr>
+            <a:lvl7pPr marL="2743200" indent="0">
+              <a:buNone/>
+              <a:defRPr sz="1600" b="1"/>
+            </a:lvl7pPr>
+            <a:lvl8pPr marL="3200400" indent="0">
+              <a:buNone/>
+              <a:defRPr sz="1600" b="1"/>
+            </a:lvl8pPr>
+            <a:lvl9pPr marL="3657600" indent="0">
+              <a:buNone/>
+              <a:defRPr sz="1600" b="1"/>
+            </a:lvl9pPr>
+          </a:lstStyle>
+          <a:p>
+            <a:pPr lvl="0"/>
+            <a:r>
+              <a:rPr lang="en-US"/>
+              <a:t>Click to edit Master text styles</a:t>
+            </a:r>
+          </a:p>
+        </p:txBody>
+      </p:sp>
+      <p:sp>
+        <p:nvSpPr>
+          <p:cNvPr id="26" name="Picture Placeholder 2"/>
+          <p:cNvSpPr>
+            <a:spLocks noGrp="1" noChangeAspect="1"/>
+          </p:cNvSpPr>
+          <p:nvPr>
+            <p:ph type="pic" idx="22"/>
+          </p:nvPr>
+        </p:nvSpPr>
+        <p:spPr>
+          <a:xfrm>
+            <a:off x="8049855" y="2362200"/>
+            <a:ext cx="3447878" cy="1524000"/>
+          </a:xfrm>
+          <a:prstGeom prst="roundRect">
+            <a:avLst>
+              <a:gd name="adj" fmla="val 0"/>
+            </a:avLst>
+          </a:prstGeom>
+          <a:effectLst>
+            <a:outerShdw blurRad="50800" dist="50800" dir="5400000" algn="tl" rotWithShape="0">
+              <a:srgbClr val="000000">
+                <a:alpha val="43000"/>
+              </a:srgbClr>
+            </a:outerShdw>
+          </a:effectLst>
+        </p:spPr>
+        <p:txBody>
+          <a:bodyPr anchor="t">
+            <a:normAutofit/>
+          </a:bodyPr>
+          <a:lstStyle>
+            <a:lvl1pPr marL="0" indent="0" algn="ctr">
+              <a:buNone/>
+              <a:defRPr sz="1600"/>
+            </a:lvl1pPr>
+            <a:lvl2pPr marL="457200" indent="0">
+              <a:buNone/>
+              <a:defRPr sz="1600"/>
+            </a:lvl2pPr>
+            <a:lvl3pPr marL="914400" indent="0">
+              <a:buNone/>
+              <a:defRPr sz="1600"/>
+            </a:lvl3pPr>
+            <a:lvl4pPr marL="1371600" indent="0">
+              <a:buNone/>
+              <a:defRPr sz="1600"/>
+            </a:lvl4pPr>
+            <a:lvl5pPr marL="1828800" indent="0">
+              <a:buNone/>
+              <a:defRPr sz="1600"/>
+            </a:lvl5pPr>
+            <a:lvl6pPr marL="2286000" indent="0">
+              <a:buNone/>
+              <a:defRPr sz="1600"/>
+            </a:lvl6pPr>
+            <a:lvl7pPr marL="2743200" indent="0">
+              <a:buNone/>
+              <a:defRPr sz="1600"/>
+            </a:lvl7pPr>
+            <a:lvl8pPr marL="3200400" indent="0">
+              <a:buNone/>
+              <a:defRPr sz="1600"/>
+            </a:lvl8pPr>
+            <a:lvl9pPr marL="3657600" indent="0">
+              <a:buNone/>
+              <a:defRPr sz="1600"/>
+            </a:lvl9pPr>
+          </a:lstStyle>
+          <a:p>
+            <a:r>
+              <a:rPr lang="en-US"/>
+              <a:t>Click icon to add picture</a:t>
+            </a:r>
+            <a:endParaRPr lang="en-US" dirty="0"/>
+          </a:p>
+        </p:txBody>
+      </p:sp>
+      <p:sp>
+        <p:nvSpPr>
+          <p:cNvPr id="27" name="Text Placeholder 3"/>
+          <p:cNvSpPr>
+            <a:spLocks noGrp="1"/>
+          </p:cNvSpPr>
+          <p:nvPr>
+            <p:ph type="body" sz="half" idx="20"/>
+          </p:nvPr>
+        </p:nvSpPr>
+        <p:spPr>
+          <a:xfrm>
+            <a:off x="8049731" y="4873761"/>
+            <a:ext cx="3452445" cy="1344921"/>
+          </a:xfrm>
+        </p:spPr>
+        <p:txBody>
+          <a:bodyPr anchor="t">
+            <a:normAutofit/>
+          </a:bodyPr>
+          <a:lstStyle>
+            <a:lvl1pPr marL="0" indent="0">
+              <a:buNone/>
+              <a:defRPr sz="1400"/>
+            </a:lvl1pPr>
+            <a:lvl2pPr marL="457200" indent="0">
+              <a:buNone/>
+              <a:defRPr sz="1200"/>
+            </a:lvl2pPr>
+            <a:lvl3pPr marL="914400" indent="0">
+              <a:buNone/>
+              <a:defRPr sz="1000"/>
+            </a:lvl3pPr>
+            <a:lvl4pPr marL="1371600" indent="0">
+              <a:buNone/>
+              <a:defRPr sz="900"/>
+            </a:lvl4pPr>
+            <a:lvl5pPr marL="1828800" indent="0">
+              <a:buNone/>
+              <a:defRPr sz="900"/>
+            </a:lvl5pPr>
+            <a:lvl6pPr marL="2286000" indent="0">
+              <a:buNone/>
+              <a:defRPr sz="900"/>
+            </a:lvl6pPr>
+            <a:lvl7pPr marL="2743200" indent="0">
+              <a:buNone/>
+              <a:defRPr sz="900"/>
+            </a:lvl7pPr>
+            <a:lvl8pPr marL="3200400" indent="0">
+              <a:buNone/>
+              <a:defRPr sz="900"/>
+            </a:lvl8pPr>
+            <a:lvl9pPr marL="3657600" indent="0">
+              <a:buNone/>
+              <a:defRPr sz="900"/>
+            </a:lvl9pPr>
+          </a:lstStyle>
+          <a:p>
+            <a:pPr lvl="0"/>
+            <a:r>
+              <a:rPr lang="en-US"/>
+              <a:t>Click to edit Master text styles</a:t>
+            </a:r>
+          </a:p>
+        </p:txBody>
+      </p:sp>
+      <p:sp>
+        <p:nvSpPr>
+          <p:cNvPr id="3" name="Date Placeholder 2"/>
+          <p:cNvSpPr>
+            <a:spLocks noGrp="1"/>
+          </p:cNvSpPr>
+          <p:nvPr>
+            <p:ph type="dt" sz="half" idx="10"/>
+          </p:nvPr>
+        </p:nvSpPr>
+        <p:spPr/>
+        <p:txBody>
+          <a:bodyPr/>
+          <a:lstStyle/>
+          <a:p>
+            <a:fld id="{AA8E3A9D-C656-42E0-9A54-3FB3B7C5D5B6}" type="datetimeFigureOut">
+              <a:rPr lang="en-US" smtClean="0"/>
+              <a:t>5/4/2021</a:t>
+            </a:fld>
+            <a:endParaRPr lang="en-US"/>
+          </a:p>
+        </p:txBody>
+      </p:sp>
+      <p:sp>
+        <p:nvSpPr>
+          <p:cNvPr id="4" name="Footer Placeholder 3"/>
+          <p:cNvSpPr>
+            <a:spLocks noGrp="1"/>
+          </p:cNvSpPr>
+          <p:nvPr>
+            <p:ph type="ftr" sz="quarter" idx="11"/>
+          </p:nvPr>
+        </p:nvSpPr>
+        <p:spPr/>
+        <p:txBody>
+          <a:bodyPr/>
+          <a:lstStyle/>
+          <a:p>
+            <a:endParaRPr lang="en-US"/>
+          </a:p>
+        </p:txBody>
+      </p:sp>
+      <p:sp>
+        <p:nvSpPr>
+          <p:cNvPr id="5" name="Slide Number Placeholder 4"/>
+          <p:cNvSpPr>
+            <a:spLocks noGrp="1"/>
+          </p:cNvSpPr>
+          <p:nvPr>
+            <p:ph type="sldNum" sz="quarter" idx="12"/>
+          </p:nvPr>
+        </p:nvSpPr>
+        <p:spPr/>
+        <p:txBody>
+          <a:bodyPr/>
+          <a:lstStyle/>
+          <a:p>
+            <a:fld id="{B3A48331-C09F-4E22-8D6A-D7DA050076D7}" type="slidenum">
+              <a:rPr lang="en-US" smtClean="0"/>
+              <a:t>‹#›</a:t>
+            </a:fld>
+            <a:endParaRPr lang="en-US"/>
+          </a:p>
+        </p:txBody>
+      </p:sp>
+    </p:spTree>
+    <p:extLst>
+      <p:ext uri="{BB962C8B-B14F-4D97-AF65-F5344CB8AC3E}">
+        <p14:creationId xmlns:p14="http://schemas.microsoft.com/office/powerpoint/2010/main" val="3692863894"/>
+      </p:ext>
+    </p:extLst>
+  </p:cSld>
+  <p:clrMapOvr>
+    <a:masterClrMapping/>
+  </p:clrMapOvr>
+</p:sldLayout>
+</file>
+
+<file path=ppt/slideLayouts/slideLayout27.xml><?xml version="1.0" encoding="utf-8"?>
+<p:sldLayout xmlns:a="http://schemas.openxmlformats.org/drawingml/2006/main" xmlns:r="http://schemas.openxmlformats.org/officeDocument/2006/relationships" xmlns:p="http://schemas.openxmlformats.org/presentationml/2006/main" type="vertTx" preserve="1">
+  <p:cSld name="Title and Vertical Text">
+    <p:spTree>
+      <p:nvGrpSpPr>
+        <p:cNvPr id="1" name=""/>
+        <p:cNvGrpSpPr/>
+        <p:nvPr/>
+      </p:nvGrpSpPr>
+      <p:grpSpPr>
+        <a:xfrm>
+          <a:off x="0" y="0"/>
+          <a:ext cx="0" cy="0"/>
+          <a:chOff x="0" y="0"/>
+          <a:chExt cx="0" cy="0"/>
+        </a:xfrm>
+      </p:grpSpPr>
+      <p:sp>
+        <p:nvSpPr>
+          <p:cNvPr id="2" name="Title 1"/>
+          <p:cNvSpPr>
+            <a:spLocks noGrp="1"/>
+          </p:cNvSpPr>
+          <p:nvPr>
+            <p:ph type="title"/>
+          </p:nvPr>
+        </p:nvSpPr>
+        <p:spPr/>
+        <p:txBody>
+          <a:bodyPr/>
+          <a:lstStyle/>
+          <a:p>
+            <a:r>
+              <a:rPr lang="en-US"/>
+              <a:t>Click to edit Master title style</a:t>
+            </a:r>
+            <a:endParaRPr lang="en-US" dirty="0"/>
+          </a:p>
+        </p:txBody>
+      </p:sp>
+      <p:sp>
+        <p:nvSpPr>
+          <p:cNvPr id="3" name="Vertical Text Placeholder 2"/>
+          <p:cNvSpPr>
+            <a:spLocks noGrp="1"/>
+          </p:cNvSpPr>
+          <p:nvPr>
+            <p:ph type="body" orient="vert" idx="1"/>
+          </p:nvPr>
+        </p:nvSpPr>
+        <p:spPr>
+          <a:xfrm>
+            <a:off x="685800" y="2194559"/>
+            <a:ext cx="10820400" cy="4024125"/>
+          </a:xfrm>
+        </p:spPr>
+        <p:txBody>
+          <a:bodyPr vert="eaVert"/>
+          <a:lstStyle/>
+          <a:p>
+            <a:pPr lvl="0"/>
+            <a:r>
+              <a:rPr lang="en-US"/>
+              <a:t>Click to edit Master text styles</a:t>
+            </a:r>
+          </a:p>
+          <a:p>
+            <a:pPr lvl="1"/>
+            <a:r>
+              <a:rPr lang="en-US"/>
+              <a:t>Second level</a:t>
+            </a:r>
+          </a:p>
+          <a:p>
+            <a:pPr lvl="2"/>
+            <a:r>
+              <a:rPr lang="en-US"/>
+              <a:t>Third level</a:t>
+            </a:r>
+          </a:p>
+          <a:p>
+            <a:pPr lvl="3"/>
+            <a:r>
+              <a:rPr lang="en-US"/>
+              <a:t>Fourth level</a:t>
+            </a:r>
+          </a:p>
+          <a:p>
+            <a:pPr lvl="4"/>
+            <a:r>
+              <a:rPr lang="en-US"/>
+              <a:t>Fifth level</a:t>
+            </a:r>
+            <a:endParaRPr lang="en-US" dirty="0"/>
+          </a:p>
+        </p:txBody>
+      </p:sp>
+      <p:sp>
+        <p:nvSpPr>
+          <p:cNvPr id="4" name="Date Placeholder 3"/>
+          <p:cNvSpPr>
+            <a:spLocks noGrp="1"/>
+          </p:cNvSpPr>
+          <p:nvPr>
+            <p:ph type="dt" sz="half" idx="10"/>
+          </p:nvPr>
+        </p:nvSpPr>
+        <p:spPr/>
+        <p:txBody>
+          <a:bodyPr/>
+          <a:lstStyle/>
+          <a:p>
+            <a:fld id="{AA8E3A9D-C656-42E0-9A54-3FB3B7C5D5B6}" type="datetimeFigureOut">
+              <a:rPr lang="en-US" smtClean="0"/>
+              <a:t>5/4/2021</a:t>
+            </a:fld>
+            <a:endParaRPr lang="en-US"/>
+          </a:p>
+        </p:txBody>
+      </p:sp>
+      <p:sp>
+        <p:nvSpPr>
+          <p:cNvPr id="5" name="Footer Placeholder 4"/>
+          <p:cNvSpPr>
+            <a:spLocks noGrp="1"/>
+          </p:cNvSpPr>
+          <p:nvPr>
+            <p:ph type="ftr" sz="quarter" idx="11"/>
+          </p:nvPr>
+        </p:nvSpPr>
+        <p:spPr/>
+        <p:txBody>
+          <a:bodyPr/>
+          <a:lstStyle/>
+          <a:p>
+            <a:endParaRPr lang="en-US"/>
+          </a:p>
+        </p:txBody>
+      </p:sp>
+      <p:sp>
+        <p:nvSpPr>
+          <p:cNvPr id="6" name="Slide Number Placeholder 5"/>
+          <p:cNvSpPr>
+            <a:spLocks noGrp="1"/>
+          </p:cNvSpPr>
+          <p:nvPr>
+            <p:ph type="sldNum" sz="quarter" idx="12"/>
+          </p:nvPr>
+        </p:nvSpPr>
+        <p:spPr/>
+        <p:txBody>
+          <a:bodyPr/>
+          <a:lstStyle/>
+          <a:p>
+            <a:fld id="{B3A48331-C09F-4E22-8D6A-D7DA050076D7}" type="slidenum">
+              <a:rPr lang="en-US" smtClean="0"/>
+              <a:t>‹#›</a:t>
+            </a:fld>
+            <a:endParaRPr lang="en-US"/>
+          </a:p>
+        </p:txBody>
+      </p:sp>
+    </p:spTree>
+    <p:extLst>
+      <p:ext uri="{BB962C8B-B14F-4D97-AF65-F5344CB8AC3E}">
+        <p14:creationId xmlns:p14="http://schemas.microsoft.com/office/powerpoint/2010/main" val="1304009703"/>
+      </p:ext>
+    </p:extLst>
+  </p:cSld>
+  <p:clrMapOvr>
+    <a:masterClrMapping/>
+  </p:clrMapOvr>
+</p:sldLayout>
+</file>
+
+<file path=ppt/slideLayouts/slideLayout28.xml><?xml version="1.0" encoding="utf-8"?>
+<p:sldLayout xmlns:a="http://schemas.openxmlformats.org/drawingml/2006/main" xmlns:r="http://schemas.openxmlformats.org/officeDocument/2006/relationships" xmlns:p="http://schemas.openxmlformats.org/presentationml/2006/main" showMasterSp="0" type="vertTitleAndTx" preserve="1">
+  <p:cSld name="Vertical Title and Text">
+    <p:spTree>
+      <p:nvGrpSpPr>
+        <p:cNvPr id="1" name=""/>
+        <p:cNvGrpSpPr/>
+        <p:nvPr/>
+      </p:nvGrpSpPr>
+      <p:grpSpPr>
+        <a:xfrm>
+          <a:off x="0" y="0"/>
+          <a:ext cx="0" cy="0"/>
+          <a:chOff x="0" y="0"/>
+          <a:chExt cx="0" cy="0"/>
+        </a:xfrm>
+      </p:grpSpPr>
+      <p:pic>
+        <p:nvPicPr>
+          <p:cNvPr id="9" name="Picture 8" descr="C3-HD-BTM.png"/>
+          <p:cNvPicPr>
+            <a:picLocks noChangeAspect="1"/>
+          </p:cNvPicPr>
+          <p:nvPr/>
+        </p:nvPicPr>
+        <p:blipFill>
+          <a:blip r:embed="rId2">
+            <a:extLst>
+              <a:ext uri="{28A0092B-C50C-407E-A947-70E740481C1C}">
+                <a14:useLocalDpi xmlns:a14="http://schemas.microsoft.com/office/drawing/2010/main" val="0"/>
+              </a:ext>
+            </a:extLst>
+          </a:blip>
+          <a:stretch>
+            <a:fillRect/>
+          </a:stretch>
+        </p:blipFill>
+        <p:spPr>
+          <a:xfrm>
+            <a:off x="0" y="4375150"/>
+            <a:ext cx="12192000" cy="2482850"/>
+          </a:xfrm>
+          <a:prstGeom prst="rect">
+            <a:avLst/>
+          </a:prstGeom>
+        </p:spPr>
+      </p:pic>
+      <p:sp>
+        <p:nvSpPr>
+          <p:cNvPr id="2" name="Vertical Title 1"/>
+          <p:cNvSpPr>
+            <a:spLocks noGrp="1"/>
+          </p:cNvSpPr>
+          <p:nvPr>
+            <p:ph type="title" orient="vert"/>
+          </p:nvPr>
+        </p:nvSpPr>
+        <p:spPr>
+          <a:xfrm>
+            <a:off x="9448800" y="745066"/>
+            <a:ext cx="2057400" cy="3903133"/>
+          </a:xfrm>
+        </p:spPr>
+        <p:txBody>
+          <a:bodyPr vert="eaVert"/>
+          <a:lstStyle>
+            <a:lvl1pPr algn="l">
+              <a:defRPr/>
+            </a:lvl1pPr>
+          </a:lstStyle>
+          <a:p>
+            <a:r>
+              <a:rPr lang="en-US"/>
+              <a:t>Click to edit Master title style</a:t>
+            </a:r>
+            <a:endParaRPr lang="en-US" dirty="0"/>
+          </a:p>
+        </p:txBody>
+      </p:sp>
+      <p:sp>
+        <p:nvSpPr>
+          <p:cNvPr id="3" name="Vertical Text Placeholder 2"/>
+          <p:cNvSpPr>
+            <a:spLocks noGrp="1"/>
+          </p:cNvSpPr>
+          <p:nvPr>
+            <p:ph type="body" orient="vert" idx="1"/>
+          </p:nvPr>
+        </p:nvSpPr>
+        <p:spPr>
+          <a:xfrm>
+            <a:off x="1024466" y="745067"/>
+            <a:ext cx="8204201" cy="3903133"/>
+          </a:xfrm>
+        </p:spPr>
+        <p:txBody>
+          <a:bodyPr vert="eaVert"/>
+          <a:lstStyle/>
+          <a:p>
+            <a:pPr lvl="0"/>
+            <a:r>
+              <a:rPr lang="en-US"/>
+              <a:t>Click to edit Master text styles</a:t>
+            </a:r>
+          </a:p>
+          <a:p>
+            <a:pPr lvl="1"/>
+            <a:r>
+              <a:rPr lang="en-US"/>
+              <a:t>Second level</a:t>
+            </a:r>
+          </a:p>
+          <a:p>
+            <a:pPr lvl="2"/>
+            <a:r>
+              <a:rPr lang="en-US"/>
+              <a:t>Third level</a:t>
+            </a:r>
+          </a:p>
+          <a:p>
+            <a:pPr lvl="3"/>
+            <a:r>
+              <a:rPr lang="en-US"/>
+              <a:t>Fourth level</a:t>
+            </a:r>
+          </a:p>
+          <a:p>
+            <a:pPr lvl="4"/>
+            <a:r>
+              <a:rPr lang="en-US"/>
+              <a:t>Fifth level</a:t>
+            </a:r>
+            <a:endParaRPr lang="en-US" dirty="0"/>
+          </a:p>
+        </p:txBody>
+      </p:sp>
+      <p:sp>
+        <p:nvSpPr>
+          <p:cNvPr id="4" name="Date Placeholder 3"/>
+          <p:cNvSpPr>
+            <a:spLocks noGrp="1"/>
+          </p:cNvSpPr>
+          <p:nvPr>
+            <p:ph type="dt" sz="half" idx="10"/>
+          </p:nvPr>
+        </p:nvSpPr>
+        <p:spPr>
+          <a:xfrm>
+            <a:off x="7814452" y="379941"/>
+            <a:ext cx="2910840" cy="365125"/>
+          </a:xfrm>
+        </p:spPr>
+        <p:txBody>
+          <a:bodyPr/>
+          <a:lstStyle>
+            <a:lvl1pPr algn="r">
+              <a:defRPr/>
+            </a:lvl1pPr>
+          </a:lstStyle>
+          <a:p>
+            <a:fld id="{AA8E3A9D-C656-42E0-9A54-3FB3B7C5D5B6}" type="datetimeFigureOut">
+              <a:rPr lang="en-US" smtClean="0"/>
+              <a:t>5/4/2021</a:t>
+            </a:fld>
+            <a:endParaRPr lang="en-US"/>
+          </a:p>
+        </p:txBody>
+      </p:sp>
+      <p:sp>
+        <p:nvSpPr>
+          <p:cNvPr id="5" name="Footer Placeholder 4"/>
+          <p:cNvSpPr>
+            <a:spLocks noGrp="1"/>
+          </p:cNvSpPr>
+          <p:nvPr>
+            <p:ph type="ftr" sz="quarter" idx="11"/>
+          </p:nvPr>
+        </p:nvSpPr>
+        <p:spPr>
+          <a:xfrm>
+            <a:off x="685800" y="381000"/>
+            <a:ext cx="6991492" cy="365125"/>
+          </a:xfrm>
+        </p:spPr>
+        <p:txBody>
+          <a:bodyPr/>
+          <a:lstStyle/>
+          <a:p>
+            <a:endParaRPr lang="en-US"/>
+          </a:p>
+        </p:txBody>
+      </p:sp>
+      <p:sp>
+        <p:nvSpPr>
+          <p:cNvPr id="6" name="Slide Number Placeholder 5"/>
+          <p:cNvSpPr>
+            <a:spLocks noGrp="1"/>
+          </p:cNvSpPr>
+          <p:nvPr>
+            <p:ph type="sldNum" sz="quarter" idx="12"/>
+          </p:nvPr>
+        </p:nvSpPr>
+        <p:spPr>
+          <a:xfrm>
+            <a:off x="10862452" y="381000"/>
+            <a:ext cx="643748" cy="365125"/>
+          </a:xfrm>
+        </p:spPr>
+        <p:txBody>
+          <a:bodyPr/>
+          <a:lstStyle/>
+          <a:p>
+            <a:fld id="{B3A48331-C09F-4E22-8D6A-D7DA050076D7}" type="slidenum">
+              <a:rPr lang="en-US" smtClean="0"/>
+              <a:t>‹#›</a:t>
+            </a:fld>
+            <a:endParaRPr lang="en-US"/>
+          </a:p>
+        </p:txBody>
+      </p:sp>
+    </p:spTree>
+    <p:extLst>
+      <p:ext uri="{BB962C8B-B14F-4D97-AF65-F5344CB8AC3E}">
+        <p14:creationId xmlns:p14="http://schemas.microsoft.com/office/powerpoint/2010/main" val="3980474611"/>
       </p:ext>
     </p:extLst>
   </p:cSld>
@@ -1143,7 +6203,7 @@
           <a:p>
             <a:fld id="{AA8E3A9D-C656-42E0-9A54-3FB3B7C5D5B6}" type="datetimeFigureOut">
               <a:rPr lang="en-US" smtClean="0"/>
-              <a:t>4/26/2021</a:t>
+              <a:t>5/4/2021</a:t>
             </a:fld>
             <a:endParaRPr lang="en-US"/>
           </a:p>
@@ -1408,7 +6468,7 @@
           <a:p>
             <a:fld id="{AA8E3A9D-C656-42E0-9A54-3FB3B7C5D5B6}" type="datetimeFigureOut">
               <a:rPr lang="en-US" smtClean="0"/>
-              <a:t>4/26/2021</a:t>
+              <a:t>5/4/2021</a:t>
             </a:fld>
             <a:endParaRPr lang="en-US"/>
           </a:p>
@@ -1820,7 +6880,7 @@
           <a:p>
             <a:fld id="{AA8E3A9D-C656-42E0-9A54-3FB3B7C5D5B6}" type="datetimeFigureOut">
               <a:rPr lang="en-US" smtClean="0"/>
-              <a:t>4/26/2021</a:t>
+              <a:t>5/4/2021</a:t>
             </a:fld>
             <a:endParaRPr lang="en-US"/>
           </a:p>
@@ -1961,7 +7021,7 @@
           <a:p>
             <a:fld id="{AA8E3A9D-C656-42E0-9A54-3FB3B7C5D5B6}" type="datetimeFigureOut">
               <a:rPr lang="en-US" smtClean="0"/>
-              <a:t>4/26/2021</a:t>
+              <a:t>5/4/2021</a:t>
             </a:fld>
             <a:endParaRPr lang="en-US"/>
           </a:p>
@@ -2074,7 +7134,7 @@
           <a:p>
             <a:fld id="{AA8E3A9D-C656-42E0-9A54-3FB3B7C5D5B6}" type="datetimeFigureOut">
               <a:rPr lang="en-US" smtClean="0"/>
-              <a:t>4/26/2021</a:t>
+              <a:t>5/4/2021</a:t>
             </a:fld>
             <a:endParaRPr lang="en-US"/>
           </a:p>
@@ -2385,7 +7445,7 @@
           <a:p>
             <a:fld id="{AA8E3A9D-C656-42E0-9A54-3FB3B7C5D5B6}" type="datetimeFigureOut">
               <a:rPr lang="en-US" smtClean="0"/>
-              <a:t>4/26/2021</a:t>
+              <a:t>5/4/2021</a:t>
             </a:fld>
             <a:endParaRPr lang="en-US"/>
           </a:p>
@@ -2673,7 +7733,7 @@
           <a:p>
             <a:fld id="{AA8E3A9D-C656-42E0-9A54-3FB3B7C5D5B6}" type="datetimeFigureOut">
               <a:rPr lang="en-US" smtClean="0"/>
-              <a:t>4/26/2021</a:t>
+              <a:t>5/4/2021</a:t>
             </a:fld>
             <a:endParaRPr lang="en-US"/>
           </a:p>
@@ -2914,7 +7974,7 @@
           <a:p>
             <a:fld id="{AA8E3A9D-C656-42E0-9A54-3FB3B7C5D5B6}" type="datetimeFigureOut">
               <a:rPr lang="en-US" smtClean="0"/>
-              <a:t>4/26/2021</a:t>
+              <a:t>5/4/2021</a:t>
             </a:fld>
             <a:endParaRPr lang="en-US"/>
           </a:p>
@@ -3314,9 +8374,14 @@
 </p:sldMaster>
 </file>
 
-<file path=ppt/slides/slide1.xml><?xml version="1.0" encoding="utf-8"?>
-<p:sld xmlns:a="http://schemas.openxmlformats.org/drawingml/2006/main" xmlns:r="http://schemas.openxmlformats.org/officeDocument/2006/relationships" xmlns:p="http://schemas.openxmlformats.org/presentationml/2006/main">
+<file path=ppt/slideMasters/slideMaster2.xml><?xml version="1.0" encoding="utf-8"?>
+<p:sldMaster xmlns:a="http://schemas.openxmlformats.org/drawingml/2006/main" xmlns:r="http://schemas.openxmlformats.org/officeDocument/2006/relationships" xmlns:p="http://schemas.openxmlformats.org/presentationml/2006/main">
   <p:cSld>
+    <p:bg>
+      <p:bgRef idx="1001">
+        <a:schemeClr val="bg1"/>
+      </p:bgRef>
+    </p:bg>
     <p:spTree>
       <p:nvGrpSpPr>
         <p:cNvPr id="1" name=""/>
@@ -3331,6 +8396,645 @@
           <a:chExt cx="0" cy="0"/>
         </a:xfrm>
       </p:grpSpPr>
+      <p:pic>
+        <p:nvPicPr>
+          <p:cNvPr id="8" name="Picture 7" descr="C3-HD-TOP.png"/>
+          <p:cNvPicPr>
+            <a:picLocks noChangeAspect="1"/>
+          </p:cNvPicPr>
+          <p:nvPr/>
+        </p:nvPicPr>
+        <p:blipFill>
+          <a:blip r:embed="rId19">
+            <a:extLst>
+              <a:ext uri="{28A0092B-C50C-407E-A947-70E740481C1C}">
+                <a14:useLocalDpi xmlns:a14="http://schemas.microsoft.com/office/drawing/2010/main" val="0"/>
+              </a:ext>
+            </a:extLst>
+          </a:blip>
+          <a:stretch>
+            <a:fillRect/>
+          </a:stretch>
+        </p:blipFill>
+        <p:spPr>
+          <a:xfrm>
+            <a:off x="0" y="0"/>
+            <a:ext cx="12192000" cy="1441450"/>
+          </a:xfrm>
+          <a:prstGeom prst="rect">
+            <a:avLst/>
+          </a:prstGeom>
+        </p:spPr>
+      </p:pic>
+      <p:sp>
+        <p:nvSpPr>
+          <p:cNvPr id="2" name="Title Placeholder 1"/>
+          <p:cNvSpPr>
+            <a:spLocks noGrp="1"/>
+          </p:cNvSpPr>
+          <p:nvPr>
+            <p:ph type="title"/>
+          </p:nvPr>
+        </p:nvSpPr>
+        <p:spPr>
+          <a:xfrm>
+            <a:off x="2895600" y="764373"/>
+            <a:ext cx="8610600" cy="1293028"/>
+          </a:xfrm>
+          <a:prstGeom prst="rect">
+            <a:avLst/>
+          </a:prstGeom>
+        </p:spPr>
+        <p:txBody>
+          <a:bodyPr vert="horz" lIns="91440" tIns="45720" rIns="91440" bIns="45720" rtlCol="0" anchor="ctr">
+            <a:normAutofit/>
+          </a:bodyPr>
+          <a:lstStyle/>
+          <a:p>
+            <a:r>
+              <a:rPr lang="en-US"/>
+              <a:t>Click to edit Master title style</a:t>
+            </a:r>
+            <a:endParaRPr lang="en-US" dirty="0"/>
+          </a:p>
+        </p:txBody>
+      </p:sp>
+      <p:sp>
+        <p:nvSpPr>
+          <p:cNvPr id="3" name="Text Placeholder 2"/>
+          <p:cNvSpPr>
+            <a:spLocks noGrp="1"/>
+          </p:cNvSpPr>
+          <p:nvPr>
+            <p:ph type="body" idx="1"/>
+          </p:nvPr>
+        </p:nvSpPr>
+        <p:spPr>
+          <a:xfrm>
+            <a:off x="685800" y="2194560"/>
+            <a:ext cx="10820400" cy="4024125"/>
+          </a:xfrm>
+          <a:prstGeom prst="rect">
+            <a:avLst/>
+          </a:prstGeom>
+        </p:spPr>
+        <p:txBody>
+          <a:bodyPr vert="horz" lIns="91440" tIns="45720" rIns="91440" bIns="45720" rtlCol="0">
+            <a:normAutofit/>
+          </a:bodyPr>
+          <a:lstStyle/>
+          <a:p>
+            <a:pPr lvl="0"/>
+            <a:r>
+              <a:rPr lang="en-US"/>
+              <a:t>Click to edit Master text styles</a:t>
+            </a:r>
+          </a:p>
+          <a:p>
+            <a:pPr lvl="1"/>
+            <a:r>
+              <a:rPr lang="en-US"/>
+              <a:t>Second level</a:t>
+            </a:r>
+          </a:p>
+          <a:p>
+            <a:pPr lvl="2"/>
+            <a:r>
+              <a:rPr lang="en-US"/>
+              <a:t>Third level</a:t>
+            </a:r>
+          </a:p>
+          <a:p>
+            <a:pPr lvl="3"/>
+            <a:r>
+              <a:rPr lang="en-US"/>
+              <a:t>Fourth level</a:t>
+            </a:r>
+          </a:p>
+          <a:p>
+            <a:pPr lvl="4"/>
+            <a:r>
+              <a:rPr lang="en-US"/>
+              <a:t>Fifth level</a:t>
+            </a:r>
+            <a:endParaRPr lang="en-US" dirty="0"/>
+          </a:p>
+        </p:txBody>
+      </p:sp>
+      <p:sp>
+        <p:nvSpPr>
+          <p:cNvPr id="4" name="Date Placeholder 3"/>
+          <p:cNvSpPr>
+            <a:spLocks noGrp="1"/>
+          </p:cNvSpPr>
+          <p:nvPr>
+            <p:ph type="dt" sz="half" idx="2"/>
+          </p:nvPr>
+        </p:nvSpPr>
+        <p:spPr>
+          <a:xfrm>
+            <a:off x="8595360" y="6356350"/>
+            <a:ext cx="2910840" cy="365125"/>
+          </a:xfrm>
+          <a:prstGeom prst="rect">
+            <a:avLst/>
+          </a:prstGeom>
+        </p:spPr>
+        <p:txBody>
+          <a:bodyPr vert="horz" lIns="91440" tIns="45720" rIns="91440" bIns="45720" rtlCol="0" anchor="ctr"/>
+          <a:lstStyle>
+            <a:lvl1pPr algn="r">
+              <a:defRPr sz="1050">
+                <a:solidFill>
+                  <a:schemeClr val="tx1">
+                    <a:tint val="75000"/>
+                  </a:schemeClr>
+                </a:solidFill>
+              </a:defRPr>
+            </a:lvl1pPr>
+          </a:lstStyle>
+          <a:p>
+            <a:fld id="{AA8E3A9D-C656-42E0-9A54-3FB3B7C5D5B6}" type="datetimeFigureOut">
+              <a:rPr lang="en-US" smtClean="0"/>
+              <a:t>5/4/2021</a:t>
+            </a:fld>
+            <a:endParaRPr lang="en-US"/>
+          </a:p>
+        </p:txBody>
+      </p:sp>
+      <p:sp>
+        <p:nvSpPr>
+          <p:cNvPr id="5" name="Footer Placeholder 4"/>
+          <p:cNvSpPr>
+            <a:spLocks noGrp="1"/>
+          </p:cNvSpPr>
+          <p:nvPr>
+            <p:ph type="ftr" sz="quarter" idx="3"/>
+          </p:nvPr>
+        </p:nvSpPr>
+        <p:spPr>
+          <a:xfrm>
+            <a:off x="685800" y="6355845"/>
+            <a:ext cx="7772400" cy="365125"/>
+          </a:xfrm>
+          <a:prstGeom prst="rect">
+            <a:avLst/>
+          </a:prstGeom>
+        </p:spPr>
+        <p:txBody>
+          <a:bodyPr vert="horz" lIns="91440" tIns="45720" rIns="91440" bIns="45720" rtlCol="0" anchor="ctr"/>
+          <a:lstStyle>
+            <a:lvl1pPr algn="l">
+              <a:defRPr sz="1050">
+                <a:solidFill>
+                  <a:schemeClr val="tx1">
+                    <a:tint val="75000"/>
+                  </a:schemeClr>
+                </a:solidFill>
+              </a:defRPr>
+            </a:lvl1pPr>
+          </a:lstStyle>
+          <a:p>
+            <a:endParaRPr lang="en-US"/>
+          </a:p>
+        </p:txBody>
+      </p:sp>
+      <p:sp>
+        <p:nvSpPr>
+          <p:cNvPr id="6" name="Slide Number Placeholder 5"/>
+          <p:cNvSpPr>
+            <a:spLocks noGrp="1"/>
+          </p:cNvSpPr>
+          <p:nvPr>
+            <p:ph type="sldNum" sz="quarter" idx="4"/>
+          </p:nvPr>
+        </p:nvSpPr>
+        <p:spPr>
+          <a:xfrm>
+            <a:off x="8763000" y="381000"/>
+            <a:ext cx="2743200" cy="365125"/>
+          </a:xfrm>
+          <a:prstGeom prst="rect">
+            <a:avLst/>
+          </a:prstGeom>
+        </p:spPr>
+        <p:txBody>
+          <a:bodyPr vert="horz" lIns="91440" tIns="45720" rIns="91440" bIns="45720" rtlCol="0" anchor="ctr"/>
+          <a:lstStyle>
+            <a:lvl1pPr algn="r">
+              <a:defRPr sz="1050">
+                <a:solidFill>
+                  <a:schemeClr val="tx1">
+                    <a:tint val="75000"/>
+                  </a:schemeClr>
+                </a:solidFill>
+              </a:defRPr>
+            </a:lvl1pPr>
+          </a:lstStyle>
+          <a:p>
+            <a:fld id="{B3A48331-C09F-4E22-8D6A-D7DA050076D7}" type="slidenum">
+              <a:rPr lang="en-US" smtClean="0"/>
+              <a:t>‹#›</a:t>
+            </a:fld>
+            <a:endParaRPr lang="en-US"/>
+          </a:p>
+        </p:txBody>
+      </p:sp>
+    </p:spTree>
+    <p:extLst>
+      <p:ext uri="{BB962C8B-B14F-4D97-AF65-F5344CB8AC3E}">
+        <p14:creationId xmlns:p14="http://schemas.microsoft.com/office/powerpoint/2010/main" val="1502993139"/>
+      </p:ext>
+    </p:extLst>
+  </p:cSld>
+  <p:clrMap bg1="lt1" tx1="dk1" bg2="lt2" tx2="dk2" accent1="accent1" accent2="accent2" accent3="accent3" accent4="accent4" accent5="accent5" accent6="accent6" hlink="hlink" folHlink="folHlink"/>
+  <p:sldLayoutIdLst>
+    <p:sldLayoutId id="2147483744" r:id="rId1"/>
+    <p:sldLayoutId id="2147483745" r:id="rId2"/>
+    <p:sldLayoutId id="2147483746" r:id="rId3"/>
+    <p:sldLayoutId id="2147483747" r:id="rId4"/>
+    <p:sldLayoutId id="2147483748" r:id="rId5"/>
+    <p:sldLayoutId id="2147483749" r:id="rId6"/>
+    <p:sldLayoutId id="2147483750" r:id="rId7"/>
+    <p:sldLayoutId id="2147483751" r:id="rId8"/>
+    <p:sldLayoutId id="2147483752" r:id="rId9"/>
+    <p:sldLayoutId id="2147483753" r:id="rId10"/>
+    <p:sldLayoutId id="2147483754" r:id="rId11"/>
+    <p:sldLayoutId id="2147483755" r:id="rId12"/>
+    <p:sldLayoutId id="2147483756" r:id="rId13"/>
+    <p:sldLayoutId id="2147483757" r:id="rId14"/>
+    <p:sldLayoutId id="2147483758" r:id="rId15"/>
+    <p:sldLayoutId id="2147483759" r:id="rId16"/>
+    <p:sldLayoutId id="2147483760" r:id="rId17"/>
+  </p:sldLayoutIdLst>
+  <p:txStyles>
+    <p:titleStyle>
+      <a:lvl1pPr algn="r" defTabSz="914400" rtl="0" eaLnBrk="1" latinLnBrk="0" hangingPunct="1">
+        <a:lnSpc>
+          <a:spcPct val="90000"/>
+        </a:lnSpc>
+        <a:spcBef>
+          <a:spcPct val="0"/>
+        </a:spcBef>
+        <a:buNone/>
+        <a:defRPr sz="4000" kern="1200" cap="all" baseline="0">
+          <a:solidFill>
+            <a:schemeClr val="tx1"/>
+          </a:solidFill>
+          <a:latin typeface="+mj-lt"/>
+          <a:ea typeface="+mj-ea"/>
+          <a:cs typeface="+mj-cs"/>
+        </a:defRPr>
+      </a:lvl1pPr>
+    </p:titleStyle>
+    <p:bodyStyle>
+      <a:lvl1pPr marL="228600" indent="-228600" algn="l" defTabSz="914400" rtl="0" eaLnBrk="1" latinLnBrk="0" hangingPunct="1">
+        <a:lnSpc>
+          <a:spcPct val="90000"/>
+        </a:lnSpc>
+        <a:spcBef>
+          <a:spcPts val="1000"/>
+        </a:spcBef>
+        <a:buFont typeface="Arial" panose="020B0604020202020204" pitchFamily="34" charset="0"/>
+        <a:buChar char="•"/>
+        <a:defRPr sz="2200" kern="1200">
+          <a:solidFill>
+            <a:schemeClr val="tx1"/>
+          </a:solidFill>
+          <a:latin typeface="+mn-lt"/>
+          <a:ea typeface="+mn-ea"/>
+          <a:cs typeface="+mn-cs"/>
+        </a:defRPr>
+      </a:lvl1pPr>
+      <a:lvl2pPr marL="685800" indent="-228600" algn="l" defTabSz="914400" rtl="0" eaLnBrk="1" latinLnBrk="0" hangingPunct="1">
+        <a:lnSpc>
+          <a:spcPct val="90000"/>
+        </a:lnSpc>
+        <a:spcBef>
+          <a:spcPts val="500"/>
+        </a:spcBef>
+        <a:buFont typeface="Arial" panose="020B0604020202020204" pitchFamily="34" charset="0"/>
+        <a:buChar char="•"/>
+        <a:defRPr sz="2000" kern="1200">
+          <a:solidFill>
+            <a:schemeClr val="tx1"/>
+          </a:solidFill>
+          <a:latin typeface="+mn-lt"/>
+          <a:ea typeface="+mn-ea"/>
+          <a:cs typeface="+mn-cs"/>
+        </a:defRPr>
+      </a:lvl2pPr>
+      <a:lvl3pPr marL="1143000" indent="-228600" algn="l" defTabSz="914400" rtl="0" eaLnBrk="1" latinLnBrk="0" hangingPunct="1">
+        <a:lnSpc>
+          <a:spcPct val="90000"/>
+        </a:lnSpc>
+        <a:spcBef>
+          <a:spcPts val="500"/>
+        </a:spcBef>
+        <a:buFont typeface="Arial" panose="020B0604020202020204" pitchFamily="34" charset="0"/>
+        <a:buChar char="•"/>
+        <a:defRPr sz="1800" kern="1200">
+          <a:solidFill>
+            <a:schemeClr val="tx1"/>
+          </a:solidFill>
+          <a:latin typeface="+mn-lt"/>
+          <a:ea typeface="+mn-ea"/>
+          <a:cs typeface="+mn-cs"/>
+        </a:defRPr>
+      </a:lvl3pPr>
+      <a:lvl4pPr marL="1600200" indent="-228600" algn="l" defTabSz="914400" rtl="0" eaLnBrk="1" latinLnBrk="0" hangingPunct="1">
+        <a:lnSpc>
+          <a:spcPct val="90000"/>
+        </a:lnSpc>
+        <a:spcBef>
+          <a:spcPts val="500"/>
+        </a:spcBef>
+        <a:buFont typeface="Arial" panose="020B0604020202020204" pitchFamily="34" charset="0"/>
+        <a:buChar char="•"/>
+        <a:defRPr sz="1600" kern="1200">
+          <a:solidFill>
+            <a:schemeClr val="tx1"/>
+          </a:solidFill>
+          <a:latin typeface="+mn-lt"/>
+          <a:ea typeface="+mn-ea"/>
+          <a:cs typeface="+mn-cs"/>
+        </a:defRPr>
+      </a:lvl4pPr>
+      <a:lvl5pPr marL="2057400" indent="-228600" algn="l" defTabSz="914400" rtl="0" eaLnBrk="1" latinLnBrk="0" hangingPunct="1">
+        <a:lnSpc>
+          <a:spcPct val="90000"/>
+        </a:lnSpc>
+        <a:spcBef>
+          <a:spcPts val="500"/>
+        </a:spcBef>
+        <a:buFont typeface="Arial" panose="020B0604020202020204" pitchFamily="34" charset="0"/>
+        <a:buChar char="•"/>
+        <a:defRPr sz="1600" kern="1200">
+          <a:solidFill>
+            <a:schemeClr val="tx1"/>
+          </a:solidFill>
+          <a:latin typeface="+mn-lt"/>
+          <a:ea typeface="+mn-ea"/>
+          <a:cs typeface="+mn-cs"/>
+        </a:defRPr>
+      </a:lvl5pPr>
+      <a:lvl6pPr marL="2514600" indent="-228600" algn="l" defTabSz="914400" rtl="0" eaLnBrk="1" latinLnBrk="0" hangingPunct="1">
+        <a:lnSpc>
+          <a:spcPct val="90000"/>
+        </a:lnSpc>
+        <a:spcBef>
+          <a:spcPts val="500"/>
+        </a:spcBef>
+        <a:buFont typeface="Arial" panose="020B0604020202020204" pitchFamily="34" charset="0"/>
+        <a:buChar char="•"/>
+        <a:defRPr sz="1600" kern="1200">
+          <a:solidFill>
+            <a:schemeClr val="tx1"/>
+          </a:solidFill>
+          <a:latin typeface="+mn-lt"/>
+          <a:ea typeface="+mn-ea"/>
+          <a:cs typeface="+mn-cs"/>
+        </a:defRPr>
+      </a:lvl6pPr>
+      <a:lvl7pPr marL="2971800" indent="-228600" algn="l" defTabSz="914400" rtl="0" eaLnBrk="1" latinLnBrk="0" hangingPunct="1">
+        <a:lnSpc>
+          <a:spcPct val="90000"/>
+        </a:lnSpc>
+        <a:spcBef>
+          <a:spcPts val="500"/>
+        </a:spcBef>
+        <a:buFont typeface="Arial" panose="020B0604020202020204" pitchFamily="34" charset="0"/>
+        <a:buChar char="•"/>
+        <a:defRPr sz="1600" kern="1200">
+          <a:solidFill>
+            <a:schemeClr val="tx1"/>
+          </a:solidFill>
+          <a:latin typeface="+mn-lt"/>
+          <a:ea typeface="+mn-ea"/>
+          <a:cs typeface="+mn-cs"/>
+        </a:defRPr>
+      </a:lvl7pPr>
+      <a:lvl8pPr marL="3429000" indent="-228600" algn="l" defTabSz="914400" rtl="0" eaLnBrk="1" latinLnBrk="0" hangingPunct="1">
+        <a:lnSpc>
+          <a:spcPct val="90000"/>
+        </a:lnSpc>
+        <a:spcBef>
+          <a:spcPts val="500"/>
+        </a:spcBef>
+        <a:buFont typeface="Arial" panose="020B0604020202020204" pitchFamily="34" charset="0"/>
+        <a:buChar char="•"/>
+        <a:defRPr sz="1600" kern="1200">
+          <a:solidFill>
+            <a:schemeClr val="tx1"/>
+          </a:solidFill>
+          <a:latin typeface="+mn-lt"/>
+          <a:ea typeface="+mn-ea"/>
+          <a:cs typeface="+mn-cs"/>
+        </a:defRPr>
+      </a:lvl8pPr>
+      <a:lvl9pPr marL="3886200" indent="-228600" algn="l" defTabSz="914400" rtl="0" eaLnBrk="1" latinLnBrk="0" hangingPunct="1">
+        <a:lnSpc>
+          <a:spcPct val="90000"/>
+        </a:lnSpc>
+        <a:spcBef>
+          <a:spcPts val="500"/>
+        </a:spcBef>
+        <a:buFont typeface="Arial" panose="020B0604020202020204" pitchFamily="34" charset="0"/>
+        <a:buChar char="•"/>
+        <a:defRPr sz="1600" kern="1200">
+          <a:solidFill>
+            <a:schemeClr val="tx1"/>
+          </a:solidFill>
+          <a:latin typeface="+mn-lt"/>
+          <a:ea typeface="+mn-ea"/>
+          <a:cs typeface="+mn-cs"/>
+        </a:defRPr>
+      </a:lvl9pPr>
+    </p:bodyStyle>
+    <p:otherStyle>
+      <a:defPPr>
+        <a:defRPr lang="en-US"/>
+      </a:defPPr>
+      <a:lvl1pPr marL="0" algn="l" defTabSz="914400" rtl="0" eaLnBrk="1" latinLnBrk="0" hangingPunct="1">
+        <a:defRPr sz="1800" kern="1200">
+          <a:solidFill>
+            <a:schemeClr val="tx1"/>
+          </a:solidFill>
+          <a:latin typeface="+mn-lt"/>
+          <a:ea typeface="+mn-ea"/>
+          <a:cs typeface="+mn-cs"/>
+        </a:defRPr>
+      </a:lvl1pPr>
+      <a:lvl2pPr marL="457200" algn="l" defTabSz="914400" rtl="0" eaLnBrk="1" latinLnBrk="0" hangingPunct="1">
+        <a:defRPr sz="1800" kern="1200">
+          <a:solidFill>
+            <a:schemeClr val="tx1"/>
+          </a:solidFill>
+          <a:latin typeface="+mn-lt"/>
+          <a:ea typeface="+mn-ea"/>
+          <a:cs typeface="+mn-cs"/>
+        </a:defRPr>
+      </a:lvl2pPr>
+      <a:lvl3pPr marL="914400" algn="l" defTabSz="914400" rtl="0" eaLnBrk="1" latinLnBrk="0" hangingPunct="1">
+        <a:defRPr sz="1800" kern="1200">
+          <a:solidFill>
+            <a:schemeClr val="tx1"/>
+          </a:solidFill>
+          <a:latin typeface="+mn-lt"/>
+          <a:ea typeface="+mn-ea"/>
+          <a:cs typeface="+mn-cs"/>
+        </a:defRPr>
+      </a:lvl3pPr>
+      <a:lvl4pPr marL="1371600" algn="l" defTabSz="914400" rtl="0" eaLnBrk="1" latinLnBrk="0" hangingPunct="1">
+        <a:defRPr sz="1800" kern="1200">
+          <a:solidFill>
+            <a:schemeClr val="tx1"/>
+          </a:solidFill>
+          <a:latin typeface="+mn-lt"/>
+          <a:ea typeface="+mn-ea"/>
+          <a:cs typeface="+mn-cs"/>
+        </a:defRPr>
+      </a:lvl4pPr>
+      <a:lvl5pPr marL="1828800" algn="l" defTabSz="914400" rtl="0" eaLnBrk="1" latinLnBrk="0" hangingPunct="1">
+        <a:defRPr sz="1800" kern="1200">
+          <a:solidFill>
+            <a:schemeClr val="tx1"/>
+          </a:solidFill>
+          <a:latin typeface="+mn-lt"/>
+          <a:ea typeface="+mn-ea"/>
+          <a:cs typeface="+mn-cs"/>
+        </a:defRPr>
+      </a:lvl5pPr>
+      <a:lvl6pPr marL="2286000" algn="l" defTabSz="914400" rtl="0" eaLnBrk="1" latinLnBrk="0" hangingPunct="1">
+        <a:defRPr sz="1800" kern="1200">
+          <a:solidFill>
+            <a:schemeClr val="tx1"/>
+          </a:solidFill>
+          <a:latin typeface="+mn-lt"/>
+          <a:ea typeface="+mn-ea"/>
+          <a:cs typeface="+mn-cs"/>
+        </a:defRPr>
+      </a:lvl6pPr>
+      <a:lvl7pPr marL="2743200" algn="l" defTabSz="914400" rtl="0" eaLnBrk="1" latinLnBrk="0" hangingPunct="1">
+        <a:defRPr sz="1800" kern="1200">
+          <a:solidFill>
+            <a:schemeClr val="tx1"/>
+          </a:solidFill>
+          <a:latin typeface="+mn-lt"/>
+          <a:ea typeface="+mn-ea"/>
+          <a:cs typeface="+mn-cs"/>
+        </a:defRPr>
+      </a:lvl7pPr>
+      <a:lvl8pPr marL="3200400" algn="l" defTabSz="914400" rtl="0" eaLnBrk="1" latinLnBrk="0" hangingPunct="1">
+        <a:defRPr sz="1800" kern="1200">
+          <a:solidFill>
+            <a:schemeClr val="tx1"/>
+          </a:solidFill>
+          <a:latin typeface="+mn-lt"/>
+          <a:ea typeface="+mn-ea"/>
+          <a:cs typeface="+mn-cs"/>
+        </a:defRPr>
+      </a:lvl8pPr>
+      <a:lvl9pPr marL="3657600" algn="l" defTabSz="914400" rtl="0" eaLnBrk="1" latinLnBrk="0" hangingPunct="1">
+        <a:defRPr sz="1800" kern="1200">
+          <a:solidFill>
+            <a:schemeClr val="tx1"/>
+          </a:solidFill>
+          <a:latin typeface="+mn-lt"/>
+          <a:ea typeface="+mn-ea"/>
+          <a:cs typeface="+mn-cs"/>
+        </a:defRPr>
+      </a:lvl9pPr>
+    </p:otherStyle>
+  </p:txStyles>
+</p:sldMaster>
+</file>
+
+<file path=ppt/slides/slide1.xml><?xml version="1.0" encoding="utf-8"?>
+<p:sld xmlns:a="http://schemas.openxmlformats.org/drawingml/2006/main" xmlns:r="http://schemas.openxmlformats.org/officeDocument/2006/relationships" xmlns:p="http://schemas.openxmlformats.org/presentationml/2006/main">
+  <p:cSld>
+    <p:bg>
+      <p:bgPr>
+        <a:solidFill>
+          <a:schemeClr val="bg1"/>
+        </a:solidFill>
+        <a:effectLst/>
+      </p:bgPr>
+    </p:bg>
+    <p:spTree>
+      <p:nvGrpSpPr>
+        <p:cNvPr id="1" name=""/>
+        <p:cNvGrpSpPr/>
+        <p:nvPr/>
+      </p:nvGrpSpPr>
+      <p:grpSpPr>
+        <a:xfrm>
+          <a:off x="0" y="0"/>
+          <a:ext cx="0" cy="0"/>
+          <a:chOff x="0" y="0"/>
+          <a:chExt cx="0" cy="0"/>
+        </a:xfrm>
+      </p:grpSpPr>
+      <p:sp useBgFill="1">
+        <p:nvSpPr>
+          <p:cNvPr id="8" name="Rectangle 7">
+            <a:extLst>
+              <a:ext uri="{FF2B5EF4-FFF2-40B4-BE49-F238E27FC236}">
+                <a16:creationId xmlns:a16="http://schemas.microsoft.com/office/drawing/2014/main" id="{E770CA6A-B3B0-4826-A91F-B2B1F8922026}"/>
+              </a:ext>
+              <a:ext uri="{C183D7F6-B498-43B3-948B-1728B52AA6E4}">
+                <adec:decorative xmlns:adec="http://schemas.microsoft.com/office/drawing/2017/decorative" val="1"/>
+              </a:ext>
+            </a:extLst>
+          </p:cNvPr>
+          <p:cNvSpPr>
+            <a:spLocks noGrp="1" noRot="1" noChangeAspect="1" noMove="1" noResize="1" noEditPoints="1" noAdjustHandles="1" noChangeArrowheads="1" noChangeShapeType="1" noTextEdit="1"/>
+          </p:cNvSpPr>
+          <p:nvPr>
+            <p:extLst>
+              <p:ext uri="{386F3935-93C4-4BCD-93E2-E3B085C9AB24}">
+                <p16:designElem xmlns:p16="http://schemas.microsoft.com/office/powerpoint/2015/main" val="1"/>
+              </p:ext>
+            </p:extLst>
+          </p:nvPr>
+        </p:nvSpPr>
+        <p:spPr>
+          <a:xfrm>
+            <a:off x="0" y="0"/>
+            <a:ext cx="12192000" cy="6858000"/>
+          </a:xfrm>
+          <a:prstGeom prst="rect">
+            <a:avLst/>
+          </a:prstGeom>
+          <a:ln>
+            <a:noFill/>
+          </a:ln>
+        </p:spPr>
+        <p:style>
+          <a:lnRef idx="2">
+            <a:schemeClr val="accent1">
+              <a:shade val="50000"/>
+            </a:schemeClr>
+          </a:lnRef>
+          <a:fillRef idx="1">
+            <a:schemeClr val="accent1"/>
+          </a:fillRef>
+          <a:effectRef idx="0">
+            <a:schemeClr val="accent1"/>
+          </a:effectRef>
+          <a:fontRef idx="minor">
+            <a:schemeClr val="lt1"/>
+          </a:fontRef>
+        </p:style>
+        <p:txBody>
+          <a:bodyPr rtlCol="0" anchor="ctr"/>
+          <a:lstStyle/>
+          <a:p>
+            <a:pPr algn="ctr"/>
+            <a:endParaRPr lang="en-US" dirty="0"/>
+          </a:p>
+        </p:txBody>
+      </p:sp>
       <p:sp>
         <p:nvSpPr>
           <p:cNvPr id="2" name="Title 1">
@@ -3347,16 +9051,22 @@
             <p:ph type="ctrTitle"/>
           </p:nvPr>
         </p:nvSpPr>
-        <p:spPr/>
-        <p:txBody>
-          <a:bodyPr/>
-          <a:lstStyle/>
-          <a:p>
-            <a:r>
-              <a:rPr lang="en-US" dirty="0" err="1"/>
+        <p:spPr>
+          <a:xfrm>
+            <a:off x="4976028" y="965200"/>
+            <a:ext cx="6170943" cy="4329641"/>
+          </a:xfrm>
+        </p:spPr>
+        <p:txBody>
+          <a:bodyPr anchor="ctr">
+            <a:normAutofit/>
+          </a:bodyPr>
+          <a:lstStyle/>
+          <a:p>
+            <a:r>
+              <a:rPr lang="en-US" sz="5400"/>
               <a:t>CryptoTracker</a:t>
             </a:r>
-            <a:endParaRPr lang="en-US" dirty="0"/>
           </a:p>
         </p:txBody>
       </p:sp>
@@ -3376,53 +9086,152 @@
             <p:ph type="subTitle" idx="1"/>
           </p:nvPr>
         </p:nvSpPr>
-        <p:spPr/>
-        <p:txBody>
-          <a:bodyPr>
-            <a:normAutofit lnSpcReduction="10000"/>
+        <p:spPr>
+          <a:xfrm>
+            <a:off x="965200" y="965200"/>
+            <a:ext cx="3367361" cy="4329641"/>
+          </a:xfrm>
+        </p:spPr>
+        <p:txBody>
+          <a:bodyPr anchor="ctr">
+            <a:normAutofit/>
           </a:bodyPr>
           <a:lstStyle/>
           <a:p>
-            <a:r>
-              <a:rPr lang="en-US" dirty="0"/>
-              <a:t>Ben </a:t>
-            </a:r>
-            <a:r>
-              <a:rPr lang="en-US" dirty="0" err="1"/>
-              <a:t>Kupernik</a:t>
-            </a:r>
-            <a:endParaRPr lang="en-US" dirty="0"/>
-          </a:p>
-          <a:p>
-            <a:r>
-              <a:rPr lang="en-US" dirty="0"/>
+            <a:pPr algn="r"/>
+            <a:r>
+              <a:rPr lang="en-US">
+                <a:latin typeface="+mj-lt"/>
+              </a:rPr>
+              <a:t>Ben Kupernik</a:t>
+            </a:r>
+          </a:p>
+          <a:p>
+            <a:pPr algn="r"/>
+            <a:r>
+              <a:rPr lang="en-US">
+                <a:latin typeface="+mj-lt"/>
+              </a:rPr>
               <a:t>Ryan Power</a:t>
             </a:r>
           </a:p>
           <a:p>
-            <a:r>
-              <a:rPr lang="en-US" dirty="0"/>
-              <a:t>Andrew </a:t>
-            </a:r>
-            <a:r>
-              <a:rPr lang="en-US" dirty="0" err="1"/>
-              <a:t>Rendler</a:t>
-            </a:r>
-            <a:endParaRPr lang="en-US" dirty="0"/>
-          </a:p>
-          <a:p>
-            <a:r>
-              <a:rPr lang="en-US" dirty="0"/>
-              <a:t>Trent </a:t>
-            </a:r>
-            <a:r>
-              <a:rPr lang="en-US" dirty="0" err="1"/>
-              <a:t>Resh</a:t>
-            </a:r>
-            <a:endParaRPr lang="en-US" dirty="0"/>
-          </a:p>
-        </p:txBody>
-      </p:sp>
+            <a:pPr algn="r"/>
+            <a:r>
+              <a:rPr lang="en-US">
+                <a:latin typeface="+mj-lt"/>
+              </a:rPr>
+              <a:t>Andrew Rendler</a:t>
+            </a:r>
+          </a:p>
+          <a:p>
+            <a:pPr algn="r"/>
+            <a:r>
+              <a:rPr lang="en-US">
+                <a:latin typeface="+mj-lt"/>
+              </a:rPr>
+              <a:t>Trent Resh</a:t>
+            </a:r>
+          </a:p>
+        </p:txBody>
+      </p:sp>
+      <p:cxnSp>
+        <p:nvCxnSpPr>
+          <p:cNvPr id="10" name="Straight Connector 9">
+            <a:extLst>
+              <a:ext uri="{FF2B5EF4-FFF2-40B4-BE49-F238E27FC236}">
+                <a16:creationId xmlns:a16="http://schemas.microsoft.com/office/drawing/2014/main" id="{6FE641DB-A503-41DE-ACA6-36B41C6C2BE9}"/>
+              </a:ext>
+              <a:ext uri="{C183D7F6-B498-43B3-948B-1728B52AA6E4}">
+                <adec:decorative xmlns:adec="http://schemas.microsoft.com/office/drawing/2017/decorative" val="1"/>
+              </a:ext>
+            </a:extLst>
+          </p:cNvPr>
+          <p:cNvCxnSpPr>
+            <a:cxnSpLocks noGrp="1" noRot="1" noChangeAspect="1" noMove="1" noResize="1" noEditPoints="1" noAdjustHandles="1" noChangeArrowheads="1" noChangeShapeType="1"/>
+          </p:cNvCxnSpPr>
+          <p:nvPr>
+            <p:extLst>
+              <p:ext uri="{386F3935-93C4-4BCD-93E2-E3B085C9AB24}">
+                <p16:designElem xmlns:p16="http://schemas.microsoft.com/office/powerpoint/2015/main" val="1"/>
+              </p:ext>
+            </p:extLst>
+          </p:nvPr>
+        </p:nvCxnSpPr>
+        <p:spPr>
+          <a:xfrm>
+            <a:off x="4654295" y="1621260"/>
+            <a:ext cx="0" cy="3017520"/>
+          </a:xfrm>
+          <a:prstGeom prst="line">
+            <a:avLst/>
+          </a:prstGeom>
+          <a:ln w="15875">
+            <a:solidFill>
+              <a:schemeClr val="tx1"/>
+            </a:solidFill>
+          </a:ln>
+        </p:spPr>
+        <p:style>
+          <a:lnRef idx="1">
+            <a:schemeClr val="accent1"/>
+          </a:lnRef>
+          <a:fillRef idx="0">
+            <a:schemeClr val="accent1"/>
+          </a:fillRef>
+          <a:effectRef idx="0">
+            <a:schemeClr val="accent1"/>
+          </a:effectRef>
+          <a:fontRef idx="minor">
+            <a:schemeClr val="tx1"/>
+          </a:fontRef>
+        </p:style>
+      </p:cxnSp>
+      <p:pic>
+        <p:nvPicPr>
+          <p:cNvPr id="12" name="Picture 11">
+            <a:extLst>
+              <a:ext uri="{FF2B5EF4-FFF2-40B4-BE49-F238E27FC236}">
+                <a16:creationId xmlns:a16="http://schemas.microsoft.com/office/drawing/2014/main" id="{25128BB7-D1A3-4F7F-98A3-10B5DCE17448}"/>
+              </a:ext>
+              <a:ext uri="{C183D7F6-B498-43B3-948B-1728B52AA6E4}">
+                <adec:decorative xmlns:adec="http://schemas.microsoft.com/office/drawing/2017/decorative" val="1"/>
+              </a:ext>
+            </a:extLst>
+          </p:cNvPr>
+          <p:cNvPicPr>
+            <a:picLocks noGrp="1" noRot="1" noChangeAspect="1" noMove="1" noResize="1" noEditPoints="1" noAdjustHandles="1" noChangeArrowheads="1" noChangeShapeType="1" noCrop="1"/>
+          </p:cNvPicPr>
+          <p:nvPr>
+            <p:extLst>
+              <p:ext uri="{386F3935-93C4-4BCD-93E2-E3B085C9AB24}">
+                <p16:designElem xmlns:p16="http://schemas.microsoft.com/office/powerpoint/2015/main" val="1"/>
+              </p:ext>
+            </p:extLst>
+          </p:nvPr>
+        </p:nvPicPr>
+        <p:blipFill>
+          <a:blip r:embed="rId2">
+            <a:extLst>
+              <a:ext uri="{28A0092B-C50C-407E-A947-70E740481C1C}">
+                <a14:useLocalDpi xmlns:a14="http://schemas.microsoft.com/office/drawing/2010/main" val="0"/>
+              </a:ext>
+            </a:extLst>
+          </a:blip>
+          <a:stretch>
+            <a:fillRect/>
+          </a:stretch>
+        </p:blipFill>
+        <p:spPr>
+          <a:xfrm>
+            <a:off x="0" y="4375150"/>
+            <a:ext cx="12192000" cy="2482850"/>
+          </a:xfrm>
+          <a:prstGeom prst="rect">
+            <a:avLst/>
+          </a:prstGeom>
+        </p:spPr>
+      </p:pic>
     </p:spTree>
     <p:extLst>
       <p:ext uri="{BB962C8B-B14F-4D97-AF65-F5344CB8AC3E}">
@@ -3439,6 +9248,14 @@
 <file path=ppt/slides/slide10.xml><?xml version="1.0" encoding="utf-8"?>
 <p:sld xmlns:a="http://schemas.openxmlformats.org/drawingml/2006/main" xmlns:r="http://schemas.openxmlformats.org/officeDocument/2006/relationships" xmlns:p="http://schemas.openxmlformats.org/presentationml/2006/main">
   <p:cSld>
+    <p:bg>
+      <p:bgPr>
+        <a:solidFill>
+          <a:schemeClr val="bg1"/>
+        </a:solidFill>
+        <a:effectLst/>
+      </p:bgPr>
+    </p:bg>
     <p:spTree>
       <p:nvGrpSpPr>
         <p:cNvPr id="1" name=""/>
@@ -3455,28 +9272,186 @@
       </p:grpSpPr>
       <p:sp>
         <p:nvSpPr>
-          <p:cNvPr id="2" name="Title 1">
+          <p:cNvPr id="31" name="Rectangle 30">
             <a:extLst>
               <a:ext uri="{FF2B5EF4-FFF2-40B4-BE49-F238E27FC236}">
-                <a16:creationId xmlns:a16="http://schemas.microsoft.com/office/drawing/2014/main" id="{0FDE737D-C7B1-4AC4-BE5C-3431521E18F9}"/>
+                <a16:creationId xmlns:a16="http://schemas.microsoft.com/office/drawing/2014/main" id="{2A0E4E09-FC02-4ADC-951A-3FFA90B6FE39}"/>
+              </a:ext>
+              <a:ext uri="{C183D7F6-B498-43B3-948B-1728B52AA6E4}">
+                <adec:decorative xmlns:adec="http://schemas.microsoft.com/office/drawing/2017/decorative" val="1"/>
               </a:ext>
             </a:extLst>
           </p:cNvPr>
           <p:cNvSpPr>
+            <a:spLocks noGrp="1" noRot="1" noChangeAspect="1" noMove="1" noResize="1" noEditPoints="1" noAdjustHandles="1" noChangeArrowheads="1" noChangeShapeType="1" noTextEdit="1"/>
+          </p:cNvSpPr>
+          <p:nvPr>
+            <p:extLst>
+              <p:ext uri="{386F3935-93C4-4BCD-93E2-E3B085C9AB24}">
+                <p16:designElem xmlns:p16="http://schemas.microsoft.com/office/powerpoint/2015/main" val="1"/>
+              </p:ext>
+            </p:extLst>
+          </p:nvPr>
+        </p:nvSpPr>
+        <p:spPr>
+          <a:xfrm>
+            <a:off x="0" y="0"/>
+            <a:ext cx="12191695" cy="6858000"/>
+          </a:xfrm>
+          <a:prstGeom prst="rect">
+            <a:avLst/>
+          </a:prstGeom>
+          <a:solidFill>
+            <a:schemeClr val="bg1"/>
+          </a:solidFill>
+          <a:ln>
+            <a:noFill/>
+          </a:ln>
+        </p:spPr>
+        <p:style>
+          <a:lnRef idx="2">
+            <a:schemeClr val="accent1">
+              <a:shade val="50000"/>
+            </a:schemeClr>
+          </a:lnRef>
+          <a:fillRef idx="1">
+            <a:schemeClr val="accent1"/>
+          </a:fillRef>
+          <a:effectRef idx="0">
+            <a:schemeClr val="accent1"/>
+          </a:effectRef>
+          <a:fontRef idx="minor">
+            <a:schemeClr val="lt1"/>
+          </a:fontRef>
+        </p:style>
+        <p:txBody>
+          <a:bodyPr rtlCol="0" anchor="ctr"/>
+          <a:lstStyle/>
+          <a:p>
+            <a:pPr algn="ctr"/>
+            <a:endParaRPr lang="en-US"/>
+          </a:p>
+        </p:txBody>
+      </p:sp>
+      <p:pic>
+        <p:nvPicPr>
+          <p:cNvPr id="4" name="Picture 3" descr="Text&#10;&#10;Description automatically generated">
+            <a:extLst>
+              <a:ext uri="{FF2B5EF4-FFF2-40B4-BE49-F238E27FC236}">
+                <a16:creationId xmlns:a16="http://schemas.microsoft.com/office/drawing/2014/main" id="{20920607-6700-408B-B7F2-AC8A47D24496}"/>
+              </a:ext>
+            </a:extLst>
+          </p:cNvPr>
+          <p:cNvPicPr>
+            <a:picLocks noChangeAspect="1"/>
+          </p:cNvPicPr>
+          <p:nvPr/>
+        </p:nvPicPr>
+        <p:blipFill rotWithShape="1">
+          <a:blip r:embed="rId2">
+            <a:alphaModFix/>
+            <a:extLst>
+              <a:ext uri="{28A0092B-C50C-407E-A947-70E740481C1C}">
+                <a14:useLocalDpi xmlns:a14="http://schemas.microsoft.com/office/drawing/2010/main" val="0"/>
+              </a:ext>
+            </a:extLst>
+          </a:blip>
+          <a:srcRect l="9748" r="35228"/>
+          <a:stretch/>
+        </p:blipFill>
+        <p:spPr>
+          <a:xfrm>
+            <a:off x="5768947" y="0"/>
+            <a:ext cx="6423053" cy="6858001"/>
+          </a:xfrm>
+          <a:prstGeom prst="rect">
+            <a:avLst/>
+          </a:prstGeom>
+        </p:spPr>
+      </p:pic>
+      <p:pic>
+        <p:nvPicPr>
+          <p:cNvPr id="33" name="Picture 32">
+            <a:extLst>
+              <a:ext uri="{FF2B5EF4-FFF2-40B4-BE49-F238E27FC236}">
+                <a16:creationId xmlns:a16="http://schemas.microsoft.com/office/drawing/2014/main" id="{24F266AD-725B-4A9D-B448-4C000F95CB47}"/>
+              </a:ext>
+              <a:ext uri="{C183D7F6-B498-43B3-948B-1728B52AA6E4}">
+                <adec:decorative xmlns:adec="http://schemas.microsoft.com/office/drawing/2017/decorative" val="1"/>
+              </a:ext>
+            </a:extLst>
+          </p:cNvPr>
+          <p:cNvPicPr>
+            <a:picLocks noGrp="1" noRot="1" noChangeAspect="1" noMove="1" noResize="1" noEditPoints="1" noAdjustHandles="1" noChangeArrowheads="1" noChangeShapeType="1" noCrop="1"/>
+          </p:cNvPicPr>
+          <p:nvPr>
+            <p:extLst>
+              <p:ext uri="{386F3935-93C4-4BCD-93E2-E3B085C9AB24}">
+                <p16:designElem xmlns:p16="http://schemas.microsoft.com/office/powerpoint/2015/main" val="1"/>
+              </p:ext>
+            </p:extLst>
+          </p:nvPr>
+        </p:nvPicPr>
+        <p:blipFill>
+          <a:blip r:embed="rId3">
+            <a:extLst>
+              <a:ext uri="{28A0092B-C50C-407E-A947-70E740481C1C}">
+                <a14:useLocalDpi xmlns:a14="http://schemas.microsoft.com/office/drawing/2010/main" val="0"/>
+              </a:ext>
+            </a:extLst>
+          </a:blip>
+          <a:stretch>
+            <a:fillRect/>
+          </a:stretch>
+        </p:blipFill>
+        <p:spPr>
+          <a:xfrm flipH="1">
+            <a:off x="0" y="0"/>
+            <a:ext cx="12192000" cy="6858000"/>
+          </a:xfrm>
+          <a:prstGeom prst="rect">
+            <a:avLst/>
+          </a:prstGeom>
+        </p:spPr>
+      </p:pic>
+      <p:sp>
+        <p:nvSpPr>
+          <p:cNvPr id="10" name="Title 1">
+            <a:extLst>
+              <a:ext uri="{FF2B5EF4-FFF2-40B4-BE49-F238E27FC236}">
+                <a16:creationId xmlns:a16="http://schemas.microsoft.com/office/drawing/2014/main" id="{1D93B8C4-97CA-445A-9F38-9EA5DF798D57}"/>
+              </a:ext>
+            </a:extLst>
+          </p:cNvPr>
+          <p:cNvSpPr>
             <a:spLocks noGrp="1"/>
           </p:cNvSpPr>
           <p:nvPr>
             <p:ph type="title"/>
           </p:nvPr>
         </p:nvSpPr>
-        <p:spPr/>
-        <p:txBody>
-          <a:bodyPr/>
-          <a:lstStyle/>
-          <a:p>
-            <a:r>
-              <a:rPr lang="en-US" dirty="0"/>
-              <a:t>Challenges</a:t>
+        <p:spPr>
+          <a:xfrm>
+            <a:off x="804483" y="3992591"/>
+            <a:ext cx="4805996" cy="1644592"/>
+          </a:xfrm>
+        </p:spPr>
+        <p:txBody>
+          <a:bodyPr vert="horz" lIns="91440" tIns="45720" rIns="91440" bIns="45720" rtlCol="0" anchor="t">
+            <a:normAutofit/>
+          </a:bodyPr>
+          <a:lstStyle/>
+          <a:p>
+            <a:r>
+              <a:rPr lang="en-US" dirty="0">
+                <a:solidFill>
+                  <a:schemeClr val="tx2">
+                    <a:lumMod val="75000"/>
+                  </a:schemeClr>
+                </a:solidFill>
+                <a:latin typeface="Century Gothic" panose="020B0502020202020204" pitchFamily="34" charset="0"/>
+              </a:rPr>
+              <a:t>Automated Unit Tests</a:t>
             </a:r>
           </a:p>
         </p:txBody>
@@ -3484,13 +9459,105 @@
     </p:spTree>
     <p:extLst>
       <p:ext uri="{BB962C8B-B14F-4D97-AF65-F5344CB8AC3E}">
-        <p14:creationId xmlns:p14="http://schemas.microsoft.com/office/powerpoint/2010/main" val="1912702707"/>
+        <p14:creationId xmlns:p14="http://schemas.microsoft.com/office/powerpoint/2010/main" val="2204753238"/>
       </p:ext>
     </p:extLst>
   </p:cSld>
   <p:clrMapOvr>
     <a:masterClrMapping/>
   </p:clrMapOvr>
+  <p:timing>
+    <p:tnLst>
+      <p:par>
+        <p:cTn id="1" dur="indefinite" restart="never" nodeType="tmRoot">
+          <p:childTnLst>
+            <p:seq concurrent="1" nextAc="seek">
+              <p:cTn id="2" dur="indefinite" nodeType="mainSeq">
+                <p:childTnLst>
+                  <p:par>
+                    <p:cTn id="3" fill="hold">
+                      <p:stCondLst>
+                        <p:cond delay="indefinite"/>
+                        <p:cond evt="onBegin" delay="0">
+                          <p:tn val="2"/>
+                        </p:cond>
+                      </p:stCondLst>
+                      <p:childTnLst>
+                        <p:par>
+                          <p:cTn id="4" fill="hold">
+                            <p:stCondLst>
+                              <p:cond delay="0"/>
+                            </p:stCondLst>
+                            <p:childTnLst>
+                              <p:par>
+                                <p:cTn id="5" presetID="10" presetClass="entr" presetSubtype="0" fill="hold" grpId="0" nodeType="withEffect">
+                                  <p:stCondLst>
+                                    <p:cond delay="1000"/>
+                                  </p:stCondLst>
+                                  <p:iterate>
+                                    <p:tmPct val="10000"/>
+                                  </p:iterate>
+                                  <p:childTnLst>
+                                    <p:set>
+                                      <p:cBhvr>
+                                        <p:cTn id="6" dur="1" fill="hold">
+                                          <p:stCondLst>
+                                            <p:cond delay="0"/>
+                                          </p:stCondLst>
+                                        </p:cTn>
+                                        <p:tgtEl>
+                                          <p:spTgt spid="10"/>
+                                        </p:tgtEl>
+                                        <p:attrNameLst>
+                                          <p:attrName>style.visibility</p:attrName>
+                                        </p:attrNameLst>
+                                      </p:cBhvr>
+                                      <p:to>
+                                        <p:strVal val="visible"/>
+                                      </p:to>
+                                    </p:set>
+                                    <p:animEffect transition="in" filter="fade">
+                                      <p:cBhvr>
+                                        <p:cTn id="7" dur="700"/>
+                                        <p:tgtEl>
+                                          <p:spTgt spid="10"/>
+                                        </p:tgtEl>
+                                      </p:cBhvr>
+                                    </p:animEffect>
+                                  </p:childTnLst>
+                                </p:cTn>
+                              </p:par>
+                            </p:childTnLst>
+                          </p:cTn>
+                        </p:par>
+                      </p:childTnLst>
+                    </p:cTn>
+                  </p:par>
+                </p:childTnLst>
+              </p:cTn>
+              <p:prevCondLst>
+                <p:cond evt="onPrev" delay="0">
+                  <p:tgtEl>
+                    <p:sldTgt/>
+                  </p:tgtEl>
+                </p:cond>
+              </p:prevCondLst>
+              <p:nextCondLst>
+                <p:cond evt="onNext" delay="0">
+                  <p:tgtEl>
+                    <p:sldTgt/>
+                  </p:tgtEl>
+                </p:cond>
+              </p:nextCondLst>
+            </p:seq>
+          </p:childTnLst>
+        </p:cTn>
+      </p:par>
+    </p:tnLst>
+    <p:bldLst>
+      <p:bldP spid="10" grpId="0"/>
+    </p:bldLst>
+  </p:timing>
 </p:sld>
 </file>
 
@@ -3513,6 +9580,228 @@
       </p:grpSpPr>
       <p:sp>
         <p:nvSpPr>
+          <p:cNvPr id="3" name="Text Placeholder 2">
+            <a:extLst>
+              <a:ext uri="{FF2B5EF4-FFF2-40B4-BE49-F238E27FC236}">
+                <a16:creationId xmlns:a16="http://schemas.microsoft.com/office/drawing/2014/main" id="{DABDFE57-AE78-4943-A946-42839CC77721}"/>
+              </a:ext>
+            </a:extLst>
+          </p:cNvPr>
+          <p:cNvSpPr>
+            <a:spLocks noGrp="1"/>
+          </p:cNvSpPr>
+          <p:nvPr>
+            <p:ph type="body" idx="1"/>
+          </p:nvPr>
+        </p:nvSpPr>
+        <p:spPr>
+          <a:xfrm>
+            <a:off x="839788" y="1019745"/>
+            <a:ext cx="5157787" cy="823912"/>
+          </a:xfrm>
+        </p:spPr>
+        <p:txBody>
+          <a:bodyPr/>
+          <a:lstStyle/>
+          <a:p>
+            <a:r>
+              <a:rPr lang="en-US" dirty="0"/>
+              <a:t>Languages</a:t>
+            </a:r>
+          </a:p>
+        </p:txBody>
+      </p:sp>
+      <p:sp>
+        <p:nvSpPr>
+          <p:cNvPr id="4" name="Content Placeholder 3">
+            <a:extLst>
+              <a:ext uri="{FF2B5EF4-FFF2-40B4-BE49-F238E27FC236}">
+                <a16:creationId xmlns:a16="http://schemas.microsoft.com/office/drawing/2014/main" id="{BF79A203-E45D-4889-957C-967625C53814}"/>
+              </a:ext>
+            </a:extLst>
+          </p:cNvPr>
+          <p:cNvSpPr>
+            <a:spLocks noGrp="1"/>
+          </p:cNvSpPr>
+          <p:nvPr>
+            <p:ph sz="half" idx="2"/>
+          </p:nvPr>
+        </p:nvSpPr>
+        <p:spPr>
+          <a:xfrm>
+            <a:off x="839788" y="1977007"/>
+            <a:ext cx="5157787" cy="4332728"/>
+          </a:xfrm>
+        </p:spPr>
+        <p:txBody>
+          <a:bodyPr/>
+          <a:lstStyle/>
+          <a:p>
+            <a:r>
+              <a:rPr lang="en-US" dirty="0"/>
+              <a:t>HTML</a:t>
+            </a:r>
+          </a:p>
+          <a:p>
+            <a:r>
+              <a:rPr lang="en-US" dirty="0"/>
+              <a:t>CSS</a:t>
+            </a:r>
+          </a:p>
+          <a:p>
+            <a:r>
+              <a:rPr lang="en-US" dirty="0"/>
+              <a:t>Python</a:t>
+            </a:r>
+          </a:p>
+          <a:p>
+            <a:r>
+              <a:rPr lang="en-US" dirty="0"/>
+              <a:t>JavaScript</a:t>
+            </a:r>
+          </a:p>
+          <a:p>
+            <a:r>
+              <a:rPr lang="en-US" dirty="0"/>
+              <a:t>SQL</a:t>
+            </a:r>
+          </a:p>
+          <a:p>
+            <a:endParaRPr lang="en-US" dirty="0"/>
+          </a:p>
+          <a:p>
+            <a:endParaRPr lang="en-US" dirty="0"/>
+          </a:p>
+        </p:txBody>
+      </p:sp>
+      <p:sp>
+        <p:nvSpPr>
+          <p:cNvPr id="5" name="Text Placeholder 4">
+            <a:extLst>
+              <a:ext uri="{FF2B5EF4-FFF2-40B4-BE49-F238E27FC236}">
+                <a16:creationId xmlns:a16="http://schemas.microsoft.com/office/drawing/2014/main" id="{640A3F3D-B519-4AB5-8D16-A10AC24AC32E}"/>
+              </a:ext>
+            </a:extLst>
+          </p:cNvPr>
+          <p:cNvSpPr>
+            <a:spLocks noGrp="1"/>
+          </p:cNvSpPr>
+          <p:nvPr>
+            <p:ph type="body" sz="quarter" idx="3"/>
+          </p:nvPr>
+        </p:nvSpPr>
+        <p:spPr>
+          <a:xfrm>
+            <a:off x="6172200" y="1033023"/>
+            <a:ext cx="5183188" cy="823912"/>
+          </a:xfrm>
+        </p:spPr>
+        <p:txBody>
+          <a:bodyPr/>
+          <a:lstStyle/>
+          <a:p>
+            <a:r>
+              <a:rPr lang="en-US" dirty="0"/>
+              <a:t>Framework \ Environment</a:t>
+            </a:r>
+          </a:p>
+        </p:txBody>
+      </p:sp>
+      <p:sp>
+        <p:nvSpPr>
+          <p:cNvPr id="6" name="Content Placeholder 5">
+            <a:extLst>
+              <a:ext uri="{FF2B5EF4-FFF2-40B4-BE49-F238E27FC236}">
+                <a16:creationId xmlns:a16="http://schemas.microsoft.com/office/drawing/2014/main" id="{75554BC5-B6EE-4F5B-8B55-DA5EA16BA7D6}"/>
+              </a:ext>
+            </a:extLst>
+          </p:cNvPr>
+          <p:cNvSpPr>
+            <a:spLocks noGrp="1"/>
+          </p:cNvSpPr>
+          <p:nvPr>
+            <p:ph sz="quarter" idx="4"/>
+          </p:nvPr>
+        </p:nvSpPr>
+        <p:spPr>
+          <a:xfrm>
+            <a:off x="6096000" y="1968197"/>
+            <a:ext cx="5183188" cy="4332728"/>
+          </a:xfrm>
+        </p:spPr>
+        <p:txBody>
+          <a:bodyPr/>
+          <a:lstStyle/>
+          <a:p>
+            <a:r>
+              <a:rPr lang="en-US" dirty="0"/>
+              <a:t>Flask</a:t>
+            </a:r>
+          </a:p>
+          <a:p>
+            <a:r>
+              <a:rPr lang="en-US" dirty="0"/>
+              <a:t>Bootstrap</a:t>
+            </a:r>
+          </a:p>
+          <a:p>
+            <a:r>
+              <a:rPr lang="en-US" dirty="0"/>
+              <a:t>Heroku</a:t>
+            </a:r>
+          </a:p>
+          <a:p>
+            <a:r>
+              <a:rPr lang="en-US" dirty="0"/>
+              <a:t>PostgreSQL</a:t>
+            </a:r>
+          </a:p>
+          <a:p>
+            <a:r>
+              <a:rPr lang="en-US" dirty="0"/>
+              <a:t>Cryptocompare API</a:t>
+            </a:r>
+          </a:p>
+          <a:p>
+            <a:endParaRPr lang="en-US" dirty="0"/>
+          </a:p>
+          <a:p>
+            <a:endParaRPr lang="en-US" dirty="0"/>
+          </a:p>
+        </p:txBody>
+      </p:sp>
+    </p:spTree>
+    <p:extLst>
+      <p:ext uri="{BB962C8B-B14F-4D97-AF65-F5344CB8AC3E}">
+        <p14:creationId xmlns:p14="http://schemas.microsoft.com/office/powerpoint/2010/main" val="3316311697"/>
+      </p:ext>
+    </p:extLst>
+  </p:cSld>
+  <p:clrMapOvr>
+    <a:masterClrMapping/>
+  </p:clrMapOvr>
+</p:sld>
+</file>
+
+<file path=ppt/slides/slide12.xml><?xml version="1.0" encoding="utf-8"?>
+<p:sld xmlns:a="http://schemas.openxmlformats.org/drawingml/2006/main" xmlns:r="http://schemas.openxmlformats.org/officeDocument/2006/relationships" xmlns:p="http://schemas.openxmlformats.org/presentationml/2006/main">
+  <p:cSld>
+    <p:spTree>
+      <p:nvGrpSpPr>
+        <p:cNvPr id="1" name=""/>
+        <p:cNvGrpSpPr/>
+        <p:nvPr/>
+      </p:nvGrpSpPr>
+      <p:grpSpPr>
+        <a:xfrm>
+          <a:off x="0" y="0"/>
+          <a:ext cx="0" cy="0"/>
+          <a:chOff x="0" y="0"/>
+          <a:chExt cx="0" cy="0"/>
+        </a:xfrm>
+      </p:grpSpPr>
+      <p:sp>
+        <p:nvSpPr>
           <p:cNvPr id="2" name="Title 1">
             <a:extLst>
               <a:ext uri="{FF2B5EF4-FFF2-40B4-BE49-F238E27FC236}">
@@ -3527,6 +9816,65 @@
             <p:ph type="title"/>
           </p:nvPr>
         </p:nvSpPr>
+        <p:spPr/>
+        <p:txBody>
+          <a:bodyPr/>
+          <a:lstStyle/>
+          <a:p>
+            <a:r>
+              <a:rPr lang="en-US"/>
+              <a:t>Challenges</a:t>
+            </a:r>
+            <a:endParaRPr lang="en-US" dirty="0"/>
+          </a:p>
+        </p:txBody>
+      </p:sp>
+    </p:spTree>
+    <p:extLst>
+      <p:ext uri="{BB962C8B-B14F-4D97-AF65-F5344CB8AC3E}">
+        <p14:creationId xmlns:p14="http://schemas.microsoft.com/office/powerpoint/2010/main" val="1912702707"/>
+      </p:ext>
+    </p:extLst>
+  </p:cSld>
+  <p:clrMapOvr>
+    <a:masterClrMapping/>
+  </p:clrMapOvr>
+</p:sld>
+</file>
+
+<file path=ppt/slides/slide13.xml><?xml version="1.0" encoding="utf-8"?>
+<p:sld xmlns:a="http://schemas.openxmlformats.org/drawingml/2006/main" xmlns:r="http://schemas.openxmlformats.org/officeDocument/2006/relationships" xmlns:p="http://schemas.openxmlformats.org/presentationml/2006/main">
+  <p:cSld>
+    <p:spTree>
+      <p:nvGrpSpPr>
+        <p:cNvPr id="1" name=""/>
+        <p:cNvGrpSpPr/>
+        <p:nvPr/>
+      </p:nvGrpSpPr>
+      <p:grpSpPr>
+        <a:xfrm>
+          <a:off x="0" y="0"/>
+          <a:ext cx="0" cy="0"/>
+          <a:chOff x="0" y="0"/>
+          <a:chExt cx="0" cy="0"/>
+        </a:xfrm>
+      </p:grpSpPr>
+      <p:sp>
+        <p:nvSpPr>
+          <p:cNvPr id="2" name="Title 1">
+            <a:extLst>
+              <a:ext uri="{FF2B5EF4-FFF2-40B4-BE49-F238E27FC236}">
+                <a16:creationId xmlns:a16="http://schemas.microsoft.com/office/drawing/2014/main" id="{0FDE737D-C7B1-4AC4-BE5C-3431521E18F9}"/>
+              </a:ext>
+            </a:extLst>
+          </p:cNvPr>
+          <p:cNvSpPr>
+            <a:spLocks noGrp="1"/>
+          </p:cNvSpPr>
+          <p:nvPr>
+            <p:ph type="title"/>
+          </p:nvPr>
+        </p:nvSpPr>
         <p:spPr>
           <a:xfrm>
             <a:off x="838200" y="2766218"/>
@@ -3539,9 +9887,10 @@
           <a:p>
             <a:pPr algn="ctr"/>
             <a:r>
-              <a:rPr lang="en-US" dirty="0"/>
+              <a:rPr lang="en-US"/>
               <a:t>Demonstration and Q&amp;A</a:t>
             </a:r>
+            <a:endParaRPr lang="en-US" dirty="0"/>
           </a:p>
         </p:txBody>
       </p:sp>
@@ -3603,20 +9952,30 @@
               <a:buNone/>
             </a:pPr>
             <a:r>
-              <a:rPr lang="en-US" dirty="0"/>
+              <a:rPr lang="en-US">
+                <a:solidFill>
+                  <a:schemeClr val="tx2"/>
+                </a:solidFill>
+                <a:latin typeface="+mj-lt"/>
+              </a:rPr>
               <a:t>Our goal is to p</a:t>
             </a:r>
             <a:r>
-              <a:rPr lang="en-US" b="0" i="0" dirty="0">
+              <a:rPr lang="en-US" b="0" i="0">
                 <a:solidFill>
-                  <a:srgbClr val="24292E"/>
+                  <a:schemeClr val="tx2"/>
                 </a:solidFill>
                 <a:effectLst/>
-                <a:latin typeface="-apple-system"/>
+                <a:latin typeface="+mj-lt"/>
               </a:rPr>
               <a:t>rovide an elegant dashboard optimized for viewing real-time metrics of leading cryptocurrencies, empowering our users to make informed trading decisions.</a:t>
             </a:r>
-            <a:endParaRPr lang="en-US" dirty="0"/>
+            <a:endParaRPr lang="en-US" dirty="0">
+              <a:solidFill>
+                <a:schemeClr val="tx2"/>
+              </a:solidFill>
+              <a:latin typeface="+mj-lt"/>
+            </a:endParaRPr>
           </a:p>
         </p:txBody>
       </p:sp>
@@ -4740,140 +11099,200 @@
       </p:grpSpPr>
       <p:sp>
         <p:nvSpPr>
-          <p:cNvPr id="3" name="Text Placeholder 2">
+          <p:cNvPr id="31" name="Rectangle 24">
             <a:extLst>
               <a:ext uri="{FF2B5EF4-FFF2-40B4-BE49-F238E27FC236}">
-                <a16:creationId xmlns:a16="http://schemas.microsoft.com/office/drawing/2014/main" id="{DABDFE57-AE78-4943-A946-42839CC77721}"/>
+                <a16:creationId xmlns:a16="http://schemas.microsoft.com/office/drawing/2014/main" id="{75F4D120-3921-42A8-A063-46B023CB0CDA}"/>
+              </a:ext>
+              <a:ext uri="{C183D7F6-B498-43B3-948B-1728B52AA6E4}">
+                <adec:decorative xmlns:adec="http://schemas.microsoft.com/office/drawing/2017/decorative" val="1"/>
               </a:ext>
             </a:extLst>
           </p:cNvPr>
           <p:cNvSpPr>
-            <a:spLocks noGrp="1"/>
-          </p:cNvSpPr>
-          <p:nvPr>
-            <p:ph type="body" idx="1"/>
-          </p:nvPr>
-        </p:nvSpPr>
-        <p:spPr>
-          <a:xfrm>
-            <a:off x="839788" y="668337"/>
-            <a:ext cx="5157787" cy="823912"/>
-          </a:xfrm>
-        </p:spPr>
-        <p:txBody>
-          <a:bodyPr/>
-          <a:lstStyle/>
-          <a:p>
-            <a:r>
-              <a:rPr lang="en-US" dirty="0"/>
-              <a:t>Languages</a:t>
-            </a:r>
-          </a:p>
-        </p:txBody>
-      </p:sp>
-      <p:sp>
-        <p:nvSpPr>
-          <p:cNvPr id="4" name="Content Placeholder 3">
+            <a:spLocks noGrp="1" noRot="1" noChangeAspect="1" noMove="1" noResize="1" noEditPoints="1" noAdjustHandles="1" noChangeArrowheads="1" noChangeShapeType="1" noTextEdit="1"/>
+          </p:cNvSpPr>
+          <p:nvPr>
+            <p:extLst>
+              <p:ext uri="{386F3935-93C4-4BCD-93E2-E3B085C9AB24}">
+                <p16:designElem xmlns:p16="http://schemas.microsoft.com/office/powerpoint/2015/main" val="1"/>
+              </p:ext>
+            </p:extLst>
+          </p:nvPr>
+        </p:nvSpPr>
+        <p:spPr>
+          <a:xfrm>
+            <a:off x="0" y="0"/>
+            <a:ext cx="12192000" cy="6858000"/>
+          </a:xfrm>
+          <a:prstGeom prst="rect">
+            <a:avLst/>
+          </a:prstGeom>
+          <a:solidFill>
+            <a:srgbClr val="FFFFFF"/>
+          </a:solidFill>
+          <a:ln w="12700" cap="flat" cmpd="sng" algn="ctr">
+            <a:noFill/>
+            <a:prstDash val="solid"/>
+            <a:miter lim="800000"/>
+          </a:ln>
+          <a:effectLst/>
+        </p:spPr>
+        <p:style>
+          <a:lnRef idx="2">
+            <a:schemeClr val="accent1">
+              <a:shade val="50000"/>
+            </a:schemeClr>
+          </a:lnRef>
+          <a:fillRef idx="1">
+            <a:schemeClr val="accent1"/>
+          </a:fillRef>
+          <a:effectRef idx="0">
+            <a:schemeClr val="accent1"/>
+          </a:effectRef>
+          <a:fontRef idx="minor">
+            <a:schemeClr val="lt1"/>
+          </a:fontRef>
+        </p:style>
+        <p:txBody>
+          <a:bodyPr rtlCol="0" anchor="ctr"/>
+          <a:lstStyle/>
+          <a:p>
+            <a:pPr algn="ctr"/>
+            <a:endParaRPr lang="en-US"/>
+          </a:p>
+        </p:txBody>
+      </p:sp>
+      <p:pic>
+        <p:nvPicPr>
+          <p:cNvPr id="6" name="Picture 5" descr="A screenshot of a computer&#10;&#10;Description automatically generated">
             <a:extLst>
               <a:ext uri="{FF2B5EF4-FFF2-40B4-BE49-F238E27FC236}">
-                <a16:creationId xmlns:a16="http://schemas.microsoft.com/office/drawing/2014/main" id="{BF79A203-E45D-4889-957C-967625C53814}"/>
+                <a16:creationId xmlns:a16="http://schemas.microsoft.com/office/drawing/2014/main" id="{5C9471CF-FB39-477A-8D69-0A9225B5DCAB}"/>
               </a:ext>
             </a:extLst>
           </p:cNvPr>
-          <p:cNvSpPr>
-            <a:spLocks noGrp="1"/>
-          </p:cNvSpPr>
-          <p:nvPr>
-            <p:ph sz="half" idx="2"/>
-          </p:nvPr>
-        </p:nvSpPr>
-        <p:spPr>
-          <a:xfrm>
-            <a:off x="839788" y="1856935"/>
-            <a:ext cx="5157787" cy="4332728"/>
-          </a:xfrm>
-        </p:spPr>
-        <p:txBody>
-          <a:bodyPr/>
-          <a:lstStyle/>
-          <a:p>
-            <a:r>
-              <a:rPr lang="en-US" dirty="0"/>
-              <a:t>HTML</a:t>
-            </a:r>
-          </a:p>
-          <a:p>
-            <a:r>
-              <a:rPr lang="en-US" dirty="0"/>
-              <a:t>CSS</a:t>
-            </a:r>
-          </a:p>
-          <a:p>
-            <a:r>
-              <a:rPr lang="en-US" dirty="0"/>
-              <a:t>Python</a:t>
-            </a:r>
-          </a:p>
-          <a:p>
-            <a:r>
-              <a:rPr lang="en-US" dirty="0" err="1"/>
-              <a:t>Javascript</a:t>
-            </a:r>
-            <a:endParaRPr lang="en-US" dirty="0"/>
-          </a:p>
-          <a:p>
-            <a:r>
-              <a:rPr lang="en-US" dirty="0"/>
-              <a:t>SQL</a:t>
-            </a:r>
-          </a:p>
-          <a:p>
-            <a:endParaRPr lang="en-US" dirty="0"/>
-          </a:p>
-          <a:p>
-            <a:endParaRPr lang="en-US" dirty="0"/>
-          </a:p>
-        </p:txBody>
-      </p:sp>
-      <p:sp>
-        <p:nvSpPr>
-          <p:cNvPr id="5" name="Text Placeholder 4">
+          <p:cNvPicPr>
+            <a:picLocks noChangeAspect="1"/>
+          </p:cNvPicPr>
+          <p:nvPr/>
+        </p:nvPicPr>
+        <p:blipFill rotWithShape="1">
+          <a:blip r:embed="rId2">
+            <a:extLst>
+              <a:ext uri="{28A0092B-C50C-407E-A947-70E740481C1C}">
+                <a14:useLocalDpi xmlns:a14="http://schemas.microsoft.com/office/drawing/2010/main" val="0"/>
+              </a:ext>
+            </a:extLst>
+          </a:blip>
+          <a:srcRect l="8699" r="17328" b="1"/>
+          <a:stretch/>
+        </p:blipFill>
+        <p:spPr>
+          <a:xfrm>
+            <a:off x="4476307" y="595421"/>
+            <a:ext cx="7715693" cy="5658438"/>
+          </a:xfrm>
+          <a:prstGeom prst="rect">
+            <a:avLst/>
+          </a:prstGeom>
+        </p:spPr>
+      </p:pic>
+      <p:pic>
+        <p:nvPicPr>
+          <p:cNvPr id="32" name="Picture 26">
             <a:extLst>
               <a:ext uri="{FF2B5EF4-FFF2-40B4-BE49-F238E27FC236}">
-                <a16:creationId xmlns:a16="http://schemas.microsoft.com/office/drawing/2014/main" id="{640A3F3D-B519-4AB5-8D16-A10AC24AC32E}"/>
+                <a16:creationId xmlns:a16="http://schemas.microsoft.com/office/drawing/2014/main" id="{9D01B3E5-85F4-41A9-A504-D5E6268DEC1D}"/>
+              </a:ext>
+              <a:ext uri="{C183D7F6-B498-43B3-948B-1728B52AA6E4}">
+                <adec:decorative xmlns:adec="http://schemas.microsoft.com/office/drawing/2017/decorative" val="1"/>
               </a:ext>
             </a:extLst>
           </p:cNvPr>
-          <p:cNvSpPr>
-            <a:spLocks noGrp="1"/>
-          </p:cNvSpPr>
-          <p:nvPr>
-            <p:ph type="body" sz="quarter" idx="3"/>
-          </p:nvPr>
-        </p:nvSpPr>
-        <p:spPr>
-          <a:xfrm>
-            <a:off x="6194427" y="668337"/>
-            <a:ext cx="5183188" cy="823912"/>
-          </a:xfrm>
-        </p:spPr>
-        <p:txBody>
-          <a:bodyPr/>
-          <a:lstStyle/>
-          <a:p>
-            <a:r>
-              <a:rPr lang="en-US" dirty="0"/>
-              <a:t>Framework \ Environment</a:t>
-            </a:r>
-          </a:p>
-        </p:txBody>
-      </p:sp>
-      <p:sp>
-        <p:nvSpPr>
-          <p:cNvPr id="6" name="Content Placeholder 5">
+          <p:cNvPicPr>
+            <a:picLocks noGrp="1" noRot="1" noChangeAspect="1" noMove="1" noResize="1" noEditPoints="1" noAdjustHandles="1" noChangeArrowheads="1" noChangeShapeType="1" noCrop="1"/>
+          </p:cNvPicPr>
+          <p:nvPr>
+            <p:extLst>
+              <p:ext uri="{386F3935-93C4-4BCD-93E2-E3B085C9AB24}">
+                <p16:designElem xmlns:p16="http://schemas.microsoft.com/office/powerpoint/2015/main" val="1"/>
+              </p:ext>
+            </p:extLst>
+          </p:nvPr>
+        </p:nvPicPr>
+        <p:blipFill>
+          <a:blip r:embed="rId3">
+            <a:extLst>
+              <a:ext uri="{28A0092B-C50C-407E-A947-70E740481C1C}">
+                <a14:useLocalDpi xmlns:a14="http://schemas.microsoft.com/office/drawing/2010/main" val="0"/>
+              </a:ext>
+            </a:extLst>
+          </a:blip>
+          <a:srcRect r="14729"/>
+          <a:stretch>
+            <a:fillRect/>
+          </a:stretch>
+        </p:blipFill>
+        <p:spPr>
+          <a:xfrm>
+            <a:off x="3466214" y="550975"/>
+            <a:ext cx="8725786" cy="5756049"/>
+          </a:xfrm>
+          <a:custGeom>
+            <a:avLst/>
+            <a:gdLst>
+              <a:gd name="connsiteX0" fmla="*/ 0 w 8725786"/>
+              <a:gd name="connsiteY0" fmla="*/ 0 h 5756049"/>
+              <a:gd name="connsiteX1" fmla="*/ 8725786 w 8725786"/>
+              <a:gd name="connsiteY1" fmla="*/ 0 h 5756049"/>
+              <a:gd name="connsiteX2" fmla="*/ 8725786 w 8725786"/>
+              <a:gd name="connsiteY2" fmla="*/ 5756049 h 5756049"/>
+              <a:gd name="connsiteX3" fmla="*/ 0 w 8725786"/>
+              <a:gd name="connsiteY3" fmla="*/ 5756049 h 5756049"/>
+            </a:gdLst>
+            <a:ahLst/>
+            <a:cxnLst>
+              <a:cxn ang="0">
+                <a:pos x="connsiteX0" y="connsiteY0"/>
+              </a:cxn>
+              <a:cxn ang="0">
+                <a:pos x="connsiteX1" y="connsiteY1"/>
+              </a:cxn>
+              <a:cxn ang="0">
+                <a:pos x="connsiteX2" y="connsiteY2"/>
+              </a:cxn>
+              <a:cxn ang="0">
+                <a:pos x="connsiteX3" y="connsiteY3"/>
+              </a:cxn>
+            </a:cxnLst>
+            <a:rect l="l" t="t" r="r" b="b"/>
+            <a:pathLst>
+              <a:path w="8725786" h="5756049">
+                <a:moveTo>
+                  <a:pt x="0" y="0"/>
+                </a:moveTo>
+                <a:lnTo>
+                  <a:pt x="8725786" y="0"/>
+                </a:lnTo>
+                <a:lnTo>
+                  <a:pt x="8725786" y="5756049"/>
+                </a:lnTo>
+                <a:lnTo>
+                  <a:pt x="0" y="5756049"/>
+                </a:lnTo>
+                <a:close/>
+              </a:path>
+            </a:pathLst>
+          </a:custGeom>
+        </p:spPr>
+      </p:pic>
+      <p:sp>
+        <p:nvSpPr>
+          <p:cNvPr id="3" name="Title 1">
             <a:extLst>
               <a:ext uri="{FF2B5EF4-FFF2-40B4-BE49-F238E27FC236}">
-                <a16:creationId xmlns:a16="http://schemas.microsoft.com/office/drawing/2014/main" id="{75554BC5-B6EE-4F5B-8B55-DA5EA16BA7D6}"/>
+                <a16:creationId xmlns:a16="http://schemas.microsoft.com/office/drawing/2014/main" id="{90116C44-769F-4395-8AE0-5589CFCA5105}"/>
               </a:ext>
             </a:extLst>
           </p:cNvPr>
@@ -4881,70 +11300,176 @@
             <a:spLocks noGrp="1"/>
           </p:cNvSpPr>
           <p:nvPr>
-            <p:ph sz="quarter" idx="4"/>
-          </p:nvPr>
-        </p:nvSpPr>
-        <p:spPr>
-          <a:xfrm>
-            <a:off x="6172200" y="1856935"/>
-            <a:ext cx="5183188" cy="4332728"/>
-          </a:xfrm>
-        </p:spPr>
-        <p:txBody>
-          <a:bodyPr/>
-          <a:lstStyle/>
-          <a:p>
-            <a:r>
-              <a:rPr lang="en-US" dirty="0"/>
-              <a:t>Flask</a:t>
-            </a:r>
-          </a:p>
-          <a:p>
-            <a:r>
-              <a:rPr lang="en-US" dirty="0"/>
-              <a:t>Bootstrap</a:t>
-            </a:r>
-          </a:p>
-          <a:p>
-            <a:r>
-              <a:rPr lang="en-US" dirty="0"/>
-              <a:t>Heroku</a:t>
-            </a:r>
-          </a:p>
-          <a:p>
-            <a:r>
-              <a:rPr lang="en-US" dirty="0"/>
-              <a:t>PostgreSQL</a:t>
-            </a:r>
-          </a:p>
-          <a:p>
-            <a:r>
-              <a:rPr lang="en-US" dirty="0" err="1"/>
-              <a:t>Cryptocompare</a:t>
-            </a:r>
-            <a:r>
-              <a:rPr lang="en-US" dirty="0"/>
-              <a:t> API</a:t>
-            </a:r>
-          </a:p>
-          <a:p>
-            <a:endParaRPr lang="en-US" dirty="0"/>
-          </a:p>
-          <a:p>
-            <a:endParaRPr lang="en-US" dirty="0"/>
+            <p:ph type="title"/>
+          </p:nvPr>
+        </p:nvSpPr>
+        <p:spPr>
+          <a:xfrm>
+            <a:off x="769066" y="4034738"/>
+            <a:ext cx="3948269" cy="2383844"/>
+          </a:xfrm>
+        </p:spPr>
+        <p:txBody>
+          <a:bodyPr vert="horz" lIns="91440" tIns="45720" rIns="91440" bIns="45720" rtlCol="0" anchor="t">
+            <a:normAutofit/>
+          </a:bodyPr>
+          <a:lstStyle/>
+          <a:p>
+            <a:r>
+              <a:rPr lang="en-US" dirty="0">
+                <a:solidFill>
+                  <a:schemeClr val="tx2">
+                    <a:lumMod val="75000"/>
+                  </a:schemeClr>
+                </a:solidFill>
+                <a:latin typeface="Century Gothic" panose="020B0502020202020204" pitchFamily="34" charset="0"/>
+                <a:cs typeface="Aharoni" panose="020B0604020202020204" pitchFamily="2" charset="-79"/>
+              </a:rPr>
+              <a:t>Code Editor</a:t>
+            </a:r>
           </a:p>
         </p:txBody>
       </p:sp>
     </p:spTree>
     <p:extLst>
       <p:ext uri="{BB962C8B-B14F-4D97-AF65-F5344CB8AC3E}">
-        <p14:creationId xmlns:p14="http://schemas.microsoft.com/office/powerpoint/2010/main" val="3316311697"/>
+        <p14:creationId xmlns:p14="http://schemas.microsoft.com/office/powerpoint/2010/main" val="1278201392"/>
       </p:ext>
     </p:extLst>
   </p:cSld>
   <p:clrMapOvr>
     <a:masterClrMapping/>
   </p:clrMapOvr>
+  <p:timing>
+    <p:tnLst>
+      <p:par>
+        <p:cTn id="1" dur="indefinite" restart="never" nodeType="tmRoot">
+          <p:childTnLst>
+            <p:seq concurrent="1" nextAc="seek">
+              <p:cTn id="2" dur="indefinite" nodeType="mainSeq">
+                <p:childTnLst>
+                  <p:par>
+                    <p:cTn id="3" fill="hold">
+                      <p:stCondLst>
+                        <p:cond delay="indefinite"/>
+                        <p:cond evt="onBegin" delay="0">
+                          <p:tn val="2"/>
+                        </p:cond>
+                      </p:stCondLst>
+                      <p:childTnLst>
+                        <p:par>
+                          <p:cTn id="4" fill="hold">
+                            <p:stCondLst>
+                              <p:cond delay="0"/>
+                            </p:stCondLst>
+                            <p:childTnLst>
+                              <p:par>
+                                <p:cTn id="5" presetID="10" presetClass="entr" presetSubtype="0" fill="hold" nodeType="withEffect">
+                                  <p:stCondLst>
+                                    <p:cond delay="0"/>
+                                  </p:stCondLst>
+                                  <p:iterate>
+                                    <p:tmPct val="10000"/>
+                                  </p:iterate>
+                                  <p:childTnLst>
+                                    <p:set>
+                                      <p:cBhvr>
+                                        <p:cTn id="6" dur="1" fill="hold">
+                                          <p:stCondLst>
+                                            <p:cond delay="0"/>
+                                          </p:stCondLst>
+                                        </p:cTn>
+                                        <p:tgtEl>
+                                          <p:spTgt spid="6"/>
+                                        </p:tgtEl>
+                                        <p:attrNameLst>
+                                          <p:attrName>style.visibility</p:attrName>
+                                        </p:attrNameLst>
+                                      </p:cBhvr>
+                                      <p:to>
+                                        <p:strVal val="visible"/>
+                                      </p:to>
+                                    </p:set>
+                                    <p:animEffect transition="in" filter="fade">
+                                      <p:cBhvr>
+                                        <p:cTn id="7" dur="700"/>
+                                        <p:tgtEl>
+                                          <p:spTgt spid="6"/>
+                                        </p:tgtEl>
+                                      </p:cBhvr>
+                                    </p:animEffect>
+                                  </p:childTnLst>
+                                </p:cTn>
+                              </p:par>
+                              <p:par>
+                                <p:cTn id="8" presetID="10" presetClass="entr" presetSubtype="0" fill="hold" grpId="0" nodeType="withEffect">
+                                  <p:stCondLst>
+                                    <p:cond delay="1000"/>
+                                  </p:stCondLst>
+                                  <p:iterate>
+                                    <p:tmPct val="10000"/>
+                                  </p:iterate>
+                                  <p:childTnLst>
+                                    <p:set>
+                                      <p:cBhvr>
+                                        <p:cTn id="9" dur="1" fill="hold">
+                                          <p:stCondLst>
+                                            <p:cond delay="0"/>
+                                          </p:stCondLst>
+                                        </p:cTn>
+                                        <p:tgtEl>
+                                          <p:spTgt spid="3"/>
+                                        </p:tgtEl>
+                                        <p:attrNameLst>
+                                          <p:attrName>style.visibility</p:attrName>
+                                        </p:attrNameLst>
+                                      </p:cBhvr>
+                                      <p:to>
+                                        <p:strVal val="visible"/>
+                                      </p:to>
+                                    </p:set>
+                                    <p:animEffect transition="in" filter="fade">
+                                      <p:cBhvr>
+                                        <p:cTn id="10" dur="700"/>
+                                        <p:tgtEl>
+                                          <p:spTgt spid="3"/>
+                                        </p:tgtEl>
+                                      </p:cBhvr>
+                                    </p:animEffect>
+                                  </p:childTnLst>
+                                </p:cTn>
+                              </p:par>
+                            </p:childTnLst>
+                          </p:cTn>
+                        </p:par>
+                      </p:childTnLst>
+                    </p:cTn>
+                  </p:par>
+                </p:childTnLst>
+              </p:cTn>
+              <p:prevCondLst>
+                <p:cond evt="onPrev" delay="0">
+                  <p:tgtEl>
+                    <p:sldTgt/>
+                  </p:tgtEl>
+                </p:cond>
+              </p:prevCondLst>
+              <p:nextCondLst>
+                <p:cond evt="onNext" delay="0">
+                  <p:tgtEl>
+                    <p:sldTgt/>
+                  </p:tgtEl>
+                </p:cond>
+              </p:nextCondLst>
+            </p:seq>
+          </p:childTnLst>
+        </p:cTn>
+      </p:par>
+    </p:tnLst>
+    <p:bldLst>
+      <p:bldP spid="3" grpId="0"/>
+    </p:bldLst>
+  </p:timing>
 </p:sld>
 </file>
 
@@ -5241,4 +11766,274 @@
     </a:ext>
   </a:extLst>
 </a:theme>
+</file>
+
+<file path=ppt/theme/theme2.xml><?xml version="1.0" encoding="utf-8"?>
+<a:theme xmlns:a="http://schemas.openxmlformats.org/drawingml/2006/main" name="Vapor Trail">
+  <a:themeElements>
+    <a:clrScheme name="Vapor Trail">
+      <a:dk1>
+        <a:sysClr val="windowText" lastClr="000000"/>
+      </a:dk1>
+      <a:lt1>
+        <a:sysClr val="window" lastClr="FFFFFF"/>
+      </a:lt1>
+      <a:dk2>
+        <a:srgbClr val="454545"/>
+      </a:dk2>
+      <a:lt2>
+        <a:srgbClr val="DADADA"/>
+      </a:lt2>
+      <a:accent1>
+        <a:srgbClr val="C4220D"/>
+      </a:accent1>
+      <a:accent2>
+        <a:srgbClr val="EB7712"/>
+      </a:accent2>
+      <a:accent3>
+        <a:srgbClr val="ECBD31"/>
+      </a:accent3>
+      <a:accent4>
+        <a:srgbClr val="92CE4A"/>
+      </a:accent4>
+      <a:accent5>
+        <a:srgbClr val="50CFB4"/>
+      </a:accent5>
+      <a:accent6>
+        <a:srgbClr val="0D8EC5"/>
+      </a:accent6>
+      <a:hlink>
+        <a:srgbClr val="EA5A0C"/>
+      </a:hlink>
+      <a:folHlink>
+        <a:srgbClr val="F09D3A"/>
+      </a:folHlink>
+    </a:clrScheme>
+    <a:fontScheme name="Vapor Trail">
+      <a:majorFont>
+        <a:latin typeface="Century Gothic" panose="020B0502020202020204"/>
+        <a:ea typeface=""/>
+        <a:cs typeface=""/>
+        <a:font script="Jpan" typeface="ＭＳ Ｐゴシック"/>
+        <a:font script="Hang" typeface="맑은 고딕"/>
+        <a:font script="Hans" typeface="宋体"/>
+        <a:font script="Hant" typeface="新細明體"/>
+        <a:font script="Arab" typeface="Times New Roman"/>
+        <a:font script="Hebr" typeface="Times New Roman"/>
+        <a:font script="Thai" typeface="Angsana New"/>
+        <a:font script="Ethi" typeface="Nyala"/>
+        <a:font script="Beng" typeface="Vrinda"/>
+        <a:font script="Gujr" typeface="Shruti"/>
+        <a:font script="Khmr" typeface="MoolBoran"/>
+        <a:font script="Knda" typeface="Tunga"/>
+        <a:font script="Guru" typeface="Raavi"/>
+        <a:font script="Cans" typeface="Euphemia"/>
+        <a:font script="Cher" typeface="Plantagenet Cherokee"/>
+        <a:font script="Yiii" typeface="Microsoft Yi Baiti"/>
+        <a:font script="Tibt" typeface="Microsoft Himalaya"/>
+        <a:font script="Thaa" typeface="MV Boli"/>
+        <a:font script="Deva" typeface="Mangal"/>
+        <a:font script="Telu" typeface="Gautami"/>
+        <a:font script="Taml" typeface="Latha"/>
+        <a:font script="Syrc" typeface="Estrangelo Edessa"/>
+        <a:font script="Orya" typeface="Kalinga"/>
+        <a:font script="Mlym" typeface="Kartika"/>
+        <a:font script="Laoo" typeface="DokChampa"/>
+        <a:font script="Sinh" typeface="Iskoola Pota"/>
+        <a:font script="Mong" typeface="Mongolian Baiti"/>
+        <a:font script="Viet" typeface="Times New Roman"/>
+        <a:font script="Uigh" typeface="Microsoft Uighur"/>
+        <a:font script="Geor" typeface="Sylfaen"/>
+      </a:majorFont>
+      <a:minorFont>
+        <a:latin typeface="Century Gothic" panose="020B0502020202020204"/>
+        <a:ea typeface=""/>
+        <a:cs typeface=""/>
+        <a:font script="Jpan" typeface="ＭＳ Ｐゴシック"/>
+        <a:font script="Hang" typeface="맑은 고딕"/>
+        <a:font script="Hans" typeface="宋体"/>
+        <a:font script="Hant" typeface="新細明體"/>
+        <a:font script="Arab" typeface="Arial"/>
+        <a:font script="Hebr" typeface="Arial"/>
+        <a:font script="Thai" typeface="Cordia New"/>
+        <a:font script="Ethi" typeface="Nyala"/>
+        <a:font script="Beng" typeface="Vrinda"/>
+        <a:font script="Gujr" typeface="Shruti"/>
+        <a:font script="Khmr" typeface="DaunPenh"/>
+        <a:font script="Knda" typeface="Tunga"/>
+        <a:font script="Guru" typeface="Raavi"/>
+        <a:font script="Cans" typeface="Euphemia"/>
+        <a:font script="Cher" typeface="Plantagenet Cherokee"/>
+        <a:font script="Yiii" typeface="Microsoft Yi Baiti"/>
+        <a:font script="Tibt" typeface="Microsoft Himalaya"/>
+        <a:font script="Thaa" typeface="MV Boli"/>
+        <a:font script="Deva" typeface="Mangal"/>
+        <a:font script="Telu" typeface="Gautami"/>
+        <a:font script="Taml" typeface="Latha"/>
+        <a:font script="Syrc" typeface="Estrangelo Edessa"/>
+        <a:font script="Orya" typeface="Kalinga"/>
+        <a:font script="Mlym" typeface="Kartika"/>
+        <a:font script="Laoo" typeface="DokChampa"/>
+        <a:font script="Sinh" typeface="Iskoola Pota"/>
+        <a:font script="Mong" typeface="Mongolian Baiti"/>
+        <a:font script="Viet" typeface="Arial"/>
+        <a:font script="Uigh" typeface="Microsoft Uighur"/>
+        <a:font script="Geor" typeface="Sylfaen"/>
+      </a:minorFont>
+    </a:fontScheme>
+    <a:fmtScheme name="Vapor Trail">
+      <a:fillStyleLst>
+        <a:solidFill>
+          <a:schemeClr val="phClr"/>
+        </a:solidFill>
+        <a:gradFill rotWithShape="1">
+          <a:gsLst>
+            <a:gs pos="0">
+              <a:schemeClr val="phClr">
+                <a:tint val="69000"/>
+                <a:alpha val="100000"/>
+                <a:satMod val="109000"/>
+                <a:lumMod val="110000"/>
+              </a:schemeClr>
+            </a:gs>
+            <a:gs pos="52000">
+              <a:schemeClr val="phClr">
+                <a:tint val="74000"/>
+                <a:satMod val="100000"/>
+                <a:lumMod val="104000"/>
+              </a:schemeClr>
+            </a:gs>
+            <a:gs pos="100000">
+              <a:schemeClr val="phClr">
+                <a:tint val="78000"/>
+                <a:satMod val="100000"/>
+                <a:lumMod val="100000"/>
+              </a:schemeClr>
+            </a:gs>
+          </a:gsLst>
+          <a:lin ang="5400000" scaled="0"/>
+        </a:gradFill>
+        <a:gradFill rotWithShape="1">
+          <a:gsLst>
+            <a:gs pos="0">
+              <a:schemeClr val="phClr">
+                <a:tint val="96000"/>
+                <a:satMod val="100000"/>
+                <a:lumMod val="104000"/>
+              </a:schemeClr>
+            </a:gs>
+            <a:gs pos="78000">
+              <a:schemeClr val="phClr">
+                <a:shade val="100000"/>
+                <a:satMod val="110000"/>
+                <a:lumMod val="100000"/>
+              </a:schemeClr>
+            </a:gs>
+          </a:gsLst>
+          <a:lin ang="5400000" scaled="0"/>
+        </a:gradFill>
+      </a:fillStyleLst>
+      <a:lnStyleLst>
+        <a:ln w="9525" cap="flat" cmpd="sng" algn="ctr">
+          <a:solidFill>
+            <a:schemeClr val="phClr"/>
+          </a:solidFill>
+          <a:prstDash val="solid"/>
+        </a:ln>
+        <a:ln w="12700" cap="flat" cmpd="sng" algn="ctr">
+          <a:solidFill>
+            <a:schemeClr val="phClr"/>
+          </a:solidFill>
+          <a:prstDash val="solid"/>
+        </a:ln>
+        <a:ln w="19050" cap="flat" cmpd="sng" algn="ctr">
+          <a:solidFill>
+            <a:schemeClr val="phClr"/>
+          </a:solidFill>
+          <a:prstDash val="solid"/>
+        </a:ln>
+      </a:lnStyleLst>
+      <a:effectStyleLst>
+        <a:effectStyle>
+          <a:effectLst/>
+        </a:effectStyle>
+        <a:effectStyle>
+          <a:effectLst/>
+          <a:scene3d>
+            <a:camera prst="orthographicFront">
+              <a:rot lat="0" lon="0" rev="0"/>
+            </a:camera>
+            <a:lightRig rig="threePt" dir="t"/>
+          </a:scene3d>
+          <a:sp3d>
+            <a:bevelT w="25400" h="12700"/>
+          </a:sp3d>
+        </a:effectStyle>
+        <a:effectStyle>
+          <a:effectLst>
+            <a:outerShdw blurRad="57150" dist="19050" dir="5400000" algn="ctr" rotWithShape="0">
+              <a:srgbClr val="000000">
+                <a:alpha val="48000"/>
+              </a:srgbClr>
+            </a:outerShdw>
+          </a:effectLst>
+          <a:scene3d>
+            <a:camera prst="orthographicFront">
+              <a:rot lat="0" lon="0" rev="0"/>
+            </a:camera>
+            <a:lightRig rig="threePt" dir="t"/>
+          </a:scene3d>
+          <a:sp3d>
+            <a:bevelT w="50800" h="25400"/>
+          </a:sp3d>
+        </a:effectStyle>
+      </a:effectStyleLst>
+      <a:bgFillStyleLst>
+        <a:solidFill>
+          <a:schemeClr val="phClr"/>
+        </a:solidFill>
+        <a:solidFill>
+          <a:schemeClr val="phClr">
+            <a:tint val="95000"/>
+            <a:satMod val="170000"/>
+          </a:schemeClr>
+        </a:solidFill>
+        <a:gradFill rotWithShape="1">
+          <a:gsLst>
+            <a:gs pos="0">
+              <a:schemeClr val="phClr">
+                <a:tint val="93000"/>
+                <a:shade val="98000"/>
+                <a:satMod val="150000"/>
+                <a:lumMod val="102000"/>
+              </a:schemeClr>
+            </a:gs>
+            <a:gs pos="50000">
+              <a:schemeClr val="phClr">
+                <a:tint val="98000"/>
+                <a:shade val="90000"/>
+                <a:satMod val="130000"/>
+                <a:lumMod val="103000"/>
+              </a:schemeClr>
+            </a:gs>
+            <a:gs pos="100000">
+              <a:schemeClr val="phClr">
+                <a:shade val="63000"/>
+                <a:satMod val="120000"/>
+              </a:schemeClr>
+            </a:gs>
+          </a:gsLst>
+          <a:lin ang="5400000" scaled="0"/>
+        </a:gradFill>
+      </a:bgFillStyleLst>
+    </a:fmtScheme>
+  </a:themeElements>
+  <a:objectDefaults/>
+  <a:extraClrSchemeLst/>
+  <a:extLst>
+    <a:ext uri="{05A4C25C-085E-4340-85A3-A5531E510DB2}">
+      <thm15:themeFamily xmlns:thm15="http://schemas.microsoft.com/office/thememl/2012/main" name="Vapor Trail" id="{4FDF2955-7D9C-493C-B9F9-C205151B46CD}" vid="{FE1EB5C7-81A8-4CBA-AE6E-B3BF73DC3895}"/>
+    </a:ext>
+  </a:extLst>
+</a:theme>
 </file>
--- a/CryptoTrackerPrez.pptx
+++ b/CryptoTrackerPrez.pptx
@@ -12,13 +12,14 @@
     <p:sldId id="258" r:id="rId6"/>
     <p:sldId id="259" r:id="rId7"/>
     <p:sldId id="261" r:id="rId8"/>
-    <p:sldId id="262" r:id="rId9"/>
-    <p:sldId id="263" r:id="rId10"/>
-    <p:sldId id="267" r:id="rId11"/>
-    <p:sldId id="268" r:id="rId12"/>
-    <p:sldId id="265" r:id="rId13"/>
-    <p:sldId id="264" r:id="rId14"/>
-    <p:sldId id="266" r:id="rId15"/>
+    <p:sldId id="270" r:id="rId9"/>
+    <p:sldId id="262" r:id="rId10"/>
+    <p:sldId id="263" r:id="rId11"/>
+    <p:sldId id="267" r:id="rId12"/>
+    <p:sldId id="268" r:id="rId13"/>
+    <p:sldId id="265" r:id="rId14"/>
+    <p:sldId id="264" r:id="rId15"/>
+    <p:sldId id="266" r:id="rId16"/>
   </p:sldIdLst>
   <p:sldSz cx="12192000" cy="6858000"/>
   <p:notesSz cx="6858000" cy="9144000"/>
@@ -9248,6 +9249,399 @@
 <file path=ppt/slides/slide10.xml><?xml version="1.0" encoding="utf-8"?>
 <p:sld xmlns:a="http://schemas.openxmlformats.org/drawingml/2006/main" xmlns:r="http://schemas.openxmlformats.org/officeDocument/2006/relationships" xmlns:p="http://schemas.openxmlformats.org/presentationml/2006/main">
   <p:cSld>
+    <p:spTree>
+      <p:nvGrpSpPr>
+        <p:cNvPr id="1" name=""/>
+        <p:cNvGrpSpPr/>
+        <p:nvPr/>
+      </p:nvGrpSpPr>
+      <p:grpSpPr>
+        <a:xfrm>
+          <a:off x="0" y="0"/>
+          <a:ext cx="0" cy="0"/>
+          <a:chOff x="0" y="0"/>
+          <a:chExt cx="0" cy="0"/>
+        </a:xfrm>
+      </p:grpSpPr>
+      <p:sp>
+        <p:nvSpPr>
+          <p:cNvPr id="31" name="Rectangle 24">
+            <a:extLst>
+              <a:ext uri="{FF2B5EF4-FFF2-40B4-BE49-F238E27FC236}">
+                <a16:creationId xmlns:a16="http://schemas.microsoft.com/office/drawing/2014/main" id="{75F4D120-3921-42A8-A063-46B023CB0CDA}"/>
+              </a:ext>
+              <a:ext uri="{C183D7F6-B498-43B3-948B-1728B52AA6E4}">
+                <adec:decorative xmlns:adec="http://schemas.microsoft.com/office/drawing/2017/decorative" val="1"/>
+              </a:ext>
+            </a:extLst>
+          </p:cNvPr>
+          <p:cNvSpPr>
+            <a:spLocks noGrp="1" noRot="1" noChangeAspect="1" noMove="1" noResize="1" noEditPoints="1" noAdjustHandles="1" noChangeArrowheads="1" noChangeShapeType="1" noTextEdit="1"/>
+          </p:cNvSpPr>
+          <p:nvPr>
+            <p:extLst>
+              <p:ext uri="{386F3935-93C4-4BCD-93E2-E3B085C9AB24}">
+                <p16:designElem xmlns:p16="http://schemas.microsoft.com/office/powerpoint/2015/main" val="1"/>
+              </p:ext>
+            </p:extLst>
+          </p:nvPr>
+        </p:nvSpPr>
+        <p:spPr>
+          <a:xfrm>
+            <a:off x="0" y="0"/>
+            <a:ext cx="12192000" cy="6858000"/>
+          </a:xfrm>
+          <a:prstGeom prst="rect">
+            <a:avLst/>
+          </a:prstGeom>
+          <a:solidFill>
+            <a:srgbClr val="FFFFFF"/>
+          </a:solidFill>
+          <a:ln w="12700" cap="flat" cmpd="sng" algn="ctr">
+            <a:noFill/>
+            <a:prstDash val="solid"/>
+            <a:miter lim="800000"/>
+          </a:ln>
+          <a:effectLst/>
+        </p:spPr>
+        <p:style>
+          <a:lnRef idx="2">
+            <a:schemeClr val="accent1">
+              <a:shade val="50000"/>
+            </a:schemeClr>
+          </a:lnRef>
+          <a:fillRef idx="1">
+            <a:schemeClr val="accent1"/>
+          </a:fillRef>
+          <a:effectRef idx="0">
+            <a:schemeClr val="accent1"/>
+          </a:effectRef>
+          <a:fontRef idx="minor">
+            <a:schemeClr val="lt1"/>
+          </a:fontRef>
+        </p:style>
+        <p:txBody>
+          <a:bodyPr rtlCol="0" anchor="ctr"/>
+          <a:lstStyle/>
+          <a:p>
+            <a:pPr algn="ctr"/>
+            <a:endParaRPr lang="en-US"/>
+          </a:p>
+        </p:txBody>
+      </p:sp>
+      <p:pic>
+        <p:nvPicPr>
+          <p:cNvPr id="6" name="Picture 5" descr="A screenshot of a computer&#10;&#10;Description automatically generated">
+            <a:extLst>
+              <a:ext uri="{FF2B5EF4-FFF2-40B4-BE49-F238E27FC236}">
+                <a16:creationId xmlns:a16="http://schemas.microsoft.com/office/drawing/2014/main" id="{5C9471CF-FB39-477A-8D69-0A9225B5DCAB}"/>
+              </a:ext>
+            </a:extLst>
+          </p:cNvPr>
+          <p:cNvPicPr>
+            <a:picLocks noChangeAspect="1"/>
+          </p:cNvPicPr>
+          <p:nvPr/>
+        </p:nvPicPr>
+        <p:blipFill rotWithShape="1">
+          <a:blip r:embed="rId2">
+            <a:extLst>
+              <a:ext uri="{28A0092B-C50C-407E-A947-70E740481C1C}">
+                <a14:useLocalDpi xmlns:a14="http://schemas.microsoft.com/office/drawing/2010/main" val="0"/>
+              </a:ext>
+            </a:extLst>
+          </a:blip>
+          <a:srcRect l="8699" r="17328" b="1"/>
+          <a:stretch/>
+        </p:blipFill>
+        <p:spPr>
+          <a:xfrm>
+            <a:off x="4476307" y="595421"/>
+            <a:ext cx="7715693" cy="5658438"/>
+          </a:xfrm>
+          <a:prstGeom prst="rect">
+            <a:avLst/>
+          </a:prstGeom>
+        </p:spPr>
+      </p:pic>
+      <p:pic>
+        <p:nvPicPr>
+          <p:cNvPr id="32" name="Picture 26">
+            <a:extLst>
+              <a:ext uri="{FF2B5EF4-FFF2-40B4-BE49-F238E27FC236}">
+                <a16:creationId xmlns:a16="http://schemas.microsoft.com/office/drawing/2014/main" id="{9D01B3E5-85F4-41A9-A504-D5E6268DEC1D}"/>
+              </a:ext>
+              <a:ext uri="{C183D7F6-B498-43B3-948B-1728B52AA6E4}">
+                <adec:decorative xmlns:adec="http://schemas.microsoft.com/office/drawing/2017/decorative" val="1"/>
+              </a:ext>
+            </a:extLst>
+          </p:cNvPr>
+          <p:cNvPicPr>
+            <a:picLocks noGrp="1" noRot="1" noChangeAspect="1" noMove="1" noResize="1" noEditPoints="1" noAdjustHandles="1" noChangeArrowheads="1" noChangeShapeType="1" noCrop="1"/>
+          </p:cNvPicPr>
+          <p:nvPr>
+            <p:extLst>
+              <p:ext uri="{386F3935-93C4-4BCD-93E2-E3B085C9AB24}">
+                <p16:designElem xmlns:p16="http://schemas.microsoft.com/office/powerpoint/2015/main" val="1"/>
+              </p:ext>
+            </p:extLst>
+          </p:nvPr>
+        </p:nvPicPr>
+        <p:blipFill>
+          <a:blip r:embed="rId3">
+            <a:extLst>
+              <a:ext uri="{28A0092B-C50C-407E-A947-70E740481C1C}">
+                <a14:useLocalDpi xmlns:a14="http://schemas.microsoft.com/office/drawing/2010/main" val="0"/>
+              </a:ext>
+            </a:extLst>
+          </a:blip>
+          <a:srcRect r="14729"/>
+          <a:stretch>
+            <a:fillRect/>
+          </a:stretch>
+        </p:blipFill>
+        <p:spPr>
+          <a:xfrm>
+            <a:off x="3466214" y="550975"/>
+            <a:ext cx="8725786" cy="5756049"/>
+          </a:xfrm>
+          <a:custGeom>
+            <a:avLst/>
+            <a:gdLst>
+              <a:gd name="connsiteX0" fmla="*/ 0 w 8725786"/>
+              <a:gd name="connsiteY0" fmla="*/ 0 h 5756049"/>
+              <a:gd name="connsiteX1" fmla="*/ 8725786 w 8725786"/>
+              <a:gd name="connsiteY1" fmla="*/ 0 h 5756049"/>
+              <a:gd name="connsiteX2" fmla="*/ 8725786 w 8725786"/>
+              <a:gd name="connsiteY2" fmla="*/ 5756049 h 5756049"/>
+              <a:gd name="connsiteX3" fmla="*/ 0 w 8725786"/>
+              <a:gd name="connsiteY3" fmla="*/ 5756049 h 5756049"/>
+            </a:gdLst>
+            <a:ahLst/>
+            <a:cxnLst>
+              <a:cxn ang="0">
+                <a:pos x="connsiteX0" y="connsiteY0"/>
+              </a:cxn>
+              <a:cxn ang="0">
+                <a:pos x="connsiteX1" y="connsiteY1"/>
+              </a:cxn>
+              <a:cxn ang="0">
+                <a:pos x="connsiteX2" y="connsiteY2"/>
+              </a:cxn>
+              <a:cxn ang="0">
+                <a:pos x="connsiteX3" y="connsiteY3"/>
+              </a:cxn>
+            </a:cxnLst>
+            <a:rect l="l" t="t" r="r" b="b"/>
+            <a:pathLst>
+              <a:path w="8725786" h="5756049">
+                <a:moveTo>
+                  <a:pt x="0" y="0"/>
+                </a:moveTo>
+                <a:lnTo>
+                  <a:pt x="8725786" y="0"/>
+                </a:lnTo>
+                <a:lnTo>
+                  <a:pt x="8725786" y="5756049"/>
+                </a:lnTo>
+                <a:lnTo>
+                  <a:pt x="0" y="5756049"/>
+                </a:lnTo>
+                <a:close/>
+              </a:path>
+            </a:pathLst>
+          </a:custGeom>
+        </p:spPr>
+      </p:pic>
+      <p:sp>
+        <p:nvSpPr>
+          <p:cNvPr id="3" name="Title 1">
+            <a:extLst>
+              <a:ext uri="{FF2B5EF4-FFF2-40B4-BE49-F238E27FC236}">
+                <a16:creationId xmlns:a16="http://schemas.microsoft.com/office/drawing/2014/main" id="{90116C44-769F-4395-8AE0-5589CFCA5105}"/>
+              </a:ext>
+            </a:extLst>
+          </p:cNvPr>
+          <p:cNvSpPr>
+            <a:spLocks noGrp="1"/>
+          </p:cNvSpPr>
+          <p:nvPr>
+            <p:ph type="title"/>
+          </p:nvPr>
+        </p:nvSpPr>
+        <p:spPr>
+          <a:xfrm>
+            <a:off x="769066" y="4034738"/>
+            <a:ext cx="3948269" cy="2383844"/>
+          </a:xfrm>
+        </p:spPr>
+        <p:txBody>
+          <a:bodyPr vert="horz" lIns="91440" tIns="45720" rIns="91440" bIns="45720" rtlCol="0" anchor="t">
+            <a:normAutofit/>
+          </a:bodyPr>
+          <a:lstStyle/>
+          <a:p>
+            <a:r>
+              <a:rPr lang="en-US" dirty="0">
+                <a:solidFill>
+                  <a:schemeClr val="tx2">
+                    <a:lumMod val="75000"/>
+                  </a:schemeClr>
+                </a:solidFill>
+                <a:latin typeface="Century Gothic" panose="020B0502020202020204" pitchFamily="34" charset="0"/>
+                <a:cs typeface="Aharoni" panose="020B0604020202020204" pitchFamily="2" charset="-79"/>
+              </a:rPr>
+              <a:t>Code Editor</a:t>
+            </a:r>
+          </a:p>
+        </p:txBody>
+      </p:sp>
+    </p:spTree>
+    <p:extLst>
+      <p:ext uri="{BB962C8B-B14F-4D97-AF65-F5344CB8AC3E}">
+        <p14:creationId xmlns:p14="http://schemas.microsoft.com/office/powerpoint/2010/main" val="1278201392"/>
+      </p:ext>
+    </p:extLst>
+  </p:cSld>
+  <p:clrMapOvr>
+    <a:masterClrMapping/>
+  </p:clrMapOvr>
+  <p:timing>
+    <p:tnLst>
+      <p:par>
+        <p:cTn id="1" dur="indefinite" restart="never" nodeType="tmRoot">
+          <p:childTnLst>
+            <p:seq concurrent="1" nextAc="seek">
+              <p:cTn id="2" dur="indefinite" nodeType="mainSeq">
+                <p:childTnLst>
+                  <p:par>
+                    <p:cTn id="3" fill="hold">
+                      <p:stCondLst>
+                        <p:cond delay="indefinite"/>
+                        <p:cond evt="onBegin" delay="0">
+                          <p:tn val="2"/>
+                        </p:cond>
+                      </p:stCondLst>
+                      <p:childTnLst>
+                        <p:par>
+                          <p:cTn id="4" fill="hold">
+                            <p:stCondLst>
+                              <p:cond delay="0"/>
+                            </p:stCondLst>
+                            <p:childTnLst>
+                              <p:par>
+                                <p:cTn id="5" presetID="10" presetClass="entr" presetSubtype="0" fill="hold" nodeType="withEffect">
+                                  <p:stCondLst>
+                                    <p:cond delay="0"/>
+                                  </p:stCondLst>
+                                  <p:iterate>
+                                    <p:tmPct val="10000"/>
+                                  </p:iterate>
+                                  <p:childTnLst>
+                                    <p:set>
+                                      <p:cBhvr>
+                                        <p:cTn id="6" dur="1" fill="hold">
+                                          <p:stCondLst>
+                                            <p:cond delay="0"/>
+                                          </p:stCondLst>
+                                        </p:cTn>
+                                        <p:tgtEl>
+                                          <p:spTgt spid="6"/>
+                                        </p:tgtEl>
+                                        <p:attrNameLst>
+                                          <p:attrName>style.visibility</p:attrName>
+                                        </p:attrNameLst>
+                                      </p:cBhvr>
+                                      <p:to>
+                                        <p:strVal val="visible"/>
+                                      </p:to>
+                                    </p:set>
+                                    <p:animEffect transition="in" filter="fade">
+                                      <p:cBhvr>
+                                        <p:cTn id="7" dur="700"/>
+                                        <p:tgtEl>
+                                          <p:spTgt spid="6"/>
+                                        </p:tgtEl>
+                                      </p:cBhvr>
+                                    </p:animEffect>
+                                  </p:childTnLst>
+                                </p:cTn>
+                              </p:par>
+                              <p:par>
+                                <p:cTn id="8" presetID="10" presetClass="entr" presetSubtype="0" fill="hold" grpId="0" nodeType="withEffect">
+                                  <p:stCondLst>
+                                    <p:cond delay="1000"/>
+                                  </p:stCondLst>
+                                  <p:iterate>
+                                    <p:tmPct val="10000"/>
+                                  </p:iterate>
+                                  <p:childTnLst>
+                                    <p:set>
+                                      <p:cBhvr>
+                                        <p:cTn id="9" dur="1" fill="hold">
+                                          <p:stCondLst>
+                                            <p:cond delay="0"/>
+                                          </p:stCondLst>
+                                        </p:cTn>
+                                        <p:tgtEl>
+                                          <p:spTgt spid="3"/>
+                                        </p:tgtEl>
+                                        <p:attrNameLst>
+                                          <p:attrName>style.visibility</p:attrName>
+                                        </p:attrNameLst>
+                                      </p:cBhvr>
+                                      <p:to>
+                                        <p:strVal val="visible"/>
+                                      </p:to>
+                                    </p:set>
+                                    <p:animEffect transition="in" filter="fade">
+                                      <p:cBhvr>
+                                        <p:cTn id="10" dur="700"/>
+                                        <p:tgtEl>
+                                          <p:spTgt spid="3"/>
+                                        </p:tgtEl>
+                                      </p:cBhvr>
+                                    </p:animEffect>
+                                  </p:childTnLst>
+                                </p:cTn>
+                              </p:par>
+                            </p:childTnLst>
+                          </p:cTn>
+                        </p:par>
+                      </p:childTnLst>
+                    </p:cTn>
+                  </p:par>
+                </p:childTnLst>
+              </p:cTn>
+              <p:prevCondLst>
+                <p:cond evt="onPrev" delay="0">
+                  <p:tgtEl>
+                    <p:sldTgt/>
+                  </p:tgtEl>
+                </p:cond>
+              </p:prevCondLst>
+              <p:nextCondLst>
+                <p:cond evt="onNext" delay="0">
+                  <p:tgtEl>
+                    <p:sldTgt/>
+                  </p:tgtEl>
+                </p:cond>
+              </p:nextCondLst>
+            </p:seq>
+          </p:childTnLst>
+        </p:cTn>
+      </p:par>
+    </p:tnLst>
+    <p:bldLst>
+      <p:bldP spid="3" grpId="0"/>
+    </p:bldLst>
+  </p:timing>
+</p:sld>
+</file>
+
+<file path=ppt/slides/slide11.xml><?xml version="1.0" encoding="utf-8"?>
+<p:sld xmlns:a="http://schemas.openxmlformats.org/drawingml/2006/main" xmlns:r="http://schemas.openxmlformats.org/officeDocument/2006/relationships" xmlns:p="http://schemas.openxmlformats.org/presentationml/2006/main">
+  <p:cSld>
     <p:bg>
       <p:bgPr>
         <a:solidFill>
@@ -9561,228 +9955,6 @@
 </p:sld>
 </file>
 
-<file path=ppt/slides/slide11.xml><?xml version="1.0" encoding="utf-8"?>
-<p:sld xmlns:a="http://schemas.openxmlformats.org/drawingml/2006/main" xmlns:r="http://schemas.openxmlformats.org/officeDocument/2006/relationships" xmlns:p="http://schemas.openxmlformats.org/presentationml/2006/main">
-  <p:cSld>
-    <p:spTree>
-      <p:nvGrpSpPr>
-        <p:cNvPr id="1" name=""/>
-        <p:cNvGrpSpPr/>
-        <p:nvPr/>
-      </p:nvGrpSpPr>
-      <p:grpSpPr>
-        <a:xfrm>
-          <a:off x="0" y="0"/>
-          <a:ext cx="0" cy="0"/>
-          <a:chOff x="0" y="0"/>
-          <a:chExt cx="0" cy="0"/>
-        </a:xfrm>
-      </p:grpSpPr>
-      <p:sp>
-        <p:nvSpPr>
-          <p:cNvPr id="3" name="Text Placeholder 2">
-            <a:extLst>
-              <a:ext uri="{FF2B5EF4-FFF2-40B4-BE49-F238E27FC236}">
-                <a16:creationId xmlns:a16="http://schemas.microsoft.com/office/drawing/2014/main" id="{DABDFE57-AE78-4943-A946-42839CC77721}"/>
-              </a:ext>
-            </a:extLst>
-          </p:cNvPr>
-          <p:cNvSpPr>
-            <a:spLocks noGrp="1"/>
-          </p:cNvSpPr>
-          <p:nvPr>
-            <p:ph type="body" idx="1"/>
-          </p:nvPr>
-        </p:nvSpPr>
-        <p:spPr>
-          <a:xfrm>
-            <a:off x="839788" y="1019745"/>
-            <a:ext cx="5157787" cy="823912"/>
-          </a:xfrm>
-        </p:spPr>
-        <p:txBody>
-          <a:bodyPr/>
-          <a:lstStyle/>
-          <a:p>
-            <a:r>
-              <a:rPr lang="en-US" dirty="0"/>
-              <a:t>Languages</a:t>
-            </a:r>
-          </a:p>
-        </p:txBody>
-      </p:sp>
-      <p:sp>
-        <p:nvSpPr>
-          <p:cNvPr id="4" name="Content Placeholder 3">
-            <a:extLst>
-              <a:ext uri="{FF2B5EF4-FFF2-40B4-BE49-F238E27FC236}">
-                <a16:creationId xmlns:a16="http://schemas.microsoft.com/office/drawing/2014/main" id="{BF79A203-E45D-4889-957C-967625C53814}"/>
-              </a:ext>
-            </a:extLst>
-          </p:cNvPr>
-          <p:cNvSpPr>
-            <a:spLocks noGrp="1"/>
-          </p:cNvSpPr>
-          <p:nvPr>
-            <p:ph sz="half" idx="2"/>
-          </p:nvPr>
-        </p:nvSpPr>
-        <p:spPr>
-          <a:xfrm>
-            <a:off x="839788" y="1977007"/>
-            <a:ext cx="5157787" cy="4332728"/>
-          </a:xfrm>
-        </p:spPr>
-        <p:txBody>
-          <a:bodyPr/>
-          <a:lstStyle/>
-          <a:p>
-            <a:r>
-              <a:rPr lang="en-US" dirty="0"/>
-              <a:t>HTML</a:t>
-            </a:r>
-          </a:p>
-          <a:p>
-            <a:r>
-              <a:rPr lang="en-US" dirty="0"/>
-              <a:t>CSS</a:t>
-            </a:r>
-          </a:p>
-          <a:p>
-            <a:r>
-              <a:rPr lang="en-US" dirty="0"/>
-              <a:t>Python</a:t>
-            </a:r>
-          </a:p>
-          <a:p>
-            <a:r>
-              <a:rPr lang="en-US" dirty="0"/>
-              <a:t>JavaScript</a:t>
-            </a:r>
-          </a:p>
-          <a:p>
-            <a:r>
-              <a:rPr lang="en-US" dirty="0"/>
-              <a:t>SQL</a:t>
-            </a:r>
-          </a:p>
-          <a:p>
-            <a:endParaRPr lang="en-US" dirty="0"/>
-          </a:p>
-          <a:p>
-            <a:endParaRPr lang="en-US" dirty="0"/>
-          </a:p>
-        </p:txBody>
-      </p:sp>
-      <p:sp>
-        <p:nvSpPr>
-          <p:cNvPr id="5" name="Text Placeholder 4">
-            <a:extLst>
-              <a:ext uri="{FF2B5EF4-FFF2-40B4-BE49-F238E27FC236}">
-                <a16:creationId xmlns:a16="http://schemas.microsoft.com/office/drawing/2014/main" id="{640A3F3D-B519-4AB5-8D16-A10AC24AC32E}"/>
-              </a:ext>
-            </a:extLst>
-          </p:cNvPr>
-          <p:cNvSpPr>
-            <a:spLocks noGrp="1"/>
-          </p:cNvSpPr>
-          <p:nvPr>
-            <p:ph type="body" sz="quarter" idx="3"/>
-          </p:nvPr>
-        </p:nvSpPr>
-        <p:spPr>
-          <a:xfrm>
-            <a:off x="6172200" y="1033023"/>
-            <a:ext cx="5183188" cy="823912"/>
-          </a:xfrm>
-        </p:spPr>
-        <p:txBody>
-          <a:bodyPr/>
-          <a:lstStyle/>
-          <a:p>
-            <a:r>
-              <a:rPr lang="en-US" dirty="0"/>
-              <a:t>Framework \ Environment</a:t>
-            </a:r>
-          </a:p>
-        </p:txBody>
-      </p:sp>
-      <p:sp>
-        <p:nvSpPr>
-          <p:cNvPr id="6" name="Content Placeholder 5">
-            <a:extLst>
-              <a:ext uri="{FF2B5EF4-FFF2-40B4-BE49-F238E27FC236}">
-                <a16:creationId xmlns:a16="http://schemas.microsoft.com/office/drawing/2014/main" id="{75554BC5-B6EE-4F5B-8B55-DA5EA16BA7D6}"/>
-              </a:ext>
-            </a:extLst>
-          </p:cNvPr>
-          <p:cNvSpPr>
-            <a:spLocks noGrp="1"/>
-          </p:cNvSpPr>
-          <p:nvPr>
-            <p:ph sz="quarter" idx="4"/>
-          </p:nvPr>
-        </p:nvSpPr>
-        <p:spPr>
-          <a:xfrm>
-            <a:off x="6096000" y="1968197"/>
-            <a:ext cx="5183188" cy="4332728"/>
-          </a:xfrm>
-        </p:spPr>
-        <p:txBody>
-          <a:bodyPr/>
-          <a:lstStyle/>
-          <a:p>
-            <a:r>
-              <a:rPr lang="en-US" dirty="0"/>
-              <a:t>Flask</a:t>
-            </a:r>
-          </a:p>
-          <a:p>
-            <a:r>
-              <a:rPr lang="en-US" dirty="0"/>
-              <a:t>Bootstrap</a:t>
-            </a:r>
-          </a:p>
-          <a:p>
-            <a:r>
-              <a:rPr lang="en-US" dirty="0"/>
-              <a:t>Heroku</a:t>
-            </a:r>
-          </a:p>
-          <a:p>
-            <a:r>
-              <a:rPr lang="en-US" dirty="0"/>
-              <a:t>PostgreSQL</a:t>
-            </a:r>
-          </a:p>
-          <a:p>
-            <a:r>
-              <a:rPr lang="en-US" dirty="0"/>
-              <a:t>Cryptocompare API</a:t>
-            </a:r>
-          </a:p>
-          <a:p>
-            <a:endParaRPr lang="en-US" dirty="0"/>
-          </a:p>
-          <a:p>
-            <a:endParaRPr lang="en-US" dirty="0"/>
-          </a:p>
-        </p:txBody>
-      </p:sp>
-    </p:spTree>
-    <p:extLst>
-      <p:ext uri="{BB962C8B-B14F-4D97-AF65-F5344CB8AC3E}">
-        <p14:creationId xmlns:p14="http://schemas.microsoft.com/office/powerpoint/2010/main" val="3316311697"/>
-      </p:ext>
-    </p:extLst>
-  </p:cSld>
-  <p:clrMapOvr>
-    <a:masterClrMapping/>
-  </p:clrMapOvr>
-</p:sld>
-</file>
-
 <file path=ppt/slides/slide12.xml><?xml version="1.0" encoding="utf-8"?>
 <p:sld xmlns:a="http://schemas.openxmlformats.org/drawingml/2006/main" xmlns:r="http://schemas.openxmlformats.org/officeDocument/2006/relationships" xmlns:p="http://schemas.openxmlformats.org/presentationml/2006/main">
   <p:cSld>
@@ -9802,6 +9974,228 @@
       </p:grpSpPr>
       <p:sp>
         <p:nvSpPr>
+          <p:cNvPr id="3" name="Text Placeholder 2">
+            <a:extLst>
+              <a:ext uri="{FF2B5EF4-FFF2-40B4-BE49-F238E27FC236}">
+                <a16:creationId xmlns:a16="http://schemas.microsoft.com/office/drawing/2014/main" id="{DABDFE57-AE78-4943-A946-42839CC77721}"/>
+              </a:ext>
+            </a:extLst>
+          </p:cNvPr>
+          <p:cNvSpPr>
+            <a:spLocks noGrp="1"/>
+          </p:cNvSpPr>
+          <p:nvPr>
+            <p:ph type="body" idx="1"/>
+          </p:nvPr>
+        </p:nvSpPr>
+        <p:spPr>
+          <a:xfrm>
+            <a:off x="839788" y="1019745"/>
+            <a:ext cx="5157787" cy="823912"/>
+          </a:xfrm>
+        </p:spPr>
+        <p:txBody>
+          <a:bodyPr/>
+          <a:lstStyle/>
+          <a:p>
+            <a:r>
+              <a:rPr lang="en-US" dirty="0"/>
+              <a:t>Languages</a:t>
+            </a:r>
+          </a:p>
+        </p:txBody>
+      </p:sp>
+      <p:sp>
+        <p:nvSpPr>
+          <p:cNvPr id="4" name="Content Placeholder 3">
+            <a:extLst>
+              <a:ext uri="{FF2B5EF4-FFF2-40B4-BE49-F238E27FC236}">
+                <a16:creationId xmlns:a16="http://schemas.microsoft.com/office/drawing/2014/main" id="{BF79A203-E45D-4889-957C-967625C53814}"/>
+              </a:ext>
+            </a:extLst>
+          </p:cNvPr>
+          <p:cNvSpPr>
+            <a:spLocks noGrp="1"/>
+          </p:cNvSpPr>
+          <p:nvPr>
+            <p:ph sz="half" idx="2"/>
+          </p:nvPr>
+        </p:nvSpPr>
+        <p:spPr>
+          <a:xfrm>
+            <a:off x="839788" y="1977007"/>
+            <a:ext cx="5157787" cy="4332728"/>
+          </a:xfrm>
+        </p:spPr>
+        <p:txBody>
+          <a:bodyPr/>
+          <a:lstStyle/>
+          <a:p>
+            <a:r>
+              <a:rPr lang="en-US" dirty="0"/>
+              <a:t>HTML</a:t>
+            </a:r>
+          </a:p>
+          <a:p>
+            <a:r>
+              <a:rPr lang="en-US" dirty="0"/>
+              <a:t>CSS</a:t>
+            </a:r>
+          </a:p>
+          <a:p>
+            <a:r>
+              <a:rPr lang="en-US" dirty="0"/>
+              <a:t>Python</a:t>
+            </a:r>
+          </a:p>
+          <a:p>
+            <a:r>
+              <a:rPr lang="en-US" dirty="0"/>
+              <a:t>JavaScript</a:t>
+            </a:r>
+          </a:p>
+          <a:p>
+            <a:r>
+              <a:rPr lang="en-US" dirty="0"/>
+              <a:t>SQL</a:t>
+            </a:r>
+          </a:p>
+          <a:p>
+            <a:endParaRPr lang="en-US" dirty="0"/>
+          </a:p>
+          <a:p>
+            <a:endParaRPr lang="en-US" dirty="0"/>
+          </a:p>
+        </p:txBody>
+      </p:sp>
+      <p:sp>
+        <p:nvSpPr>
+          <p:cNvPr id="5" name="Text Placeholder 4">
+            <a:extLst>
+              <a:ext uri="{FF2B5EF4-FFF2-40B4-BE49-F238E27FC236}">
+                <a16:creationId xmlns:a16="http://schemas.microsoft.com/office/drawing/2014/main" id="{640A3F3D-B519-4AB5-8D16-A10AC24AC32E}"/>
+              </a:ext>
+            </a:extLst>
+          </p:cNvPr>
+          <p:cNvSpPr>
+            <a:spLocks noGrp="1"/>
+          </p:cNvSpPr>
+          <p:nvPr>
+            <p:ph type="body" sz="quarter" idx="3"/>
+          </p:nvPr>
+        </p:nvSpPr>
+        <p:spPr>
+          <a:xfrm>
+            <a:off x="6172200" y="1033023"/>
+            <a:ext cx="5183188" cy="823912"/>
+          </a:xfrm>
+        </p:spPr>
+        <p:txBody>
+          <a:bodyPr/>
+          <a:lstStyle/>
+          <a:p>
+            <a:r>
+              <a:rPr lang="en-US" dirty="0"/>
+              <a:t>Framework \ Environment</a:t>
+            </a:r>
+          </a:p>
+        </p:txBody>
+      </p:sp>
+      <p:sp>
+        <p:nvSpPr>
+          <p:cNvPr id="6" name="Content Placeholder 5">
+            <a:extLst>
+              <a:ext uri="{FF2B5EF4-FFF2-40B4-BE49-F238E27FC236}">
+                <a16:creationId xmlns:a16="http://schemas.microsoft.com/office/drawing/2014/main" id="{75554BC5-B6EE-4F5B-8B55-DA5EA16BA7D6}"/>
+              </a:ext>
+            </a:extLst>
+          </p:cNvPr>
+          <p:cNvSpPr>
+            <a:spLocks noGrp="1"/>
+          </p:cNvSpPr>
+          <p:nvPr>
+            <p:ph sz="quarter" idx="4"/>
+          </p:nvPr>
+        </p:nvSpPr>
+        <p:spPr>
+          <a:xfrm>
+            <a:off x="6096000" y="1968197"/>
+            <a:ext cx="5183188" cy="4332728"/>
+          </a:xfrm>
+        </p:spPr>
+        <p:txBody>
+          <a:bodyPr/>
+          <a:lstStyle/>
+          <a:p>
+            <a:r>
+              <a:rPr lang="en-US" dirty="0"/>
+              <a:t>Flask</a:t>
+            </a:r>
+          </a:p>
+          <a:p>
+            <a:r>
+              <a:rPr lang="en-US" dirty="0"/>
+              <a:t>Bootstrap</a:t>
+            </a:r>
+          </a:p>
+          <a:p>
+            <a:r>
+              <a:rPr lang="en-US" dirty="0"/>
+              <a:t>Heroku</a:t>
+            </a:r>
+          </a:p>
+          <a:p>
+            <a:r>
+              <a:rPr lang="en-US" dirty="0"/>
+              <a:t>PostgreSQL</a:t>
+            </a:r>
+          </a:p>
+          <a:p>
+            <a:r>
+              <a:rPr lang="en-US" dirty="0"/>
+              <a:t>Cryptocompare API</a:t>
+            </a:r>
+          </a:p>
+          <a:p>
+            <a:endParaRPr lang="en-US" dirty="0"/>
+          </a:p>
+          <a:p>
+            <a:endParaRPr lang="en-US" dirty="0"/>
+          </a:p>
+        </p:txBody>
+      </p:sp>
+    </p:spTree>
+    <p:extLst>
+      <p:ext uri="{BB962C8B-B14F-4D97-AF65-F5344CB8AC3E}">
+        <p14:creationId xmlns:p14="http://schemas.microsoft.com/office/powerpoint/2010/main" val="3316311697"/>
+      </p:ext>
+    </p:extLst>
+  </p:cSld>
+  <p:clrMapOvr>
+    <a:masterClrMapping/>
+  </p:clrMapOvr>
+</p:sld>
+</file>
+
+<file path=ppt/slides/slide13.xml><?xml version="1.0" encoding="utf-8"?>
+<p:sld xmlns:a="http://schemas.openxmlformats.org/drawingml/2006/main" xmlns:r="http://schemas.openxmlformats.org/officeDocument/2006/relationships" xmlns:p="http://schemas.openxmlformats.org/presentationml/2006/main">
+  <p:cSld>
+    <p:spTree>
+      <p:nvGrpSpPr>
+        <p:cNvPr id="1" name=""/>
+        <p:cNvGrpSpPr/>
+        <p:nvPr/>
+      </p:nvGrpSpPr>
+      <p:grpSpPr>
+        <a:xfrm>
+          <a:off x="0" y="0"/>
+          <a:ext cx="0" cy="0"/>
+          <a:chOff x="0" y="0"/>
+          <a:chExt cx="0" cy="0"/>
+        </a:xfrm>
+      </p:grpSpPr>
+      <p:sp>
+        <p:nvSpPr>
           <p:cNvPr id="2" name="Title 1">
             <a:extLst>
               <a:ext uri="{FF2B5EF4-FFF2-40B4-BE49-F238E27FC236}">
@@ -9842,7 +10236,7 @@
 </p:sld>
 </file>
 
-<file path=ppt/slides/slide13.xml><?xml version="1.0" encoding="utf-8"?>
+<file path=ppt/slides/slide14.xml><?xml version="1.0" encoding="utf-8"?>
 <p:sld xmlns:a="http://schemas.openxmlformats.org/drawingml/2006/main" xmlns:r="http://schemas.openxmlformats.org/officeDocument/2006/relationships" xmlns:p="http://schemas.openxmlformats.org/presentationml/2006/main">
   <p:cSld>
     <p:spTree>
@@ -10452,6 +10846,317 @@
 </file>
 
 <file path=ppt/slides/slide7.xml><?xml version="1.0" encoding="utf-8"?>
+<p:sld xmlns:a="http://schemas.openxmlformats.org/drawingml/2006/main" xmlns:r="http://schemas.openxmlformats.org/officeDocument/2006/relationships" xmlns:p="http://schemas.openxmlformats.org/presentationml/2006/main">
+  <p:cSld>
+    <p:bg>
+      <p:bgPr>
+        <a:solidFill>
+          <a:schemeClr val="bg1"/>
+        </a:solidFill>
+        <a:effectLst/>
+      </p:bgPr>
+    </p:bg>
+    <p:spTree>
+      <p:nvGrpSpPr>
+        <p:cNvPr id="1" name=""/>
+        <p:cNvGrpSpPr/>
+        <p:nvPr/>
+      </p:nvGrpSpPr>
+      <p:grpSpPr>
+        <a:xfrm>
+          <a:off x="0" y="0"/>
+          <a:ext cx="0" cy="0"/>
+          <a:chOff x="0" y="0"/>
+          <a:chExt cx="0" cy="0"/>
+        </a:xfrm>
+      </p:grpSpPr>
+      <p:sp>
+        <p:nvSpPr>
+          <p:cNvPr id="27" name="Rectangle 23">
+            <a:extLst>
+              <a:ext uri="{FF2B5EF4-FFF2-40B4-BE49-F238E27FC236}">
+                <a16:creationId xmlns:a16="http://schemas.microsoft.com/office/drawing/2014/main" id="{CDA1A2E9-63FE-408D-A803-8E306ECAB4B3}"/>
+              </a:ext>
+              <a:ext uri="{C183D7F6-B498-43B3-948B-1728B52AA6E4}">
+                <adec:decorative xmlns:adec="http://schemas.microsoft.com/office/drawing/2017/decorative" val="1"/>
+              </a:ext>
+            </a:extLst>
+          </p:cNvPr>
+          <p:cNvSpPr>
+            <a:spLocks noGrp="1" noRot="1" noChangeAspect="1" noMove="1" noResize="1" noEditPoints="1" noAdjustHandles="1" noChangeArrowheads="1" noChangeShapeType="1" noTextEdit="1"/>
+          </p:cNvSpPr>
+          <p:nvPr>
+            <p:extLst>
+              <p:ext uri="{386F3935-93C4-4BCD-93E2-E3B085C9AB24}">
+                <p16:designElem xmlns:p16="http://schemas.microsoft.com/office/powerpoint/2015/main" val="1"/>
+              </p:ext>
+            </p:extLst>
+          </p:nvPr>
+        </p:nvSpPr>
+        <p:spPr>
+          <a:xfrm>
+            <a:off x="7827522" y="450222"/>
+            <a:ext cx="3902420" cy="4235636"/>
+          </a:xfrm>
+          <a:prstGeom prst="rect">
+            <a:avLst/>
+          </a:prstGeom>
+          <a:solidFill>
+            <a:srgbClr val="595959"/>
+          </a:solidFill>
+          <a:ln w="25400">
+            <a:noFill/>
+          </a:ln>
+        </p:spPr>
+        <p:style>
+          <a:lnRef idx="2">
+            <a:schemeClr val="accent1">
+              <a:shade val="50000"/>
+            </a:schemeClr>
+          </a:lnRef>
+          <a:fillRef idx="1">
+            <a:schemeClr val="accent1"/>
+          </a:fillRef>
+          <a:effectRef idx="0">
+            <a:schemeClr val="accent1"/>
+          </a:effectRef>
+          <a:fontRef idx="minor">
+            <a:schemeClr val="lt1"/>
+          </a:fontRef>
+        </p:style>
+        <p:txBody>
+          <a:bodyPr rtlCol="0" anchor="ctr"/>
+          <a:lstStyle/>
+          <a:p>
+            <a:pPr algn="ctr"/>
+            <a:endParaRPr lang="en-US">
+              <a:solidFill>
+                <a:srgbClr val="FFFFFF"/>
+              </a:solidFill>
+            </a:endParaRPr>
+          </a:p>
+        </p:txBody>
+      </p:sp>
+      <p:sp>
+        <p:nvSpPr>
+          <p:cNvPr id="2" name="Title 1">
+            <a:extLst>
+              <a:ext uri="{FF2B5EF4-FFF2-40B4-BE49-F238E27FC236}">
+                <a16:creationId xmlns:a16="http://schemas.microsoft.com/office/drawing/2014/main" id="{03ECC821-18EF-4EDD-AF73-57C204CD3E7E}"/>
+              </a:ext>
+            </a:extLst>
+          </p:cNvPr>
+          <p:cNvSpPr>
+            <a:spLocks noGrp="1"/>
+          </p:cNvSpPr>
+          <p:nvPr>
+            <p:ph type="title"/>
+          </p:nvPr>
+        </p:nvSpPr>
+        <p:spPr>
+          <a:xfrm>
+            <a:off x="8100127" y="932688"/>
+            <a:ext cx="3361677" cy="3273552"/>
+          </a:xfrm>
+        </p:spPr>
+        <p:txBody>
+          <a:bodyPr vert="horz" lIns="91440" tIns="45720" rIns="91440" bIns="45720" rtlCol="0" anchor="ctr">
+            <a:normAutofit/>
+          </a:bodyPr>
+          <a:lstStyle/>
+          <a:p>
+            <a:r>
+              <a:rPr lang="en-US" sz="5000">
+                <a:solidFill>
+                  <a:srgbClr val="FFFFFF"/>
+                </a:solidFill>
+              </a:rPr>
+              <a:t>Zoom</a:t>
+            </a:r>
+          </a:p>
+        </p:txBody>
+      </p:sp>
+      <p:sp>
+        <p:nvSpPr>
+          <p:cNvPr id="26" name="Rectangle 25">
+            <a:extLst>
+              <a:ext uri="{FF2B5EF4-FFF2-40B4-BE49-F238E27FC236}">
+                <a16:creationId xmlns:a16="http://schemas.microsoft.com/office/drawing/2014/main" id="{FBE9F90C-C163-435B-9A68-D15C92D1CF2B}"/>
+              </a:ext>
+              <a:ext uri="{C183D7F6-B498-43B3-948B-1728B52AA6E4}">
+                <adec:decorative xmlns:adec="http://schemas.microsoft.com/office/drawing/2017/decorative" val="1"/>
+              </a:ext>
+            </a:extLst>
+          </p:cNvPr>
+          <p:cNvSpPr>
+            <a:spLocks noGrp="1" noRot="1" noChangeAspect="1" noMove="1" noResize="1" noEditPoints="1" noAdjustHandles="1" noChangeArrowheads="1" noChangeShapeType="1" noTextEdit="1"/>
+          </p:cNvSpPr>
+          <p:nvPr>
+            <p:extLst>
+              <p:ext uri="{386F3935-93C4-4BCD-93E2-E3B085C9AB24}">
+                <p16:designElem xmlns:p16="http://schemas.microsoft.com/office/powerpoint/2015/main" val="1"/>
+              </p:ext>
+            </p:extLst>
+          </p:nvPr>
+        </p:nvSpPr>
+        <p:spPr>
+          <a:xfrm>
+            <a:off x="7827521" y="4843002"/>
+            <a:ext cx="2391411" cy="1564776"/>
+          </a:xfrm>
+          <a:prstGeom prst="rect">
+            <a:avLst/>
+          </a:prstGeom>
+          <a:solidFill>
+            <a:schemeClr val="accent5">
+              <a:alpha val="95000"/>
+            </a:schemeClr>
+          </a:solidFill>
+          <a:ln w="25400">
+            <a:noFill/>
+          </a:ln>
+        </p:spPr>
+        <p:style>
+          <a:lnRef idx="2">
+            <a:schemeClr val="accent1">
+              <a:shade val="50000"/>
+            </a:schemeClr>
+          </a:lnRef>
+          <a:fillRef idx="1">
+            <a:schemeClr val="accent1"/>
+          </a:fillRef>
+          <a:effectRef idx="0">
+            <a:schemeClr val="accent1"/>
+          </a:effectRef>
+          <a:fontRef idx="minor">
+            <a:schemeClr val="lt1"/>
+          </a:fontRef>
+        </p:style>
+        <p:txBody>
+          <a:bodyPr rtlCol="0" anchor="ctr"/>
+          <a:lstStyle/>
+          <a:p>
+            <a:pPr algn="ctr"/>
+            <a:endParaRPr lang="en-US">
+              <a:solidFill>
+                <a:srgbClr val="FFFFFF"/>
+              </a:solidFill>
+            </a:endParaRPr>
+          </a:p>
+        </p:txBody>
+      </p:sp>
+      <p:pic>
+        <p:nvPicPr>
+          <p:cNvPr id="3" name="Picture 2">
+            <a:extLst>
+              <a:ext uri="{FF2B5EF4-FFF2-40B4-BE49-F238E27FC236}">
+                <a16:creationId xmlns:a16="http://schemas.microsoft.com/office/drawing/2014/main" id="{E2F120C0-DD09-4C05-A669-2A631A2CDDB0}"/>
+              </a:ext>
+            </a:extLst>
+          </p:cNvPr>
+          <p:cNvPicPr>
+            <a:picLocks noChangeAspect="1"/>
+          </p:cNvPicPr>
+          <p:nvPr/>
+        </p:nvPicPr>
+        <p:blipFill rotWithShape="1">
+          <a:blip r:embed="rId2"/>
+          <a:srcRect l="8840" r="18591" b="-1"/>
+          <a:stretch/>
+        </p:blipFill>
+        <p:spPr>
+          <a:xfrm>
+            <a:off x="466344" y="450221"/>
+            <a:ext cx="7205515" cy="5957557"/>
+          </a:xfrm>
+          <a:prstGeom prst="rect">
+            <a:avLst/>
+          </a:prstGeom>
+        </p:spPr>
+      </p:pic>
+      <p:sp>
+        <p:nvSpPr>
+          <p:cNvPr id="28" name="Rectangle 27">
+            <a:extLst>
+              <a:ext uri="{FF2B5EF4-FFF2-40B4-BE49-F238E27FC236}">
+                <a16:creationId xmlns:a16="http://schemas.microsoft.com/office/drawing/2014/main" id="{1A882A9F-F4E9-4E23-8F0B-20B5DF42EAA9}"/>
+              </a:ext>
+              <a:ext uri="{C183D7F6-B498-43B3-948B-1728B52AA6E4}">
+                <adec:decorative xmlns:adec="http://schemas.microsoft.com/office/drawing/2017/decorative" val="1"/>
+              </a:ext>
+            </a:extLst>
+          </p:cNvPr>
+          <p:cNvSpPr>
+            <a:spLocks noGrp="1" noRot="1" noChangeAspect="1" noMove="1" noResize="1" noEditPoints="1" noAdjustHandles="1" noChangeArrowheads="1" noChangeShapeType="1" noTextEdit="1"/>
+          </p:cNvSpPr>
+          <p:nvPr>
+            <p:extLst>
+              <p:ext uri="{386F3935-93C4-4BCD-93E2-E3B085C9AB24}">
+                <p16:designElem xmlns:p16="http://schemas.microsoft.com/office/powerpoint/2015/main" val="1"/>
+              </p:ext>
+            </p:extLst>
+          </p:nvPr>
+        </p:nvSpPr>
+        <p:spPr>
+          <a:xfrm>
+            <a:off x="10374594" y="4843002"/>
+            <a:ext cx="1351062" cy="1568472"/>
+          </a:xfrm>
+          <a:prstGeom prst="rect">
+            <a:avLst/>
+          </a:prstGeom>
+          <a:solidFill>
+            <a:srgbClr val="524532"/>
+          </a:solidFill>
+          <a:ln w="25400">
+            <a:solidFill>
+              <a:srgbClr val="524532"/>
+            </a:solidFill>
+          </a:ln>
+        </p:spPr>
+        <p:style>
+          <a:lnRef idx="2">
+            <a:schemeClr val="accent1">
+              <a:shade val="50000"/>
+            </a:schemeClr>
+          </a:lnRef>
+          <a:fillRef idx="1">
+            <a:schemeClr val="accent1"/>
+          </a:fillRef>
+          <a:effectRef idx="0">
+            <a:schemeClr val="accent1"/>
+          </a:effectRef>
+          <a:fontRef idx="minor">
+            <a:schemeClr val="lt1"/>
+          </a:fontRef>
+        </p:style>
+        <p:txBody>
+          <a:bodyPr rtlCol="0" anchor="ctr"/>
+          <a:lstStyle/>
+          <a:p>
+            <a:pPr algn="ctr"/>
+            <a:endParaRPr lang="en-US">
+              <a:solidFill>
+                <a:srgbClr val="FFFFFF"/>
+              </a:solidFill>
+            </a:endParaRPr>
+          </a:p>
+        </p:txBody>
+      </p:sp>
+    </p:spTree>
+    <p:extLst>
+      <p:ext uri="{BB962C8B-B14F-4D97-AF65-F5344CB8AC3E}">
+        <p14:creationId xmlns:p14="http://schemas.microsoft.com/office/powerpoint/2010/main" val="35021272"/>
+      </p:ext>
+    </p:extLst>
+  </p:cSld>
+  <p:clrMapOvr>
+    <a:masterClrMapping/>
+  </p:clrMapOvr>
+</p:sld>
+</file>
+
+<file path=ppt/slides/slide8.xml><?xml version="1.0" encoding="utf-8"?>
 <p:sld xmlns:a="http://schemas.openxmlformats.org/drawingml/2006/main" xmlns:r="http://schemas.openxmlformats.org/officeDocument/2006/relationships" xmlns:p="http://schemas.openxmlformats.org/presentationml/2006/main">
   <p:cSld>
     <p:bg>
@@ -10830,7 +11535,7 @@
 </p:sld>
 </file>
 
-<file path=ppt/slides/slide8.xml><?xml version="1.0" encoding="utf-8"?>
+<file path=ppt/slides/slide9.xml><?xml version="1.0" encoding="utf-8"?>
 <p:sld xmlns:a="http://schemas.openxmlformats.org/drawingml/2006/main" xmlns:r="http://schemas.openxmlformats.org/officeDocument/2006/relationships" xmlns:p="http://schemas.openxmlformats.org/presentationml/2006/main">
   <p:cSld>
     <p:bg>
@@ -11077,399 +11782,6 @@
   <p:clrMapOvr>
     <a:masterClrMapping/>
   </p:clrMapOvr>
-</p:sld>
-</file>
-
-<file path=ppt/slides/slide9.xml><?xml version="1.0" encoding="utf-8"?>
-<p:sld xmlns:a="http://schemas.openxmlformats.org/drawingml/2006/main" xmlns:r="http://schemas.openxmlformats.org/officeDocument/2006/relationships" xmlns:p="http://schemas.openxmlformats.org/presentationml/2006/main">
-  <p:cSld>
-    <p:spTree>
-      <p:nvGrpSpPr>
-        <p:cNvPr id="1" name=""/>
-        <p:cNvGrpSpPr/>
-        <p:nvPr/>
-      </p:nvGrpSpPr>
-      <p:grpSpPr>
-        <a:xfrm>
-          <a:off x="0" y="0"/>
-          <a:ext cx="0" cy="0"/>
-          <a:chOff x="0" y="0"/>
-          <a:chExt cx="0" cy="0"/>
-        </a:xfrm>
-      </p:grpSpPr>
-      <p:sp>
-        <p:nvSpPr>
-          <p:cNvPr id="31" name="Rectangle 24">
-            <a:extLst>
-              <a:ext uri="{FF2B5EF4-FFF2-40B4-BE49-F238E27FC236}">
-                <a16:creationId xmlns:a16="http://schemas.microsoft.com/office/drawing/2014/main" id="{75F4D120-3921-42A8-A063-46B023CB0CDA}"/>
-              </a:ext>
-              <a:ext uri="{C183D7F6-B498-43B3-948B-1728B52AA6E4}">
-                <adec:decorative xmlns:adec="http://schemas.microsoft.com/office/drawing/2017/decorative" val="1"/>
-              </a:ext>
-            </a:extLst>
-          </p:cNvPr>
-          <p:cNvSpPr>
-            <a:spLocks noGrp="1" noRot="1" noChangeAspect="1" noMove="1" noResize="1" noEditPoints="1" noAdjustHandles="1" noChangeArrowheads="1" noChangeShapeType="1" noTextEdit="1"/>
-          </p:cNvSpPr>
-          <p:nvPr>
-            <p:extLst>
-              <p:ext uri="{386F3935-93C4-4BCD-93E2-E3B085C9AB24}">
-                <p16:designElem xmlns:p16="http://schemas.microsoft.com/office/powerpoint/2015/main" val="1"/>
-              </p:ext>
-            </p:extLst>
-          </p:nvPr>
-        </p:nvSpPr>
-        <p:spPr>
-          <a:xfrm>
-            <a:off x="0" y="0"/>
-            <a:ext cx="12192000" cy="6858000"/>
-          </a:xfrm>
-          <a:prstGeom prst="rect">
-            <a:avLst/>
-          </a:prstGeom>
-          <a:solidFill>
-            <a:srgbClr val="FFFFFF"/>
-          </a:solidFill>
-          <a:ln w="12700" cap="flat" cmpd="sng" algn="ctr">
-            <a:noFill/>
-            <a:prstDash val="solid"/>
-            <a:miter lim="800000"/>
-          </a:ln>
-          <a:effectLst/>
-        </p:spPr>
-        <p:style>
-          <a:lnRef idx="2">
-            <a:schemeClr val="accent1">
-              <a:shade val="50000"/>
-            </a:schemeClr>
-          </a:lnRef>
-          <a:fillRef idx="1">
-            <a:schemeClr val="accent1"/>
-          </a:fillRef>
-          <a:effectRef idx="0">
-            <a:schemeClr val="accent1"/>
-          </a:effectRef>
-          <a:fontRef idx="minor">
-            <a:schemeClr val="lt1"/>
-          </a:fontRef>
-        </p:style>
-        <p:txBody>
-          <a:bodyPr rtlCol="0" anchor="ctr"/>
-          <a:lstStyle/>
-          <a:p>
-            <a:pPr algn="ctr"/>
-            <a:endParaRPr lang="en-US"/>
-          </a:p>
-        </p:txBody>
-      </p:sp>
-      <p:pic>
-        <p:nvPicPr>
-          <p:cNvPr id="6" name="Picture 5" descr="A screenshot of a computer&#10;&#10;Description automatically generated">
-            <a:extLst>
-              <a:ext uri="{FF2B5EF4-FFF2-40B4-BE49-F238E27FC236}">
-                <a16:creationId xmlns:a16="http://schemas.microsoft.com/office/drawing/2014/main" id="{5C9471CF-FB39-477A-8D69-0A9225B5DCAB}"/>
-              </a:ext>
-            </a:extLst>
-          </p:cNvPr>
-          <p:cNvPicPr>
-            <a:picLocks noChangeAspect="1"/>
-          </p:cNvPicPr>
-          <p:nvPr/>
-        </p:nvPicPr>
-        <p:blipFill rotWithShape="1">
-          <a:blip r:embed="rId2">
-            <a:extLst>
-              <a:ext uri="{28A0092B-C50C-407E-A947-70E740481C1C}">
-                <a14:useLocalDpi xmlns:a14="http://schemas.microsoft.com/office/drawing/2010/main" val="0"/>
-              </a:ext>
-            </a:extLst>
-          </a:blip>
-          <a:srcRect l="8699" r="17328" b="1"/>
-          <a:stretch/>
-        </p:blipFill>
-        <p:spPr>
-          <a:xfrm>
-            <a:off x="4476307" y="595421"/>
-            <a:ext cx="7715693" cy="5658438"/>
-          </a:xfrm>
-          <a:prstGeom prst="rect">
-            <a:avLst/>
-          </a:prstGeom>
-        </p:spPr>
-      </p:pic>
-      <p:pic>
-        <p:nvPicPr>
-          <p:cNvPr id="32" name="Picture 26">
-            <a:extLst>
-              <a:ext uri="{FF2B5EF4-FFF2-40B4-BE49-F238E27FC236}">
-                <a16:creationId xmlns:a16="http://schemas.microsoft.com/office/drawing/2014/main" id="{9D01B3E5-85F4-41A9-A504-D5E6268DEC1D}"/>
-              </a:ext>
-              <a:ext uri="{C183D7F6-B498-43B3-948B-1728B52AA6E4}">
-                <adec:decorative xmlns:adec="http://schemas.microsoft.com/office/drawing/2017/decorative" val="1"/>
-              </a:ext>
-            </a:extLst>
-          </p:cNvPr>
-          <p:cNvPicPr>
-            <a:picLocks noGrp="1" noRot="1" noChangeAspect="1" noMove="1" noResize="1" noEditPoints="1" noAdjustHandles="1" noChangeArrowheads="1" noChangeShapeType="1" noCrop="1"/>
-          </p:cNvPicPr>
-          <p:nvPr>
-            <p:extLst>
-              <p:ext uri="{386F3935-93C4-4BCD-93E2-E3B085C9AB24}">
-                <p16:designElem xmlns:p16="http://schemas.microsoft.com/office/powerpoint/2015/main" val="1"/>
-              </p:ext>
-            </p:extLst>
-          </p:nvPr>
-        </p:nvPicPr>
-        <p:blipFill>
-          <a:blip r:embed="rId3">
-            <a:extLst>
-              <a:ext uri="{28A0092B-C50C-407E-A947-70E740481C1C}">
-                <a14:useLocalDpi xmlns:a14="http://schemas.microsoft.com/office/drawing/2010/main" val="0"/>
-              </a:ext>
-            </a:extLst>
-          </a:blip>
-          <a:srcRect r="14729"/>
-          <a:stretch>
-            <a:fillRect/>
-          </a:stretch>
-        </p:blipFill>
-        <p:spPr>
-          <a:xfrm>
-            <a:off x="3466214" y="550975"/>
-            <a:ext cx="8725786" cy="5756049"/>
-          </a:xfrm>
-          <a:custGeom>
-            <a:avLst/>
-            <a:gdLst>
-              <a:gd name="connsiteX0" fmla="*/ 0 w 8725786"/>
-              <a:gd name="connsiteY0" fmla="*/ 0 h 5756049"/>
-              <a:gd name="connsiteX1" fmla="*/ 8725786 w 8725786"/>
-              <a:gd name="connsiteY1" fmla="*/ 0 h 5756049"/>
-              <a:gd name="connsiteX2" fmla="*/ 8725786 w 8725786"/>
-              <a:gd name="connsiteY2" fmla="*/ 5756049 h 5756049"/>
-              <a:gd name="connsiteX3" fmla="*/ 0 w 8725786"/>
-              <a:gd name="connsiteY3" fmla="*/ 5756049 h 5756049"/>
-            </a:gdLst>
-            <a:ahLst/>
-            <a:cxnLst>
-              <a:cxn ang="0">
-                <a:pos x="connsiteX0" y="connsiteY0"/>
-              </a:cxn>
-              <a:cxn ang="0">
-                <a:pos x="connsiteX1" y="connsiteY1"/>
-              </a:cxn>
-              <a:cxn ang="0">
-                <a:pos x="connsiteX2" y="connsiteY2"/>
-              </a:cxn>
-              <a:cxn ang="0">
-                <a:pos x="connsiteX3" y="connsiteY3"/>
-              </a:cxn>
-            </a:cxnLst>
-            <a:rect l="l" t="t" r="r" b="b"/>
-            <a:pathLst>
-              <a:path w="8725786" h="5756049">
-                <a:moveTo>
-                  <a:pt x="0" y="0"/>
-                </a:moveTo>
-                <a:lnTo>
-                  <a:pt x="8725786" y="0"/>
-                </a:lnTo>
-                <a:lnTo>
-                  <a:pt x="8725786" y="5756049"/>
-                </a:lnTo>
-                <a:lnTo>
-                  <a:pt x="0" y="5756049"/>
-                </a:lnTo>
-                <a:close/>
-              </a:path>
-            </a:pathLst>
-          </a:custGeom>
-        </p:spPr>
-      </p:pic>
-      <p:sp>
-        <p:nvSpPr>
-          <p:cNvPr id="3" name="Title 1">
-            <a:extLst>
-              <a:ext uri="{FF2B5EF4-FFF2-40B4-BE49-F238E27FC236}">
-                <a16:creationId xmlns:a16="http://schemas.microsoft.com/office/drawing/2014/main" id="{90116C44-769F-4395-8AE0-5589CFCA5105}"/>
-              </a:ext>
-            </a:extLst>
-          </p:cNvPr>
-          <p:cNvSpPr>
-            <a:spLocks noGrp="1"/>
-          </p:cNvSpPr>
-          <p:nvPr>
-            <p:ph type="title"/>
-          </p:nvPr>
-        </p:nvSpPr>
-        <p:spPr>
-          <a:xfrm>
-            <a:off x="769066" y="4034738"/>
-            <a:ext cx="3948269" cy="2383844"/>
-          </a:xfrm>
-        </p:spPr>
-        <p:txBody>
-          <a:bodyPr vert="horz" lIns="91440" tIns="45720" rIns="91440" bIns="45720" rtlCol="0" anchor="t">
-            <a:normAutofit/>
-          </a:bodyPr>
-          <a:lstStyle/>
-          <a:p>
-            <a:r>
-              <a:rPr lang="en-US" dirty="0">
-                <a:solidFill>
-                  <a:schemeClr val="tx2">
-                    <a:lumMod val="75000"/>
-                  </a:schemeClr>
-                </a:solidFill>
-                <a:latin typeface="Century Gothic" panose="020B0502020202020204" pitchFamily="34" charset="0"/>
-                <a:cs typeface="Aharoni" panose="020B0604020202020204" pitchFamily="2" charset="-79"/>
-              </a:rPr>
-              <a:t>Code Editor</a:t>
-            </a:r>
-          </a:p>
-        </p:txBody>
-      </p:sp>
-    </p:spTree>
-    <p:extLst>
-      <p:ext uri="{BB962C8B-B14F-4D97-AF65-F5344CB8AC3E}">
-        <p14:creationId xmlns:p14="http://schemas.microsoft.com/office/powerpoint/2010/main" val="1278201392"/>
-      </p:ext>
-    </p:extLst>
-  </p:cSld>
-  <p:clrMapOvr>
-    <a:masterClrMapping/>
-  </p:clrMapOvr>
-  <p:timing>
-    <p:tnLst>
-      <p:par>
-        <p:cTn id="1" dur="indefinite" restart="never" nodeType="tmRoot">
-          <p:childTnLst>
-            <p:seq concurrent="1" nextAc="seek">
-              <p:cTn id="2" dur="indefinite" nodeType="mainSeq">
-                <p:childTnLst>
-                  <p:par>
-                    <p:cTn id="3" fill="hold">
-                      <p:stCondLst>
-                        <p:cond delay="indefinite"/>
-                        <p:cond evt="onBegin" delay="0">
-                          <p:tn val="2"/>
-                        </p:cond>
-                      </p:stCondLst>
-                      <p:childTnLst>
-                        <p:par>
-                          <p:cTn id="4" fill="hold">
-                            <p:stCondLst>
-                              <p:cond delay="0"/>
-                            </p:stCondLst>
-                            <p:childTnLst>
-                              <p:par>
-                                <p:cTn id="5" presetID="10" presetClass="entr" presetSubtype="0" fill="hold" nodeType="withEffect">
-                                  <p:stCondLst>
-                                    <p:cond delay="0"/>
-                                  </p:stCondLst>
-                                  <p:iterate>
-                                    <p:tmPct val="10000"/>
-                                  </p:iterate>
-                                  <p:childTnLst>
-                                    <p:set>
-                                      <p:cBhvr>
-                                        <p:cTn id="6" dur="1" fill="hold">
-                                          <p:stCondLst>
-                                            <p:cond delay="0"/>
-                                          </p:stCondLst>
-                                        </p:cTn>
-                                        <p:tgtEl>
-                                          <p:spTgt spid="6"/>
-                                        </p:tgtEl>
-                                        <p:attrNameLst>
-                                          <p:attrName>style.visibility</p:attrName>
-                                        </p:attrNameLst>
-                                      </p:cBhvr>
-                                      <p:to>
-                                        <p:strVal val="visible"/>
-                                      </p:to>
-                                    </p:set>
-                                    <p:animEffect transition="in" filter="fade">
-                                      <p:cBhvr>
-                                        <p:cTn id="7" dur="700"/>
-                                        <p:tgtEl>
-                                          <p:spTgt spid="6"/>
-                                        </p:tgtEl>
-                                      </p:cBhvr>
-                                    </p:animEffect>
-                                  </p:childTnLst>
-                                </p:cTn>
-                              </p:par>
-                              <p:par>
-                                <p:cTn id="8" presetID="10" presetClass="entr" presetSubtype="0" fill="hold" grpId="0" nodeType="withEffect">
-                                  <p:stCondLst>
-                                    <p:cond delay="1000"/>
-                                  </p:stCondLst>
-                                  <p:iterate>
-                                    <p:tmPct val="10000"/>
-                                  </p:iterate>
-                                  <p:childTnLst>
-                                    <p:set>
-                                      <p:cBhvr>
-                                        <p:cTn id="9" dur="1" fill="hold">
-                                          <p:stCondLst>
-                                            <p:cond delay="0"/>
-                                          </p:stCondLst>
-                                        </p:cTn>
-                                        <p:tgtEl>
-                                          <p:spTgt spid="3"/>
-                                        </p:tgtEl>
-                                        <p:attrNameLst>
-                                          <p:attrName>style.visibility</p:attrName>
-                                        </p:attrNameLst>
-                                      </p:cBhvr>
-                                      <p:to>
-                                        <p:strVal val="visible"/>
-                                      </p:to>
-                                    </p:set>
-                                    <p:animEffect transition="in" filter="fade">
-                                      <p:cBhvr>
-                                        <p:cTn id="10" dur="700"/>
-                                        <p:tgtEl>
-                                          <p:spTgt spid="3"/>
-                                        </p:tgtEl>
-                                      </p:cBhvr>
-                                    </p:animEffect>
-                                  </p:childTnLst>
-                                </p:cTn>
-                              </p:par>
-                            </p:childTnLst>
-                          </p:cTn>
-                        </p:par>
-                      </p:childTnLst>
-                    </p:cTn>
-                  </p:par>
-                </p:childTnLst>
-              </p:cTn>
-              <p:prevCondLst>
-                <p:cond evt="onPrev" delay="0">
-                  <p:tgtEl>
-                    <p:sldTgt/>
-                  </p:tgtEl>
-                </p:cond>
-              </p:prevCondLst>
-              <p:nextCondLst>
-                <p:cond evt="onNext" delay="0">
-                  <p:tgtEl>
-                    <p:sldTgt/>
-                  </p:tgtEl>
-                </p:cond>
-              </p:nextCondLst>
-            </p:seq>
-          </p:childTnLst>
-        </p:cTn>
-      </p:par>
-    </p:tnLst>
-    <p:bldLst>
-      <p:bldP spid="3" grpId="0"/>
-    </p:bldLst>
-  </p:timing>
 </p:sld>
 </file>
 
